--- a/SE2018春-G07/最终评审/SE2018春-G07.pptx
+++ b/SE2018春-G07/最终评审/SE2018春-G07.pptx
@@ -3,78 +3,76 @@
 <p:presentation xmlns:a="http://schemas.openxmlformats.org/drawingml/2006/main" xmlns:r="http://schemas.openxmlformats.org/officeDocument/2006/relationships" xmlns:p="http://schemas.openxmlformats.org/presentationml/2006/main" embedTrueTypeFonts="1" saveSubsetFonts="1">
   <p:sldMasterIdLst>
     <p:sldMasterId id="2147483648" r:id="rId1"/>
-    <p:sldMasterId id="2147483756" r:id="rId2"/>
+    <p:sldMasterId id="2147483660" r:id="rId3"/>
   </p:sldMasterIdLst>
   <p:notesMasterIdLst>
-    <p:notesMasterId r:id="rId29"/>
+    <p:notesMasterId r:id="rId30"/>
   </p:notesMasterIdLst>
   <p:handoutMasterIdLst>
-    <p:handoutMasterId r:id="rId30"/>
+    <p:handoutMasterId r:id="rId31"/>
   </p:handoutMasterIdLst>
   <p:sldIdLst>
-    <p:sldId id="269" r:id="rId3"/>
-    <p:sldId id="282" r:id="rId4"/>
-    <p:sldId id="257" r:id="rId5"/>
-    <p:sldId id="283" r:id="rId6"/>
-    <p:sldId id="284" r:id="rId7"/>
-    <p:sldId id="285" r:id="rId8"/>
-    <p:sldId id="286" r:id="rId9"/>
-    <p:sldId id="294" r:id="rId10"/>
-    <p:sldId id="295" r:id="rId11"/>
-    <p:sldId id="296" r:id="rId12"/>
-    <p:sldId id="297" r:id="rId13"/>
-    <p:sldId id="287" r:id="rId14"/>
-    <p:sldId id="298" r:id="rId15"/>
-    <p:sldId id="299" r:id="rId16"/>
-    <p:sldId id="300" r:id="rId17"/>
-    <p:sldId id="301" r:id="rId18"/>
-    <p:sldId id="302" r:id="rId19"/>
-    <p:sldId id="303" r:id="rId20"/>
-    <p:sldId id="289" r:id="rId21"/>
-    <p:sldId id="304" r:id="rId22"/>
-    <p:sldId id="290" r:id="rId23"/>
-    <p:sldId id="305" r:id="rId24"/>
-    <p:sldId id="291" r:id="rId25"/>
-    <p:sldId id="292" r:id="rId26"/>
-    <p:sldId id="293" r:id="rId27"/>
-    <p:sldId id="281" r:id="rId28"/>
+    <p:sldId id="269" r:id="rId4"/>
+    <p:sldId id="282" r:id="rId5"/>
+    <p:sldId id="257" r:id="rId6"/>
+    <p:sldId id="283" r:id="rId7"/>
+    <p:sldId id="284" r:id="rId8"/>
+    <p:sldId id="285" r:id="rId9"/>
+    <p:sldId id="286" r:id="rId10"/>
+    <p:sldId id="294" r:id="rId11"/>
+    <p:sldId id="295" r:id="rId12"/>
+    <p:sldId id="296" r:id="rId13"/>
+    <p:sldId id="297" r:id="rId14"/>
+    <p:sldId id="287" r:id="rId15"/>
+    <p:sldId id="298" r:id="rId16"/>
+    <p:sldId id="299" r:id="rId17"/>
+    <p:sldId id="300" r:id="rId18"/>
+    <p:sldId id="301" r:id="rId19"/>
+    <p:sldId id="302" r:id="rId20"/>
+    <p:sldId id="303" r:id="rId21"/>
+    <p:sldId id="289" r:id="rId22"/>
+    <p:sldId id="304" r:id="rId23"/>
+    <p:sldId id="290" r:id="rId24"/>
+    <p:sldId id="305" r:id="rId25"/>
+    <p:sldId id="291" r:id="rId26"/>
+    <p:sldId id="292" r:id="rId27"/>
+    <p:sldId id="293" r:id="rId28"/>
+    <p:sldId id="281" r:id="rId29"/>
   </p:sldIdLst>
   <p:sldSz cx="12192000" cy="6858000"/>
   <p:notesSz cx="6858000" cy="9144000"/>
   <p:embeddedFontLst>
     <p:embeddedFont>
-      <p:font typeface="Calibri Light" pitchFamily="34" charset="0"/>
-      <p:regular r:id="rId31"/>
-      <p:italic r:id="rId32"/>
+      <p:font typeface="Droid Sans" panose="020B0606030804020204" pitchFamily="34" charset="0"/>
+      <p:regular r:id="rId35"/>
     </p:embeddedFont>
     <p:embeddedFont>
-      <p:font typeface="方正正纤黑简体" charset="-122"/>
-      <p:regular r:id="rId33"/>
+      <p:font typeface="方正正纤黑简体" panose="02000000000000000000" pitchFamily="2" charset="-122"/>
+      <p:regular r:id="rId36"/>
     </p:embeddedFont>
     <p:embeddedFont>
-      <p:font typeface="微软雅黑" pitchFamily="34" charset="-122"/>
-      <p:regular r:id="rId34"/>
-      <p:bold r:id="rId35"/>
+      <p:font typeface="微软雅黑" panose="020B0503020204020204" pitchFamily="34" charset="-122"/>
+      <p:regular r:id="rId37"/>
     </p:embeddedFont>
     <p:embeddedFont>
-      <p:font typeface="等线" pitchFamily="2" charset="-122"/>
-      <p:regular r:id="rId36"/>
-      <p:bold r:id="rId37"/>
-    </p:embeddedFont>
-    <p:embeddedFont>
-      <p:font typeface="微软雅黑 Light" pitchFamily="34" charset="-122"/>
+      <p:font typeface="微软雅黑 Light" panose="020B0502040204020203" pitchFamily="34" charset="-122"/>
       <p:regular r:id="rId38"/>
     </p:embeddedFont>
     <p:embeddedFont>
-      <p:font typeface="Droid Sans" charset="0"/>
+      <p:font typeface="等线" panose="02010600030101010101" pitchFamily="2" charset="-122"/>
       <p:regular r:id="rId39"/>
     </p:embeddedFont>
     <p:embeddedFont>
-      <p:font typeface="Calibri" pitchFamily="34" charset="0"/>
+      <p:font typeface="Calibri" panose="020F0502020204030204" charset="0"/>
       <p:regular r:id="rId40"/>
       <p:bold r:id="rId41"/>
       <p:italic r:id="rId42"/>
       <p:boldItalic r:id="rId43"/>
+    </p:embeddedFont>
+    <p:embeddedFont>
+      <p:font typeface="Calibri Light" panose="020F0302020204030204" charset="0"/>
+      <p:regular r:id="rId44"/>
+      <p:italic r:id="rId45"/>
     </p:embeddedFont>
   </p:embeddedFontLst>
   <p:defaultTextStyle>
@@ -257,7 +255,6 @@
           <a:p>
             <a:fld id="{0F9B84EA-7D68-4D60-9CB1-D50884785D1C}" type="datetimeFigureOut">
               <a:rPr lang="zh-CN" altLang="en-US" smtClean="0"/>
-              <a:t>2018/6/27</a:t>
             </a:fld>
             <a:endParaRPr lang="zh-CN" altLang="en-US"/>
           </a:p>
@@ -323,18 +320,12 @@
           <a:p>
             <a:fld id="{8D4E0FC9-F1F8-4FAE-9988-3BA365CFD46F}" type="slidenum">
               <a:rPr lang="zh-CN" altLang="en-US" smtClean="0"/>
-              <a:t>‹#›</a:t>
             </a:fld>
             <a:endParaRPr lang="zh-CN" altLang="en-US"/>
           </a:p>
         </p:txBody>
       </p:sp>
     </p:spTree>
-    <p:extLst>
-      <p:ext uri="{BB962C8B-B14F-4D97-AF65-F5344CB8AC3E}">
-        <p14:creationId xmlns:p14="http://schemas.microsoft.com/office/powerpoint/2010/main" val="4063063923"/>
-      </p:ext>
-    </p:extLst>
   </p:cSld>
   <p:clrMap bg1="lt1" tx1="dk1" bg2="lt2" tx2="dk2" accent1="accent1" accent2="accent2" accent3="accent3" accent4="accent4" accent5="accent5" accent6="accent6" hlink="hlink" folHlink="folHlink"/>
 </p:handoutMaster>
@@ -422,7 +413,6 @@
           <a:p>
             <a:fld id="{913F4DCD-3E9F-4F9E-ACC9-6C38FDEAE701}" type="datetimeFigureOut">
               <a:rPr lang="zh-CN" altLang="en-US" smtClean="0"/>
-              <a:t>2018/6/27</a:t>
             </a:fld>
             <a:endParaRPr lang="zh-CN" altLang="en-US"/>
           </a:p>
@@ -489,6 +479,7 @@
               <a:rPr lang="zh-CN" altLang="en-US" smtClean="0"/>
               <a:t>单击此处编辑母版文本样式</a:t>
             </a:r>
+            <a:endParaRPr lang="zh-CN" altLang="en-US" smtClean="0"/>
           </a:p>
           <a:p>
             <a:pPr lvl="1"/>
@@ -496,6 +487,7 @@
               <a:rPr lang="zh-CN" altLang="en-US" smtClean="0"/>
               <a:t>第二级</a:t>
             </a:r>
+            <a:endParaRPr lang="zh-CN" altLang="en-US" smtClean="0"/>
           </a:p>
           <a:p>
             <a:pPr lvl="2"/>
@@ -503,6 +495,7 @@
               <a:rPr lang="zh-CN" altLang="en-US" smtClean="0"/>
               <a:t>第三级</a:t>
             </a:r>
+            <a:endParaRPr lang="zh-CN" altLang="en-US" smtClean="0"/>
           </a:p>
           <a:p>
             <a:pPr lvl="3"/>
@@ -510,6 +503,7 @@
               <a:rPr lang="zh-CN" altLang="en-US" smtClean="0"/>
               <a:t>第四级</a:t>
             </a:r>
+            <a:endParaRPr lang="zh-CN" altLang="en-US" smtClean="0"/>
           </a:p>
           <a:p>
             <a:pPr lvl="4"/>
@@ -581,18 +575,12 @@
           <a:p>
             <a:fld id="{A5FD8AA7-E4F4-4954-B1C4-D60F0423E205}" type="slidenum">
               <a:rPr lang="zh-CN" altLang="en-US" smtClean="0"/>
-              <a:t>‹#›</a:t>
             </a:fld>
             <a:endParaRPr lang="zh-CN" altLang="en-US"/>
           </a:p>
         </p:txBody>
       </p:sp>
     </p:spTree>
-    <p:extLst>
-      <p:ext uri="{BB962C8B-B14F-4D97-AF65-F5344CB8AC3E}">
-        <p14:creationId xmlns:p14="http://schemas.microsoft.com/office/powerpoint/2010/main" val="1412175347"/>
-      </p:ext>
-    </p:extLst>
   </p:cSld>
   <p:clrMap bg1="lt1" tx1="dk1" bg2="lt2" tx2="dk2" accent1="accent1" accent2="accent2" accent3="accent3" accent4="accent4" accent5="accent5" accent6="accent6" hlink="hlink" folHlink="folHlink"/>
   <p:notesStyle>
@@ -821,7 +809,6 @@
           <a:p>
             <a:fld id="{CCE93D33-261F-41EA-AFA7-31BD512684FE}" type="datetimeFigureOut">
               <a:rPr lang="zh-CN" altLang="en-US" smtClean="0"/>
-              <a:t>2018/6/27</a:t>
             </a:fld>
             <a:endParaRPr lang="zh-CN" altLang="en-US"/>
           </a:p>
@@ -863,7 +850,6 @@
           <a:p>
             <a:fld id="{D864B330-6AAC-4D3D-B270-2BD0359A3F9F}" type="slidenum">
               <a:rPr lang="zh-CN" altLang="en-US" smtClean="0"/>
-              <a:t>‹#›</a:t>
             </a:fld>
             <a:endParaRPr lang="zh-CN" altLang="en-US"/>
           </a:p>
@@ -937,6 +923,7 @@
               <a:rPr lang="zh-CN" altLang="en-US" smtClean="0"/>
               <a:t>单击此处编辑母版文本样式</a:t>
             </a:r>
+            <a:endParaRPr lang="zh-CN" altLang="en-US" smtClean="0"/>
           </a:p>
           <a:p>
             <a:pPr lvl="1"/>
@@ -944,6 +931,7 @@
               <a:rPr lang="zh-CN" altLang="en-US" smtClean="0"/>
               <a:t>第二级</a:t>
             </a:r>
+            <a:endParaRPr lang="zh-CN" altLang="en-US" smtClean="0"/>
           </a:p>
           <a:p>
             <a:pPr lvl="2"/>
@@ -951,6 +939,7 @@
               <a:rPr lang="zh-CN" altLang="en-US" smtClean="0"/>
               <a:t>第三级</a:t>
             </a:r>
+            <a:endParaRPr lang="zh-CN" altLang="en-US" smtClean="0"/>
           </a:p>
           <a:p>
             <a:pPr lvl="3"/>
@@ -958,6 +947,7 @@
               <a:rPr lang="zh-CN" altLang="en-US" smtClean="0"/>
               <a:t>第四级</a:t>
             </a:r>
+            <a:endParaRPr lang="zh-CN" altLang="en-US" smtClean="0"/>
           </a:p>
           <a:p>
             <a:pPr lvl="4"/>
@@ -986,7 +976,6 @@
           <a:p>
             <a:fld id="{CCE93D33-261F-41EA-AFA7-31BD512684FE}" type="datetimeFigureOut">
               <a:rPr lang="zh-CN" altLang="en-US" smtClean="0"/>
-              <a:t>2018/6/27</a:t>
             </a:fld>
             <a:endParaRPr lang="zh-CN" altLang="en-US"/>
           </a:p>
@@ -1028,7 +1017,6 @@
           <a:p>
             <a:fld id="{D864B330-6AAC-4D3D-B270-2BD0359A3F9F}" type="slidenum">
               <a:rPr lang="zh-CN" altLang="en-US" smtClean="0"/>
-              <a:t>‹#›</a:t>
             </a:fld>
             <a:endParaRPr lang="zh-CN" altLang="en-US"/>
           </a:p>
@@ -1112,6 +1100,7 @@
               <a:rPr lang="zh-CN" altLang="en-US" smtClean="0"/>
               <a:t>单击此处编辑母版文本样式</a:t>
             </a:r>
+            <a:endParaRPr lang="zh-CN" altLang="en-US" smtClean="0"/>
           </a:p>
           <a:p>
             <a:pPr lvl="1"/>
@@ -1119,6 +1108,7 @@
               <a:rPr lang="zh-CN" altLang="en-US" smtClean="0"/>
               <a:t>第二级</a:t>
             </a:r>
+            <a:endParaRPr lang="zh-CN" altLang="en-US" smtClean="0"/>
           </a:p>
           <a:p>
             <a:pPr lvl="2"/>
@@ -1126,6 +1116,7 @@
               <a:rPr lang="zh-CN" altLang="en-US" smtClean="0"/>
               <a:t>第三级</a:t>
             </a:r>
+            <a:endParaRPr lang="zh-CN" altLang="en-US" smtClean="0"/>
           </a:p>
           <a:p>
             <a:pPr lvl="3"/>
@@ -1133,6 +1124,7 @@
               <a:rPr lang="zh-CN" altLang="en-US" smtClean="0"/>
               <a:t>第四级</a:t>
             </a:r>
+            <a:endParaRPr lang="zh-CN" altLang="en-US" smtClean="0"/>
           </a:p>
           <a:p>
             <a:pPr lvl="4"/>
@@ -1161,7 +1153,6 @@
           <a:p>
             <a:fld id="{CCE93D33-261F-41EA-AFA7-31BD512684FE}" type="datetimeFigureOut">
               <a:rPr lang="zh-CN" altLang="en-US" smtClean="0"/>
-              <a:t>2018/6/27</a:t>
             </a:fld>
             <a:endParaRPr lang="zh-CN" altLang="en-US"/>
           </a:p>
@@ -1203,7 +1194,6 @@
           <a:p>
             <a:fld id="{D864B330-6AAC-4D3D-B270-2BD0359A3F9F}" type="slidenum">
               <a:rPr lang="zh-CN" altLang="en-US" smtClean="0"/>
-              <a:t>‹#›</a:t>
             </a:fld>
             <a:endParaRPr lang="zh-CN" altLang="en-US"/>
           </a:p>
@@ -1354,7 +1344,6 @@
                   </a:srgbClr>
                 </a:solidFill>
               </a:rPr>
-              <a:t>2018/6/27</a:t>
             </a:fld>
             <a:endParaRPr lang="zh-CN" altLang="en-US">
               <a:solidFill>
@@ -1414,7 +1403,6 @@
                   </a:srgbClr>
                 </a:solidFill>
               </a:rPr>
-              <a:t>‹#›</a:t>
             </a:fld>
             <a:endParaRPr lang="zh-CN" altLang="en-US">
               <a:solidFill>
@@ -1494,6 +1482,7 @@
               <a:rPr lang="zh-CN" altLang="en-US" smtClean="0"/>
               <a:t>单击此处编辑母版文本样式</a:t>
             </a:r>
+            <a:endParaRPr lang="zh-CN" altLang="en-US" smtClean="0"/>
           </a:p>
           <a:p>
             <a:pPr lvl="1"/>
@@ -1501,6 +1490,7 @@
               <a:rPr lang="zh-CN" altLang="en-US" smtClean="0"/>
               <a:t>第二级</a:t>
             </a:r>
+            <a:endParaRPr lang="zh-CN" altLang="en-US" smtClean="0"/>
           </a:p>
           <a:p>
             <a:pPr lvl="2"/>
@@ -1508,6 +1498,7 @@
               <a:rPr lang="zh-CN" altLang="en-US" smtClean="0"/>
               <a:t>第三级</a:t>
             </a:r>
+            <a:endParaRPr lang="zh-CN" altLang="en-US" smtClean="0"/>
           </a:p>
           <a:p>
             <a:pPr lvl="3"/>
@@ -1515,6 +1506,7 @@
               <a:rPr lang="zh-CN" altLang="en-US" smtClean="0"/>
               <a:t>第四级</a:t>
             </a:r>
+            <a:endParaRPr lang="zh-CN" altLang="en-US" smtClean="0"/>
           </a:p>
           <a:p>
             <a:pPr lvl="4"/>
@@ -1549,7 +1541,6 @@
                   </a:srgbClr>
                 </a:solidFill>
               </a:rPr>
-              <a:t>2018/6/27</a:t>
             </a:fld>
             <a:endParaRPr lang="zh-CN" altLang="en-US">
               <a:solidFill>
@@ -1609,7 +1600,6 @@
                   </a:srgbClr>
                 </a:solidFill>
               </a:rPr>
-              <a:t>‹#›</a:t>
             </a:fld>
             <a:endParaRPr lang="zh-CN" altLang="en-US">
               <a:solidFill>
@@ -1794,6 +1784,7 @@
               <a:rPr lang="zh-CN" altLang="en-US" smtClean="0"/>
               <a:t>单击此处编辑母版文本样式</a:t>
             </a:r>
+            <a:endParaRPr lang="zh-CN" altLang="en-US" smtClean="0"/>
           </a:p>
         </p:txBody>
       </p:sp>
@@ -1820,7 +1811,6 @@
                   </a:srgbClr>
                 </a:solidFill>
               </a:rPr>
-              <a:t>2018/6/27</a:t>
             </a:fld>
             <a:endParaRPr lang="zh-CN" altLang="en-US">
               <a:solidFill>
@@ -1880,7 +1870,6 @@
                   </a:srgbClr>
                 </a:solidFill>
               </a:rPr>
-              <a:t>‹#›</a:t>
             </a:fld>
             <a:endParaRPr lang="zh-CN" altLang="en-US">
               <a:solidFill>
@@ -1965,6 +1954,7 @@
               <a:rPr lang="zh-CN" altLang="en-US" smtClean="0"/>
               <a:t>单击此处编辑母版文本样式</a:t>
             </a:r>
+            <a:endParaRPr lang="zh-CN" altLang="en-US" smtClean="0"/>
           </a:p>
           <a:p>
             <a:pPr lvl="1"/>
@@ -1972,6 +1962,7 @@
               <a:rPr lang="zh-CN" altLang="en-US" smtClean="0"/>
               <a:t>第二级</a:t>
             </a:r>
+            <a:endParaRPr lang="zh-CN" altLang="en-US" smtClean="0"/>
           </a:p>
           <a:p>
             <a:pPr lvl="2"/>
@@ -1979,6 +1970,7 @@
               <a:rPr lang="zh-CN" altLang="en-US" smtClean="0"/>
               <a:t>第三级</a:t>
             </a:r>
+            <a:endParaRPr lang="zh-CN" altLang="en-US" smtClean="0"/>
           </a:p>
           <a:p>
             <a:pPr lvl="3"/>
@@ -1986,6 +1978,7 @@
               <a:rPr lang="zh-CN" altLang="en-US" smtClean="0"/>
               <a:t>第四级</a:t>
             </a:r>
+            <a:endParaRPr lang="zh-CN" altLang="en-US" smtClean="0"/>
           </a:p>
           <a:p>
             <a:pPr lvl="4"/>
@@ -2022,6 +2015,7 @@
               <a:rPr lang="zh-CN" altLang="en-US" smtClean="0"/>
               <a:t>单击此处编辑母版文本样式</a:t>
             </a:r>
+            <a:endParaRPr lang="zh-CN" altLang="en-US" smtClean="0"/>
           </a:p>
           <a:p>
             <a:pPr lvl="1"/>
@@ -2029,6 +2023,7 @@
               <a:rPr lang="zh-CN" altLang="en-US" smtClean="0"/>
               <a:t>第二级</a:t>
             </a:r>
+            <a:endParaRPr lang="zh-CN" altLang="en-US" smtClean="0"/>
           </a:p>
           <a:p>
             <a:pPr lvl="2"/>
@@ -2036,6 +2031,7 @@
               <a:rPr lang="zh-CN" altLang="en-US" smtClean="0"/>
               <a:t>第三级</a:t>
             </a:r>
+            <a:endParaRPr lang="zh-CN" altLang="en-US" smtClean="0"/>
           </a:p>
           <a:p>
             <a:pPr lvl="3"/>
@@ -2043,6 +2039,7 @@
               <a:rPr lang="zh-CN" altLang="en-US" smtClean="0"/>
               <a:t>第四级</a:t>
             </a:r>
+            <a:endParaRPr lang="zh-CN" altLang="en-US" smtClean="0"/>
           </a:p>
           <a:p>
             <a:pPr lvl="4"/>
@@ -2077,7 +2074,6 @@
                   </a:srgbClr>
                 </a:solidFill>
               </a:rPr>
-              <a:t>2018/6/27</a:t>
             </a:fld>
             <a:endParaRPr lang="zh-CN" altLang="en-US">
               <a:solidFill>
@@ -2137,7 +2133,6 @@
                   </a:srgbClr>
                 </a:solidFill>
               </a:rPr>
-              <a:t>‹#›</a:t>
             </a:fld>
             <a:endParaRPr lang="zh-CN" altLang="en-US">
               <a:solidFill>
@@ -2264,6 +2259,7 @@
               <a:rPr lang="zh-CN" altLang="en-US" smtClean="0"/>
               <a:t>单击此处编辑母版文本样式</a:t>
             </a:r>
+            <a:endParaRPr lang="zh-CN" altLang="en-US" smtClean="0"/>
           </a:p>
         </p:txBody>
       </p:sp>
@@ -2292,6 +2288,7 @@
               <a:rPr lang="zh-CN" altLang="en-US" smtClean="0"/>
               <a:t>单击此处编辑母版文本样式</a:t>
             </a:r>
+            <a:endParaRPr lang="zh-CN" altLang="en-US" smtClean="0"/>
           </a:p>
           <a:p>
             <a:pPr lvl="1"/>
@@ -2299,6 +2296,7 @@
               <a:rPr lang="zh-CN" altLang="en-US" smtClean="0"/>
               <a:t>第二级</a:t>
             </a:r>
+            <a:endParaRPr lang="zh-CN" altLang="en-US" smtClean="0"/>
           </a:p>
           <a:p>
             <a:pPr lvl="2"/>
@@ -2306,6 +2304,7 @@
               <a:rPr lang="zh-CN" altLang="en-US" smtClean="0"/>
               <a:t>第三级</a:t>
             </a:r>
+            <a:endParaRPr lang="zh-CN" altLang="en-US" smtClean="0"/>
           </a:p>
           <a:p>
             <a:pPr lvl="3"/>
@@ -2313,6 +2312,7 @@
               <a:rPr lang="zh-CN" altLang="en-US" smtClean="0"/>
               <a:t>第四级</a:t>
             </a:r>
+            <a:endParaRPr lang="zh-CN" altLang="en-US" smtClean="0"/>
           </a:p>
           <a:p>
             <a:pPr lvl="4"/>
@@ -2386,6 +2386,7 @@
               <a:rPr lang="zh-CN" altLang="en-US" smtClean="0"/>
               <a:t>单击此处编辑母版文本样式</a:t>
             </a:r>
+            <a:endParaRPr lang="zh-CN" altLang="en-US" smtClean="0"/>
           </a:p>
         </p:txBody>
       </p:sp>
@@ -2414,6 +2415,7 @@
               <a:rPr lang="zh-CN" altLang="en-US" smtClean="0"/>
               <a:t>单击此处编辑母版文本样式</a:t>
             </a:r>
+            <a:endParaRPr lang="zh-CN" altLang="en-US" smtClean="0"/>
           </a:p>
           <a:p>
             <a:pPr lvl="1"/>
@@ -2421,6 +2423,7 @@
               <a:rPr lang="zh-CN" altLang="en-US" smtClean="0"/>
               <a:t>第二级</a:t>
             </a:r>
+            <a:endParaRPr lang="zh-CN" altLang="en-US" smtClean="0"/>
           </a:p>
           <a:p>
             <a:pPr lvl="2"/>
@@ -2428,6 +2431,7 @@
               <a:rPr lang="zh-CN" altLang="en-US" smtClean="0"/>
               <a:t>第三级</a:t>
             </a:r>
+            <a:endParaRPr lang="zh-CN" altLang="en-US" smtClean="0"/>
           </a:p>
           <a:p>
             <a:pPr lvl="3"/>
@@ -2435,6 +2439,7 @@
               <a:rPr lang="zh-CN" altLang="en-US" smtClean="0"/>
               <a:t>第四级</a:t>
             </a:r>
+            <a:endParaRPr lang="zh-CN" altLang="en-US" smtClean="0"/>
           </a:p>
           <a:p>
             <a:pPr lvl="4"/>
@@ -2469,7 +2474,6 @@
                   </a:srgbClr>
                 </a:solidFill>
               </a:rPr>
-              <a:t>2018/6/27</a:t>
             </a:fld>
             <a:endParaRPr lang="zh-CN" altLang="en-US">
               <a:solidFill>
@@ -2529,7 +2533,6 @@
                   </a:srgbClr>
                 </a:solidFill>
               </a:rPr>
-              <a:t>‹#›</a:t>
             </a:fld>
             <a:endParaRPr lang="zh-CN" altLang="en-US">
               <a:solidFill>
@@ -2612,7 +2615,6 @@
                   </a:srgbClr>
                 </a:solidFill>
               </a:rPr>
-              <a:t>2018/6/27</a:t>
             </a:fld>
             <a:endParaRPr lang="zh-CN" altLang="en-US">
               <a:solidFill>
@@ -2672,7 +2674,6 @@
                   </a:srgbClr>
                 </a:solidFill>
               </a:rPr>
-              <a:t>‹#›</a:t>
             </a:fld>
             <a:endParaRPr lang="zh-CN" altLang="en-US">
               <a:solidFill>
@@ -2732,7 +2733,6 @@
                   </a:srgbClr>
                 </a:solidFill>
               </a:rPr>
-              <a:t>2018/6/27</a:t>
             </a:fld>
             <a:endParaRPr lang="zh-CN" altLang="en-US">
               <a:solidFill>
@@ -2792,7 +2792,6 @@
                   </a:srgbClr>
                 </a:solidFill>
               </a:rPr>
-              <a:t>‹#›</a:t>
             </a:fld>
             <a:endParaRPr lang="zh-CN" altLang="en-US">
               <a:solidFill>
@@ -2914,6 +2913,7 @@
               <a:rPr lang="zh-CN" altLang="en-US" smtClean="0"/>
               <a:t>单击此处编辑母版文本样式</a:t>
             </a:r>
+            <a:endParaRPr lang="zh-CN" altLang="en-US" smtClean="0"/>
           </a:p>
           <a:p>
             <a:pPr lvl="1"/>
@@ -2921,6 +2921,7 @@
               <a:rPr lang="zh-CN" altLang="en-US" smtClean="0"/>
               <a:t>第二级</a:t>
             </a:r>
+            <a:endParaRPr lang="zh-CN" altLang="en-US" smtClean="0"/>
           </a:p>
           <a:p>
             <a:pPr lvl="2"/>
@@ -2928,6 +2929,7 @@
               <a:rPr lang="zh-CN" altLang="en-US" smtClean="0"/>
               <a:t>第三级</a:t>
             </a:r>
+            <a:endParaRPr lang="zh-CN" altLang="en-US" smtClean="0"/>
           </a:p>
           <a:p>
             <a:pPr lvl="3"/>
@@ -2935,6 +2937,7 @@
               <a:rPr lang="zh-CN" altLang="en-US" smtClean="0"/>
               <a:t>第四级</a:t>
             </a:r>
+            <a:endParaRPr lang="zh-CN" altLang="en-US" smtClean="0"/>
           </a:p>
           <a:p>
             <a:pPr lvl="4"/>
@@ -3008,6 +3011,7 @@
               <a:rPr lang="zh-CN" altLang="en-US" smtClean="0"/>
               <a:t>单击此处编辑母版文本样式</a:t>
             </a:r>
+            <a:endParaRPr lang="zh-CN" altLang="en-US" smtClean="0"/>
           </a:p>
         </p:txBody>
       </p:sp>
@@ -3034,7 +3038,6 @@
                   </a:srgbClr>
                 </a:solidFill>
               </a:rPr>
-              <a:t>2018/6/27</a:t>
             </a:fld>
             <a:endParaRPr lang="zh-CN" altLang="en-US">
               <a:solidFill>
@@ -3094,7 +3097,6 @@
                   </a:srgbClr>
                 </a:solidFill>
               </a:rPr>
-              <a:t>‹#›</a:t>
             </a:fld>
             <a:endParaRPr lang="zh-CN" altLang="en-US">
               <a:solidFill>
@@ -3174,6 +3176,7 @@
               <a:rPr lang="zh-CN" altLang="en-US" smtClean="0"/>
               <a:t>单击此处编辑母版文本样式</a:t>
             </a:r>
+            <a:endParaRPr lang="zh-CN" altLang="en-US" smtClean="0"/>
           </a:p>
           <a:p>
             <a:pPr lvl="1"/>
@@ -3181,6 +3184,7 @@
               <a:rPr lang="zh-CN" altLang="en-US" smtClean="0"/>
               <a:t>第二级</a:t>
             </a:r>
+            <a:endParaRPr lang="zh-CN" altLang="en-US" smtClean="0"/>
           </a:p>
           <a:p>
             <a:pPr lvl="2"/>
@@ -3188,6 +3192,7 @@
               <a:rPr lang="zh-CN" altLang="en-US" smtClean="0"/>
               <a:t>第三级</a:t>
             </a:r>
+            <a:endParaRPr lang="zh-CN" altLang="en-US" smtClean="0"/>
           </a:p>
           <a:p>
             <a:pPr lvl="3"/>
@@ -3195,6 +3200,7 @@
               <a:rPr lang="zh-CN" altLang="en-US" smtClean="0"/>
               <a:t>第四级</a:t>
             </a:r>
+            <a:endParaRPr lang="zh-CN" altLang="en-US" smtClean="0"/>
           </a:p>
           <a:p>
             <a:pPr lvl="4"/>
@@ -3223,7 +3229,6 @@
           <a:p>
             <a:fld id="{CCE93D33-261F-41EA-AFA7-31BD512684FE}" type="datetimeFigureOut">
               <a:rPr lang="zh-CN" altLang="en-US" smtClean="0"/>
-              <a:t>2018/6/27</a:t>
             </a:fld>
             <a:endParaRPr lang="zh-CN" altLang="en-US"/>
           </a:p>
@@ -3265,7 +3270,6 @@
           <a:p>
             <a:fld id="{D864B330-6AAC-4D3D-B270-2BD0359A3F9F}" type="slidenum">
               <a:rPr lang="zh-CN" altLang="en-US" smtClean="0"/>
-              <a:t>‹#›</a:t>
             </a:fld>
             <a:endParaRPr lang="zh-CN" altLang="en-US"/>
           </a:p>
@@ -3451,6 +3455,7 @@
               <a:rPr lang="zh-CN" altLang="en-US" smtClean="0"/>
               <a:t>单击此处编辑母版文本样式</a:t>
             </a:r>
+            <a:endParaRPr lang="zh-CN" altLang="en-US" smtClean="0"/>
           </a:p>
         </p:txBody>
       </p:sp>
@@ -3477,7 +3482,6 @@
                   </a:srgbClr>
                 </a:solidFill>
               </a:rPr>
-              <a:t>2018/6/27</a:t>
             </a:fld>
             <a:endParaRPr lang="zh-CN" altLang="en-US">
               <a:solidFill>
@@ -3537,7 +3541,6 @@
                   </a:srgbClr>
                 </a:solidFill>
               </a:rPr>
-              <a:t>‹#›</a:t>
             </a:fld>
             <a:endParaRPr lang="zh-CN" altLang="en-US">
               <a:solidFill>
@@ -3617,6 +3620,7 @@
               <a:rPr lang="zh-CN" altLang="en-US" smtClean="0"/>
               <a:t>单击此处编辑母版文本样式</a:t>
             </a:r>
+            <a:endParaRPr lang="zh-CN" altLang="en-US" smtClean="0"/>
           </a:p>
           <a:p>
             <a:pPr lvl="1"/>
@@ -3624,6 +3628,7 @@
               <a:rPr lang="zh-CN" altLang="en-US" smtClean="0"/>
               <a:t>第二级</a:t>
             </a:r>
+            <a:endParaRPr lang="zh-CN" altLang="en-US" smtClean="0"/>
           </a:p>
           <a:p>
             <a:pPr lvl="2"/>
@@ -3631,6 +3636,7 @@
               <a:rPr lang="zh-CN" altLang="en-US" smtClean="0"/>
               <a:t>第三级</a:t>
             </a:r>
+            <a:endParaRPr lang="zh-CN" altLang="en-US" smtClean="0"/>
           </a:p>
           <a:p>
             <a:pPr lvl="3"/>
@@ -3638,6 +3644,7 @@
               <a:rPr lang="zh-CN" altLang="en-US" smtClean="0"/>
               <a:t>第四级</a:t>
             </a:r>
+            <a:endParaRPr lang="zh-CN" altLang="en-US" smtClean="0"/>
           </a:p>
           <a:p>
             <a:pPr lvl="4"/>
@@ -3672,7 +3679,6 @@
                   </a:srgbClr>
                 </a:solidFill>
               </a:rPr>
-              <a:t>2018/6/27</a:t>
             </a:fld>
             <a:endParaRPr lang="zh-CN" altLang="en-US">
               <a:solidFill>
@@ -3732,7 +3738,6 @@
                   </a:srgbClr>
                 </a:solidFill>
               </a:rPr>
-              <a:t>‹#›</a:t>
             </a:fld>
             <a:endParaRPr lang="zh-CN" altLang="en-US">
               <a:solidFill>
@@ -3822,6 +3827,7 @@
               <a:rPr lang="zh-CN" altLang="en-US" smtClean="0"/>
               <a:t>单击此处编辑母版文本样式</a:t>
             </a:r>
+            <a:endParaRPr lang="zh-CN" altLang="en-US" smtClean="0"/>
           </a:p>
           <a:p>
             <a:pPr lvl="1"/>
@@ -3829,6 +3835,7 @@
               <a:rPr lang="zh-CN" altLang="en-US" smtClean="0"/>
               <a:t>第二级</a:t>
             </a:r>
+            <a:endParaRPr lang="zh-CN" altLang="en-US" smtClean="0"/>
           </a:p>
           <a:p>
             <a:pPr lvl="2"/>
@@ -3836,6 +3843,7 @@
               <a:rPr lang="zh-CN" altLang="en-US" smtClean="0"/>
               <a:t>第三级</a:t>
             </a:r>
+            <a:endParaRPr lang="zh-CN" altLang="en-US" smtClean="0"/>
           </a:p>
           <a:p>
             <a:pPr lvl="3"/>
@@ -3843,6 +3851,7 @@
               <a:rPr lang="zh-CN" altLang="en-US" smtClean="0"/>
               <a:t>第四级</a:t>
             </a:r>
+            <a:endParaRPr lang="zh-CN" altLang="en-US" smtClean="0"/>
           </a:p>
           <a:p>
             <a:pPr lvl="4"/>
@@ -3877,7 +3886,6 @@
                   </a:srgbClr>
                 </a:solidFill>
               </a:rPr>
-              <a:t>2018/6/27</a:t>
             </a:fld>
             <a:endParaRPr lang="zh-CN" altLang="en-US">
               <a:solidFill>
@@ -3937,7 +3945,6 @@
                   </a:srgbClr>
                 </a:solidFill>
               </a:rPr>
-              <a:t>‹#›</a:t>
             </a:fld>
             <a:endParaRPr lang="zh-CN" altLang="en-US">
               <a:solidFill>
@@ -4122,6 +4129,7 @@
               <a:rPr lang="zh-CN" altLang="en-US" smtClean="0"/>
               <a:t>单击此处编辑母版文本样式</a:t>
             </a:r>
+            <a:endParaRPr lang="zh-CN" altLang="en-US" smtClean="0"/>
           </a:p>
         </p:txBody>
       </p:sp>
@@ -4142,7 +4150,6 @@
           <a:p>
             <a:fld id="{CCE93D33-261F-41EA-AFA7-31BD512684FE}" type="datetimeFigureOut">
               <a:rPr lang="zh-CN" altLang="en-US" smtClean="0"/>
-              <a:t>2018/6/27</a:t>
             </a:fld>
             <a:endParaRPr lang="zh-CN" altLang="en-US"/>
           </a:p>
@@ -4184,7 +4191,6 @@
           <a:p>
             <a:fld id="{D864B330-6AAC-4D3D-B270-2BD0359A3F9F}" type="slidenum">
               <a:rPr lang="zh-CN" altLang="en-US" smtClean="0"/>
-              <a:t>‹#›</a:t>
             </a:fld>
             <a:endParaRPr lang="zh-CN" altLang="en-US"/>
           </a:p>
@@ -4263,6 +4269,7 @@
               <a:rPr lang="zh-CN" altLang="en-US" smtClean="0"/>
               <a:t>单击此处编辑母版文本样式</a:t>
             </a:r>
+            <a:endParaRPr lang="zh-CN" altLang="en-US" smtClean="0"/>
           </a:p>
           <a:p>
             <a:pPr lvl="1"/>
@@ -4270,6 +4277,7 @@
               <a:rPr lang="zh-CN" altLang="en-US" smtClean="0"/>
               <a:t>第二级</a:t>
             </a:r>
+            <a:endParaRPr lang="zh-CN" altLang="en-US" smtClean="0"/>
           </a:p>
           <a:p>
             <a:pPr lvl="2"/>
@@ -4277,6 +4285,7 @@
               <a:rPr lang="zh-CN" altLang="en-US" smtClean="0"/>
               <a:t>第三级</a:t>
             </a:r>
+            <a:endParaRPr lang="zh-CN" altLang="en-US" smtClean="0"/>
           </a:p>
           <a:p>
             <a:pPr lvl="3"/>
@@ -4284,6 +4293,7 @@
               <a:rPr lang="zh-CN" altLang="en-US" smtClean="0"/>
               <a:t>第四级</a:t>
             </a:r>
+            <a:endParaRPr lang="zh-CN" altLang="en-US" smtClean="0"/>
           </a:p>
           <a:p>
             <a:pPr lvl="4"/>
@@ -4320,6 +4330,7 @@
               <a:rPr lang="zh-CN" altLang="en-US" smtClean="0"/>
               <a:t>单击此处编辑母版文本样式</a:t>
             </a:r>
+            <a:endParaRPr lang="zh-CN" altLang="en-US" smtClean="0"/>
           </a:p>
           <a:p>
             <a:pPr lvl="1"/>
@@ -4327,6 +4338,7 @@
               <a:rPr lang="zh-CN" altLang="en-US" smtClean="0"/>
               <a:t>第二级</a:t>
             </a:r>
+            <a:endParaRPr lang="zh-CN" altLang="en-US" smtClean="0"/>
           </a:p>
           <a:p>
             <a:pPr lvl="2"/>
@@ -4334,6 +4346,7 @@
               <a:rPr lang="zh-CN" altLang="en-US" smtClean="0"/>
               <a:t>第三级</a:t>
             </a:r>
+            <a:endParaRPr lang="zh-CN" altLang="en-US" smtClean="0"/>
           </a:p>
           <a:p>
             <a:pPr lvl="3"/>
@@ -4341,6 +4354,7 @@
               <a:rPr lang="zh-CN" altLang="en-US" smtClean="0"/>
               <a:t>第四级</a:t>
             </a:r>
+            <a:endParaRPr lang="zh-CN" altLang="en-US" smtClean="0"/>
           </a:p>
           <a:p>
             <a:pPr lvl="4"/>
@@ -4369,7 +4383,6 @@
           <a:p>
             <a:fld id="{CCE93D33-261F-41EA-AFA7-31BD512684FE}" type="datetimeFigureOut">
               <a:rPr lang="zh-CN" altLang="en-US" smtClean="0"/>
-              <a:t>2018/6/27</a:t>
             </a:fld>
             <a:endParaRPr lang="zh-CN" altLang="en-US"/>
           </a:p>
@@ -4411,7 +4424,6 @@
           <a:p>
             <a:fld id="{D864B330-6AAC-4D3D-B270-2BD0359A3F9F}" type="slidenum">
               <a:rPr lang="zh-CN" altLang="en-US" smtClean="0"/>
-              <a:t>‹#›</a:t>
             </a:fld>
             <a:endParaRPr lang="zh-CN" altLang="en-US"/>
           </a:p>
@@ -4532,6 +4544,7 @@
               <a:rPr lang="zh-CN" altLang="en-US" smtClean="0"/>
               <a:t>单击此处编辑母版文本样式</a:t>
             </a:r>
+            <a:endParaRPr lang="zh-CN" altLang="en-US" smtClean="0"/>
           </a:p>
         </p:txBody>
       </p:sp>
@@ -4560,6 +4573,7 @@
               <a:rPr lang="zh-CN" altLang="en-US" smtClean="0"/>
               <a:t>单击此处编辑母版文本样式</a:t>
             </a:r>
+            <a:endParaRPr lang="zh-CN" altLang="en-US" smtClean="0"/>
           </a:p>
           <a:p>
             <a:pPr lvl="1"/>
@@ -4567,6 +4581,7 @@
               <a:rPr lang="zh-CN" altLang="en-US" smtClean="0"/>
               <a:t>第二级</a:t>
             </a:r>
+            <a:endParaRPr lang="zh-CN" altLang="en-US" smtClean="0"/>
           </a:p>
           <a:p>
             <a:pPr lvl="2"/>
@@ -4574,6 +4589,7 @@
               <a:rPr lang="zh-CN" altLang="en-US" smtClean="0"/>
               <a:t>第三级</a:t>
             </a:r>
+            <a:endParaRPr lang="zh-CN" altLang="en-US" smtClean="0"/>
           </a:p>
           <a:p>
             <a:pPr lvl="3"/>
@@ -4581,6 +4597,7 @@
               <a:rPr lang="zh-CN" altLang="en-US" smtClean="0"/>
               <a:t>第四级</a:t>
             </a:r>
+            <a:endParaRPr lang="zh-CN" altLang="en-US" smtClean="0"/>
           </a:p>
           <a:p>
             <a:pPr lvl="4"/>
@@ -4654,6 +4671,7 @@
               <a:rPr lang="zh-CN" altLang="en-US" smtClean="0"/>
               <a:t>单击此处编辑母版文本样式</a:t>
             </a:r>
+            <a:endParaRPr lang="zh-CN" altLang="en-US" smtClean="0"/>
           </a:p>
         </p:txBody>
       </p:sp>
@@ -4682,6 +4700,7 @@
               <a:rPr lang="zh-CN" altLang="en-US" smtClean="0"/>
               <a:t>单击此处编辑母版文本样式</a:t>
             </a:r>
+            <a:endParaRPr lang="zh-CN" altLang="en-US" smtClean="0"/>
           </a:p>
           <a:p>
             <a:pPr lvl="1"/>
@@ -4689,6 +4708,7 @@
               <a:rPr lang="zh-CN" altLang="en-US" smtClean="0"/>
               <a:t>第二级</a:t>
             </a:r>
+            <a:endParaRPr lang="zh-CN" altLang="en-US" smtClean="0"/>
           </a:p>
           <a:p>
             <a:pPr lvl="2"/>
@@ -4696,6 +4716,7 @@
               <a:rPr lang="zh-CN" altLang="en-US" smtClean="0"/>
               <a:t>第三级</a:t>
             </a:r>
+            <a:endParaRPr lang="zh-CN" altLang="en-US" smtClean="0"/>
           </a:p>
           <a:p>
             <a:pPr lvl="3"/>
@@ -4703,6 +4724,7 @@
               <a:rPr lang="zh-CN" altLang="en-US" smtClean="0"/>
               <a:t>第四级</a:t>
             </a:r>
+            <a:endParaRPr lang="zh-CN" altLang="en-US" smtClean="0"/>
           </a:p>
           <a:p>
             <a:pPr lvl="4"/>
@@ -4731,7 +4753,6 @@
           <a:p>
             <a:fld id="{CCE93D33-261F-41EA-AFA7-31BD512684FE}" type="datetimeFigureOut">
               <a:rPr lang="zh-CN" altLang="en-US" smtClean="0"/>
-              <a:t>2018/6/27</a:t>
             </a:fld>
             <a:endParaRPr lang="zh-CN" altLang="en-US"/>
           </a:p>
@@ -4773,7 +4794,6 @@
           <a:p>
             <a:fld id="{D864B330-6AAC-4D3D-B270-2BD0359A3F9F}" type="slidenum">
               <a:rPr lang="zh-CN" altLang="en-US" smtClean="0"/>
-              <a:t>‹#›</a:t>
             </a:fld>
             <a:endParaRPr lang="zh-CN" altLang="en-US"/>
           </a:p>
@@ -4844,7 +4864,6 @@
           <a:p>
             <a:fld id="{CCE93D33-261F-41EA-AFA7-31BD512684FE}" type="datetimeFigureOut">
               <a:rPr lang="zh-CN" altLang="en-US" smtClean="0"/>
-              <a:t>2018/6/27</a:t>
             </a:fld>
             <a:endParaRPr lang="zh-CN" altLang="en-US"/>
           </a:p>
@@ -4886,7 +4905,6 @@
           <a:p>
             <a:fld id="{D864B330-6AAC-4D3D-B270-2BD0359A3F9F}" type="slidenum">
               <a:rPr lang="zh-CN" altLang="en-US" smtClean="0"/>
-              <a:t>‹#›</a:t>
             </a:fld>
             <a:endParaRPr lang="zh-CN" altLang="en-US"/>
           </a:p>
@@ -4934,7 +4952,6 @@
           <a:p>
             <a:fld id="{CCE93D33-261F-41EA-AFA7-31BD512684FE}" type="datetimeFigureOut">
               <a:rPr lang="zh-CN" altLang="en-US" smtClean="0"/>
-              <a:t>2018/6/27</a:t>
             </a:fld>
             <a:endParaRPr lang="zh-CN" altLang="en-US"/>
           </a:p>
@@ -4976,7 +4993,6 @@
           <a:p>
             <a:fld id="{D864B330-6AAC-4D3D-B270-2BD0359A3F9F}" type="slidenum">
               <a:rPr lang="zh-CN" altLang="en-US" smtClean="0"/>
-              <a:t>‹#›</a:t>
             </a:fld>
             <a:endParaRPr lang="zh-CN" altLang="en-US"/>
           </a:p>
@@ -5092,6 +5108,7 @@
               <a:rPr lang="zh-CN" altLang="en-US" smtClean="0"/>
               <a:t>单击此处编辑母版文本样式</a:t>
             </a:r>
+            <a:endParaRPr lang="zh-CN" altLang="en-US" smtClean="0"/>
           </a:p>
           <a:p>
             <a:pPr lvl="1"/>
@@ -5099,6 +5116,7 @@
               <a:rPr lang="zh-CN" altLang="en-US" smtClean="0"/>
               <a:t>第二级</a:t>
             </a:r>
+            <a:endParaRPr lang="zh-CN" altLang="en-US" smtClean="0"/>
           </a:p>
           <a:p>
             <a:pPr lvl="2"/>
@@ -5106,6 +5124,7 @@
               <a:rPr lang="zh-CN" altLang="en-US" smtClean="0"/>
               <a:t>第三级</a:t>
             </a:r>
+            <a:endParaRPr lang="zh-CN" altLang="en-US" smtClean="0"/>
           </a:p>
           <a:p>
             <a:pPr lvl="3"/>
@@ -5113,6 +5132,7 @@
               <a:rPr lang="zh-CN" altLang="en-US" smtClean="0"/>
               <a:t>第四级</a:t>
             </a:r>
+            <a:endParaRPr lang="zh-CN" altLang="en-US" smtClean="0"/>
           </a:p>
           <a:p>
             <a:pPr lvl="4"/>
@@ -5186,6 +5206,7 @@
               <a:rPr lang="zh-CN" altLang="en-US" smtClean="0"/>
               <a:t>单击此处编辑母版文本样式</a:t>
             </a:r>
+            <a:endParaRPr lang="zh-CN" altLang="en-US" smtClean="0"/>
           </a:p>
         </p:txBody>
       </p:sp>
@@ -5206,7 +5227,6 @@
           <a:p>
             <a:fld id="{CCE93D33-261F-41EA-AFA7-31BD512684FE}" type="datetimeFigureOut">
               <a:rPr lang="zh-CN" altLang="en-US" smtClean="0"/>
-              <a:t>2018/6/27</a:t>
             </a:fld>
             <a:endParaRPr lang="zh-CN" altLang="en-US"/>
           </a:p>
@@ -5248,7 +5268,6 @@
           <a:p>
             <a:fld id="{D864B330-6AAC-4D3D-B270-2BD0359A3F9F}" type="slidenum">
               <a:rPr lang="zh-CN" altLang="en-US" smtClean="0"/>
-              <a:t>‹#›</a:t>
             </a:fld>
             <a:endParaRPr lang="zh-CN" altLang="en-US"/>
           </a:p>
@@ -5434,6 +5453,7 @@
               <a:rPr lang="zh-CN" altLang="en-US" smtClean="0"/>
               <a:t>单击此处编辑母版文本样式</a:t>
             </a:r>
+            <a:endParaRPr lang="zh-CN" altLang="en-US" smtClean="0"/>
           </a:p>
         </p:txBody>
       </p:sp>
@@ -5454,7 +5474,6 @@
           <a:p>
             <a:fld id="{CCE93D33-261F-41EA-AFA7-31BD512684FE}" type="datetimeFigureOut">
               <a:rPr lang="zh-CN" altLang="en-US" smtClean="0"/>
-              <a:t>2018/6/27</a:t>
             </a:fld>
             <a:endParaRPr lang="zh-CN" altLang="en-US"/>
           </a:p>
@@ -5496,7 +5515,6 @@
           <a:p>
             <a:fld id="{D864B330-6AAC-4D3D-B270-2BD0359A3F9F}" type="slidenum">
               <a:rPr lang="zh-CN" altLang="en-US" smtClean="0"/>
-              <a:t>‹#›</a:t>
             </a:fld>
             <a:endParaRPr lang="zh-CN" altLang="en-US"/>
           </a:p>
@@ -5600,6 +5618,7 @@
               <a:rPr lang="zh-CN" altLang="en-US" smtClean="0"/>
               <a:t>单击此处编辑母版文本样式</a:t>
             </a:r>
+            <a:endParaRPr lang="zh-CN" altLang="en-US" smtClean="0"/>
           </a:p>
           <a:p>
             <a:pPr lvl="1"/>
@@ -5607,6 +5626,7 @@
               <a:rPr lang="zh-CN" altLang="en-US" smtClean="0"/>
               <a:t>第二级</a:t>
             </a:r>
+            <a:endParaRPr lang="zh-CN" altLang="en-US" smtClean="0"/>
           </a:p>
           <a:p>
             <a:pPr lvl="2"/>
@@ -5614,6 +5634,7 @@
               <a:rPr lang="zh-CN" altLang="en-US" smtClean="0"/>
               <a:t>第三级</a:t>
             </a:r>
+            <a:endParaRPr lang="zh-CN" altLang="en-US" smtClean="0"/>
           </a:p>
           <a:p>
             <a:pPr lvl="3"/>
@@ -5621,6 +5642,7 @@
               <a:rPr lang="zh-CN" altLang="en-US" smtClean="0"/>
               <a:t>第四级</a:t>
             </a:r>
+            <a:endParaRPr lang="zh-CN" altLang="en-US" smtClean="0"/>
           </a:p>
           <a:p>
             <a:pPr lvl="4"/>
@@ -5667,7 +5689,6 @@
           <a:p>
             <a:fld id="{CCE93D33-261F-41EA-AFA7-31BD512684FE}" type="datetimeFigureOut">
               <a:rPr lang="zh-CN" altLang="en-US" smtClean="0"/>
-              <a:t>2018/6/27</a:t>
             </a:fld>
             <a:endParaRPr lang="zh-CN" altLang="en-US"/>
           </a:p>
@@ -5745,7 +5766,6 @@
           <a:p>
             <a:fld id="{D864B330-6AAC-4D3D-B270-2BD0359A3F9F}" type="slidenum">
               <a:rPr lang="zh-CN" altLang="en-US" smtClean="0"/>
-              <a:t>‹#›</a:t>
             </a:fld>
             <a:endParaRPr lang="zh-CN" altLang="en-US"/>
           </a:p>
@@ -6140,6 +6160,7 @@
               <a:rPr lang="zh-CN" altLang="en-US" smtClean="0"/>
               <a:t>单击此处编辑母版文本样式</a:t>
             </a:r>
+            <a:endParaRPr lang="zh-CN" altLang="en-US" smtClean="0"/>
           </a:p>
           <a:p>
             <a:pPr lvl="1"/>
@@ -6147,6 +6168,7 @@
               <a:rPr lang="zh-CN" altLang="en-US" smtClean="0"/>
               <a:t>第二级</a:t>
             </a:r>
+            <a:endParaRPr lang="zh-CN" altLang="en-US" smtClean="0"/>
           </a:p>
           <a:p>
             <a:pPr lvl="2"/>
@@ -6154,6 +6176,7 @@
               <a:rPr lang="zh-CN" altLang="en-US" smtClean="0"/>
               <a:t>第三级</a:t>
             </a:r>
+            <a:endParaRPr lang="zh-CN" altLang="en-US" smtClean="0"/>
           </a:p>
           <a:p>
             <a:pPr lvl="3"/>
@@ -6161,6 +6184,7 @@
               <a:rPr lang="zh-CN" altLang="en-US" smtClean="0"/>
               <a:t>第四级</a:t>
             </a:r>
+            <a:endParaRPr lang="zh-CN" altLang="en-US" smtClean="0"/>
           </a:p>
           <a:p>
             <a:pPr lvl="4"/>
@@ -6213,7 +6237,6 @@
                   </a:srgbClr>
                 </a:solidFill>
               </a:rPr>
-              <a:t>2018/6/27</a:t>
             </a:fld>
             <a:endParaRPr lang="zh-CN" altLang="en-US">
               <a:solidFill>
@@ -6309,7 +6332,6 @@
                   </a:srgbClr>
                 </a:solidFill>
               </a:rPr>
-              <a:t>‹#›</a:t>
             </a:fld>
             <a:endParaRPr lang="zh-CN" altLang="en-US">
               <a:solidFill>
@@ -6325,17 +6347,17 @@
   </p:cSld>
   <p:clrMap bg1="lt1" tx1="dk1" bg2="lt2" tx2="dk2" accent1="accent1" accent2="accent2" accent3="accent3" accent4="accent4" accent5="accent5" accent6="accent6" hlink="hlink" folHlink="folHlink"/>
   <p:sldLayoutIdLst>
-    <p:sldLayoutId id="2147483757" r:id="rId1"/>
-    <p:sldLayoutId id="2147483758" r:id="rId2"/>
-    <p:sldLayoutId id="2147483759" r:id="rId3"/>
-    <p:sldLayoutId id="2147483760" r:id="rId4"/>
-    <p:sldLayoutId id="2147483761" r:id="rId5"/>
-    <p:sldLayoutId id="2147483762" r:id="rId6"/>
-    <p:sldLayoutId id="2147483763" r:id="rId7"/>
-    <p:sldLayoutId id="2147483764" r:id="rId8"/>
-    <p:sldLayoutId id="2147483765" r:id="rId9"/>
-    <p:sldLayoutId id="2147483766" r:id="rId10"/>
-    <p:sldLayoutId id="2147483767" r:id="rId11"/>
+    <p:sldLayoutId id="2147483661" r:id="rId1"/>
+    <p:sldLayoutId id="2147483662" r:id="rId2"/>
+    <p:sldLayoutId id="2147483663" r:id="rId3"/>
+    <p:sldLayoutId id="2147483664" r:id="rId4"/>
+    <p:sldLayoutId id="2147483665" r:id="rId5"/>
+    <p:sldLayoutId id="2147483666" r:id="rId6"/>
+    <p:sldLayoutId id="2147483667" r:id="rId7"/>
+    <p:sldLayoutId id="2147483668" r:id="rId8"/>
+    <p:sldLayoutId id="2147483669" r:id="rId9"/>
+    <p:sldLayoutId id="2147483670" r:id="rId10"/>
+    <p:sldLayoutId id="2147483671" r:id="rId11"/>
   </p:sldLayoutIdLst>
   <p:txStyles>
     <p:titleStyle>
@@ -7370,8 +7392,8 @@
                   <a:solidFill>
                     <a:srgbClr val="FFFFFF"/>
                   </a:solidFill>
-                  <a:latin typeface="Adobe 宋体 Std L" pitchFamily="18" charset="-122"/>
-                  <a:ea typeface="Adobe 宋体 Std L" pitchFamily="18" charset="-122"/>
+                  <a:latin typeface="Adobe 宋体 Std L" panose="02020300000000000000" pitchFamily="18" charset="-122"/>
+                  <a:ea typeface="Adobe 宋体 Std L" panose="02020300000000000000" pitchFamily="18" charset="-122"/>
                 </a:rPr>
                 <a:t>G07——</a:t>
               </a:r>
@@ -7380,8 +7402,8 @@
                   <a:solidFill>
                     <a:srgbClr val="FFFFFF"/>
                   </a:solidFill>
-                  <a:latin typeface="Adobe 宋体 Std L" pitchFamily="18" charset="-122"/>
-                  <a:ea typeface="Adobe 宋体 Std L" pitchFamily="18" charset="-122"/>
+                  <a:latin typeface="Adobe 宋体 Std L" panose="02020300000000000000" pitchFamily="18" charset="-122"/>
+                  <a:ea typeface="Adobe 宋体 Std L" panose="02020300000000000000" pitchFamily="18" charset="-122"/>
                 </a:rPr>
                 <a:t>最终评审</a:t>
               </a:r>
@@ -8386,13 +8408,13 @@
   <p:clrMapOvr>
     <a:masterClrMapping/>
   </p:clrMapOvr>
-  <mc:AlternateContent xmlns:mc="http://schemas.openxmlformats.org/markup-compatibility/2006" xmlns:p14="http://schemas.microsoft.com/office/powerpoint/2010/main">
-    <mc:Choice Requires="p14">
+  <mc:AlternateContent xmlns:mc="http://schemas.openxmlformats.org/markup-compatibility/2006">
+    <mc:Choice xmlns:p14="http://schemas.microsoft.com/office/powerpoint/2010/main" Requires="p14">
       <p:transition p14:dur="100">
         <p:cut/>
       </p:transition>
     </mc:Choice>
-    <mc:Fallback xmlns="">
+    <mc:Fallback>
       <p:transition>
         <p:cut/>
       </p:transition>
@@ -8544,7 +8566,7 @@
           <p:nvPr/>
         </p:nvPicPr>
         <p:blipFill>
-          <a:blip r:embed="rId2">
+          <a:blip r:embed="rId1">
             <a:extLst>
               <a:ext uri="{28A0092B-C50C-407E-A947-70E740481C1C}">
                 <a14:useLocalDpi xmlns:a14="http://schemas.microsoft.com/office/drawing/2010/main" val="0"/>
@@ -8608,7 +8630,7 @@
           <p:nvPr/>
         </p:nvPicPr>
         <p:blipFill>
-          <a:blip r:embed="rId3">
+          <a:blip r:embed="rId2">
             <a:extLst>
               <a:ext uri="{28A0092B-C50C-407E-A947-70E740481C1C}">
                 <a14:useLocalDpi xmlns:a14="http://schemas.microsoft.com/office/drawing/2010/main" val="0"/>
@@ -8664,22 +8686,17 @@
         </p:spPr>
       </p:pic>
     </p:spTree>
-    <p:extLst>
-      <p:ext uri="{BB962C8B-B14F-4D97-AF65-F5344CB8AC3E}">
-        <p14:creationId xmlns:p14="http://schemas.microsoft.com/office/powerpoint/2010/main" val="3429669935"/>
-      </p:ext>
-    </p:extLst>
   </p:cSld>
   <p:clrMapOvr>
     <a:masterClrMapping/>
   </p:clrMapOvr>
-  <mc:AlternateContent xmlns:mc="http://schemas.openxmlformats.org/markup-compatibility/2006" xmlns:p14="http://schemas.microsoft.com/office/powerpoint/2010/main">
-    <mc:Choice Requires="p14">
+  <mc:AlternateContent xmlns:mc="http://schemas.openxmlformats.org/markup-compatibility/2006">
+    <mc:Choice xmlns:p14="http://schemas.microsoft.com/office/powerpoint/2010/main" Requires="p14">
       <p:transition p14:dur="100">
         <p:cut/>
       </p:transition>
     </mc:Choice>
-    <mc:Fallback xmlns="">
+    <mc:Fallback>
       <p:transition>
         <p:cut/>
       </p:transition>
@@ -8815,7 +8832,7 @@
           <p:nvPr/>
         </p:nvPicPr>
         <p:blipFill>
-          <a:blip r:embed="rId2">
+          <a:blip r:embed="rId1">
             <a:extLst>
               <a:ext uri="{28A0092B-C50C-407E-A947-70E740481C1C}">
                 <a14:useLocalDpi xmlns:a14="http://schemas.microsoft.com/office/drawing/2010/main" val="0"/>
@@ -8879,7 +8896,7 @@
           <p:nvPr/>
         </p:nvPicPr>
         <p:blipFill>
-          <a:blip r:embed="rId3">
+          <a:blip r:embed="rId2">
             <a:extLst>
               <a:ext uri="{28A0092B-C50C-407E-A947-70E740481C1C}">
                 <a14:useLocalDpi xmlns:a14="http://schemas.microsoft.com/office/drawing/2010/main" val="0"/>
@@ -8935,22 +8952,17 @@
         </p:spPr>
       </p:pic>
     </p:spTree>
-    <p:extLst>
-      <p:ext uri="{BB962C8B-B14F-4D97-AF65-F5344CB8AC3E}">
-        <p14:creationId xmlns:p14="http://schemas.microsoft.com/office/powerpoint/2010/main" val="3429669935"/>
-      </p:ext>
-    </p:extLst>
   </p:cSld>
   <p:clrMapOvr>
     <a:masterClrMapping/>
   </p:clrMapOvr>
-  <mc:AlternateContent xmlns:mc="http://schemas.openxmlformats.org/markup-compatibility/2006" xmlns:p14="http://schemas.microsoft.com/office/powerpoint/2010/main">
-    <mc:Choice Requires="p14">
+  <mc:AlternateContent xmlns:mc="http://schemas.openxmlformats.org/markup-compatibility/2006">
+    <mc:Choice xmlns:p14="http://schemas.microsoft.com/office/powerpoint/2010/main" Requires="p14">
       <p:transition p14:dur="100">
         <p:cut/>
       </p:transition>
     </mc:Choice>
-    <mc:Fallback xmlns="">
+    <mc:Fallback>
       <p:transition>
         <p:cut/>
       </p:transition>
@@ -9100,7 +9112,7 @@
           <p:nvPr/>
         </p:nvPicPr>
         <p:blipFill>
-          <a:blip r:embed="rId2"/>
+          <a:blip r:embed="rId1"/>
           <a:stretch>
             <a:fillRect/>
           </a:stretch>
@@ -9122,7 +9134,7 @@
           <p:nvPr/>
         </p:nvPicPr>
         <p:blipFill>
-          <a:blip r:embed="rId3"/>
+          <a:blip r:embed="rId2"/>
           <a:stretch>
             <a:fillRect/>
           </a:stretch>
@@ -9144,7 +9156,7 @@
           <p:nvPr/>
         </p:nvPicPr>
         <p:blipFill>
-          <a:blip r:embed="rId4">
+          <a:blip r:embed="rId3">
             <a:extLst>
               <a:ext uri="{28A0092B-C50C-407E-A947-70E740481C1C}">
                 <a14:useLocalDpi xmlns:a14="http://schemas.microsoft.com/office/drawing/2010/main" val="0"/>
@@ -9177,7 +9189,7 @@
           <p:nvPr/>
         </p:nvPicPr>
         <p:blipFill>
-          <a:blip r:embed="rId5">
+          <a:blip r:embed="rId4">
             <a:extLst>
               <a:ext uri="{28A0092B-C50C-407E-A947-70E740481C1C}">
                 <a14:useLocalDpi xmlns:a14="http://schemas.microsoft.com/office/drawing/2010/main" val="0"/>
@@ -9210,7 +9222,7 @@
           <p:nvPr/>
         </p:nvPicPr>
         <p:blipFill>
-          <a:blip r:embed="rId6"/>
+          <a:blip r:embed="rId5"/>
           <a:stretch>
             <a:fillRect/>
           </a:stretch>
@@ -9232,7 +9244,7 @@
           <p:nvPr/>
         </p:nvPicPr>
         <p:blipFill>
-          <a:blip r:embed="rId7"/>
+          <a:blip r:embed="rId6"/>
           <a:stretch>
             <a:fillRect/>
           </a:stretch>
@@ -9248,22 +9260,17 @@
         </p:spPr>
       </p:pic>
     </p:spTree>
-    <p:extLst>
-      <p:ext uri="{BB962C8B-B14F-4D97-AF65-F5344CB8AC3E}">
-        <p14:creationId xmlns:p14="http://schemas.microsoft.com/office/powerpoint/2010/main" val="2400641998"/>
-      </p:ext>
-    </p:extLst>
   </p:cSld>
   <p:clrMapOvr>
     <a:masterClrMapping/>
   </p:clrMapOvr>
-  <mc:AlternateContent xmlns:mc="http://schemas.openxmlformats.org/markup-compatibility/2006" xmlns:p14="http://schemas.microsoft.com/office/powerpoint/2010/main">
-    <mc:Choice Requires="p14">
+  <mc:AlternateContent xmlns:mc="http://schemas.openxmlformats.org/markup-compatibility/2006">
+    <mc:Choice xmlns:p14="http://schemas.microsoft.com/office/powerpoint/2010/main" Requires="p14">
       <p:transition p14:dur="100">
         <p:cut/>
       </p:transition>
     </mc:Choice>
-    <mc:Fallback xmlns="">
+    <mc:Fallback>
       <p:transition>
         <p:cut/>
       </p:transition>
@@ -9968,7 +9975,7 @@
           <p:nvPr/>
         </p:nvPicPr>
         <p:blipFill>
-          <a:blip r:embed="rId2">
+          <a:blip r:embed="rId1">
             <a:extLst>
               <a:ext uri="{28A0092B-C50C-407E-A947-70E740481C1C}">
                 <a14:useLocalDpi xmlns:a14="http://schemas.microsoft.com/office/drawing/2010/main" val="0"/>
@@ -9990,22 +9997,17 @@
         </p:spPr>
       </p:pic>
     </p:spTree>
-    <p:extLst>
-      <p:ext uri="{BB962C8B-B14F-4D97-AF65-F5344CB8AC3E}">
-        <p14:creationId xmlns:p14="http://schemas.microsoft.com/office/powerpoint/2010/main" val="2897329742"/>
-      </p:ext>
-    </p:extLst>
   </p:cSld>
   <p:clrMapOvr>
     <a:masterClrMapping/>
   </p:clrMapOvr>
-  <mc:AlternateContent xmlns:mc="http://schemas.openxmlformats.org/markup-compatibility/2006" xmlns:p14="http://schemas.microsoft.com/office/powerpoint/2010/main">
-    <mc:Choice Requires="p14">
+  <mc:AlternateContent xmlns:mc="http://schemas.openxmlformats.org/markup-compatibility/2006">
+    <mc:Choice xmlns:p14="http://schemas.microsoft.com/office/powerpoint/2010/main" Requires="p14">
       <p:transition p14:dur="100">
         <p:cut/>
       </p:transition>
     </mc:Choice>
-    <mc:Fallback xmlns="">
+    <mc:Fallback>
       <p:transition>
         <p:cut/>
       </p:transition>
@@ -10141,7 +10143,7 @@
           <p:nvPr/>
         </p:nvPicPr>
         <p:blipFill>
-          <a:blip r:embed="rId2">
+          <a:blip r:embed="rId1">
             <a:extLst>
               <a:ext uri="{28A0092B-C50C-407E-A947-70E740481C1C}">
                 <a14:useLocalDpi xmlns:a14="http://schemas.microsoft.com/office/drawing/2010/main" val="0"/>
@@ -10197,22 +10199,17 @@
         </p:spPr>
       </p:pic>
     </p:spTree>
-    <p:extLst>
-      <p:ext uri="{BB962C8B-B14F-4D97-AF65-F5344CB8AC3E}">
-        <p14:creationId xmlns:p14="http://schemas.microsoft.com/office/powerpoint/2010/main" val="480664484"/>
-      </p:ext>
-    </p:extLst>
   </p:cSld>
   <p:clrMapOvr>
     <a:masterClrMapping/>
   </p:clrMapOvr>
-  <mc:AlternateContent xmlns:mc="http://schemas.openxmlformats.org/markup-compatibility/2006" xmlns:p14="http://schemas.microsoft.com/office/powerpoint/2010/main">
-    <mc:Choice Requires="p14">
+  <mc:AlternateContent xmlns:mc="http://schemas.openxmlformats.org/markup-compatibility/2006">
+    <mc:Choice xmlns:p14="http://schemas.microsoft.com/office/powerpoint/2010/main" Requires="p14">
       <p:transition p14:dur="100">
         <p:cut/>
       </p:transition>
     </mc:Choice>
-    <mc:Fallback xmlns="">
+    <mc:Fallback>
       <p:transition>
         <p:cut/>
       </p:transition>
@@ -10363,14 +10360,14 @@
           <a:p>
             <a:r>
               <a:rPr lang="zh-CN" altLang="en-US" sz="1600" dirty="0" smtClean="0">
-                <a:latin typeface="微软雅黑 Light" pitchFamily="34" charset="-122"/>
-                <a:ea typeface="微软雅黑 Light" pitchFamily="34" charset="-122"/>
+                <a:latin typeface="微软雅黑 Light" panose="020B0502040204020203" pitchFamily="34" charset="-122"/>
+                <a:ea typeface="微软雅黑 Light" panose="020B0502040204020203" pitchFamily="34" charset="-122"/>
               </a:rPr>
               <a:t>查看排行榜</a:t>
             </a:r>
             <a:endParaRPr lang="zh-CN" altLang="en-US" sz="1600" dirty="0">
-              <a:latin typeface="微软雅黑 Light" pitchFamily="34" charset="-122"/>
-              <a:ea typeface="微软雅黑 Light" pitchFamily="34" charset="-122"/>
+              <a:latin typeface="微软雅黑 Light" panose="020B0502040204020203" pitchFamily="34" charset="-122"/>
+              <a:ea typeface="微软雅黑 Light" panose="020B0502040204020203" pitchFamily="34" charset="-122"/>
             </a:endParaRPr>
           </a:p>
         </p:txBody>
@@ -10474,6 +10471,7 @@
               <a:rPr lang="zh-CN" altLang="zh-CN" dirty="0"/>
               <a:t>重定向到‘用户未登录’页面</a:t>
             </a:r>
+            <a:endParaRPr lang="zh-CN" altLang="zh-CN" dirty="0"/>
           </a:p>
           <a:p>
             <a:r>
@@ -10515,6 +10513,7 @@
               <a:rPr lang="zh-CN" altLang="zh-CN" dirty="0"/>
               <a:t>生成的表单</a:t>
             </a:r>
+            <a:endParaRPr lang="zh-CN" altLang="zh-CN" dirty="0"/>
           </a:p>
           <a:p>
             <a:r>
@@ -10564,6 +10563,7 @@
               <a:rPr lang="zh-CN" altLang="zh-CN" dirty="0"/>
               <a:t>模型</a:t>
             </a:r>
+            <a:endParaRPr lang="zh-CN" altLang="zh-CN" dirty="0"/>
           </a:p>
           <a:p>
             <a:r>
@@ -10702,6 +10702,7 @@
               <a:rPr lang="zh-CN" altLang="zh-CN" dirty="0"/>
               <a:t>出现“相应积分：”提示信息</a:t>
             </a:r>
+            <a:endParaRPr lang="zh-CN" altLang="zh-CN" dirty="0"/>
           </a:p>
           <a:p>
             <a:r>
@@ -10734,6 +10735,7 @@
               <a:rPr lang="zh-CN" altLang="zh-CN" dirty="0"/>
               <a:t>返回‘查看界面’并显示含有该用户积分排行榜</a:t>
             </a:r>
+            <a:endParaRPr lang="zh-CN" altLang="zh-CN" dirty="0"/>
           </a:p>
           <a:p>
             <a:r>
@@ -10748,22 +10750,17 @@
         </p:txBody>
       </p:sp>
     </p:spTree>
-    <p:extLst>
-      <p:ext uri="{BB962C8B-B14F-4D97-AF65-F5344CB8AC3E}">
-        <p14:creationId xmlns:p14="http://schemas.microsoft.com/office/powerpoint/2010/main" val="480664484"/>
-      </p:ext>
-    </p:extLst>
   </p:cSld>
   <p:clrMapOvr>
     <a:masterClrMapping/>
   </p:clrMapOvr>
-  <mc:AlternateContent xmlns:mc="http://schemas.openxmlformats.org/markup-compatibility/2006" xmlns:p14="http://schemas.microsoft.com/office/powerpoint/2010/main">
-    <mc:Choice Requires="p14">
+  <mc:AlternateContent xmlns:mc="http://schemas.openxmlformats.org/markup-compatibility/2006">
+    <mc:Choice xmlns:p14="http://schemas.microsoft.com/office/powerpoint/2010/main" Requires="p14">
       <p:transition p14:dur="100">
         <p:cut/>
       </p:transition>
     </mc:Choice>
-    <mc:Fallback xmlns="">
+    <mc:Fallback>
       <p:transition>
         <p:cut/>
       </p:transition>
@@ -10914,14 +10911,14 @@
           <a:p>
             <a:r>
               <a:rPr lang="zh-CN" altLang="en-US" sz="1600" dirty="0" smtClean="0">
-                <a:latin typeface="微软雅黑 Light" pitchFamily="34" charset="-122"/>
-                <a:ea typeface="微软雅黑 Light" pitchFamily="34" charset="-122"/>
+                <a:latin typeface="微软雅黑 Light" panose="020B0502040204020203" pitchFamily="34" charset="-122"/>
+                <a:ea typeface="微软雅黑 Light" panose="020B0502040204020203" pitchFamily="34" charset="-122"/>
               </a:rPr>
               <a:t>用户认证</a:t>
             </a:r>
             <a:endParaRPr lang="zh-CN" altLang="en-US" sz="1600" dirty="0">
-              <a:latin typeface="微软雅黑 Light" pitchFamily="34" charset="-122"/>
-              <a:ea typeface="微软雅黑 Light" pitchFamily="34" charset="-122"/>
+              <a:latin typeface="微软雅黑 Light" panose="020B0502040204020203" pitchFamily="34" charset="-122"/>
+              <a:ea typeface="微软雅黑 Light" panose="020B0502040204020203" pitchFamily="34" charset="-122"/>
             </a:endParaRPr>
           </a:p>
         </p:txBody>
@@ -10989,6 +10986,7 @@
               <a:rPr lang="en-US" altLang="zh-CN" sz="1600" dirty="0"/>
               <a:t>&gt; is</a:t>
             </a:r>
+            <a:endParaRPr lang="en-US" altLang="zh-CN" sz="1600" dirty="0"/>
           </a:p>
           <a:p>
             <a:pPr>
@@ -11000,6 +10998,7 @@
               <a:rPr lang="en-US" altLang="zh-CN" sz="1600" dirty="0"/>
               <a:t>begin</a:t>
             </a:r>
+            <a:endParaRPr lang="en-US" altLang="zh-CN" sz="1600" dirty="0"/>
           </a:p>
           <a:p>
             <a:pPr>
@@ -11035,6 +11034,7 @@
               <a:rPr lang="en-US" altLang="zh-CN" sz="1600" dirty="0"/>
               <a:t>&gt; then</a:t>
             </a:r>
+            <a:endParaRPr lang="en-US" altLang="zh-CN" sz="1600" dirty="0"/>
           </a:p>
           <a:p>
             <a:pPr>
@@ -11050,6 +11050,7 @@
               <a:rPr lang="zh-CN" altLang="en-US" sz="1600" dirty="0"/>
               <a:t>重定向到‘非法操作’页面</a:t>
             </a:r>
+            <a:endParaRPr lang="zh-CN" altLang="en-US" sz="1600" dirty="0"/>
           </a:p>
           <a:p>
             <a:pPr>
@@ -11081,6 +11082,7 @@
               <a:rPr lang="en-US" altLang="zh-CN" sz="1600" dirty="0"/>
               <a:t>&gt; then</a:t>
             </a:r>
+            <a:endParaRPr lang="en-US" altLang="zh-CN" sz="1600" dirty="0"/>
           </a:p>
           <a:p>
             <a:pPr>
@@ -11096,6 +11098,7 @@
               <a:rPr lang="zh-CN" altLang="en-US" sz="1600" dirty="0"/>
               <a:t>异常</a:t>
             </a:r>
+            <a:endParaRPr lang="zh-CN" altLang="en-US" sz="1600" dirty="0"/>
           </a:p>
           <a:p>
             <a:pPr>
@@ -11123,6 +11126,7 @@
               <a:rPr lang="zh-CN" altLang="en-US" sz="1600" dirty="0"/>
               <a:t>请求</a:t>
             </a:r>
+            <a:endParaRPr lang="zh-CN" altLang="en-US" sz="1600" dirty="0"/>
           </a:p>
           <a:p>
             <a:pPr>
@@ -11146,6 +11150,7 @@
               <a:rPr lang="en-US" altLang="zh-CN" sz="1600" dirty="0"/>
               <a:t>&gt; then</a:t>
             </a:r>
+            <a:endParaRPr lang="en-US" altLang="zh-CN" sz="1600" dirty="0"/>
           </a:p>
           <a:p>
             <a:pPr>
@@ -11161,6 +11166,7 @@
               <a:rPr lang="zh-CN" altLang="en-US" sz="1600" dirty="0"/>
               <a:t>返回用户未找到出错页面</a:t>
             </a:r>
+            <a:endParaRPr lang="zh-CN" altLang="en-US" sz="1600" dirty="0"/>
           </a:p>
           <a:p>
             <a:pPr>
@@ -11184,6 +11190,7 @@
               <a:rPr lang="en-US" altLang="zh-CN" sz="1600" dirty="0"/>
               <a:t>&gt;</a:t>
             </a:r>
+            <a:endParaRPr lang="en-US" altLang="zh-CN" sz="1600" dirty="0"/>
           </a:p>
           <a:p>
             <a:pPr>
@@ -11215,6 +11222,7 @@
               <a:rPr lang="zh-CN" altLang="en-US" sz="1600" dirty="0"/>
               <a:t>等等准备发送至微信服务接口</a:t>
             </a:r>
+            <a:endParaRPr lang="zh-CN" altLang="en-US" sz="1600" dirty="0"/>
           </a:p>
           <a:p>
             <a:pPr>
@@ -11230,6 +11238,7 @@
               <a:rPr lang="en-US" altLang="zh-CN" sz="1600" dirty="0"/>
               <a:t>end</a:t>
             </a:r>
+            <a:endParaRPr lang="en-US" altLang="zh-CN" sz="1600" dirty="0"/>
           </a:p>
           <a:p>
             <a:pPr>
@@ -11245,6 +11254,7 @@
               <a:rPr lang="zh-CN" altLang="en-US" sz="1600" dirty="0"/>
               <a:t>微信服务接口接收信息成功，产生相应反馈</a:t>
             </a:r>
+            <a:endParaRPr lang="zh-CN" altLang="en-US" sz="1600" dirty="0"/>
           </a:p>
           <a:p>
             <a:pPr>
@@ -11256,6 +11266,7 @@
               <a:rPr lang="zh-CN" altLang="en-US" sz="1600" dirty="0"/>
               <a:t>用户登录成功</a:t>
             </a:r>
+            <a:endParaRPr lang="zh-CN" altLang="en-US" sz="1600" dirty="0"/>
           </a:p>
           <a:p>
             <a:pPr>
@@ -11267,6 +11278,7 @@
               <a:rPr lang="en-US" altLang="zh-CN" sz="1600" dirty="0"/>
               <a:t>end</a:t>
             </a:r>
+            <a:endParaRPr lang="en-US" altLang="zh-CN" sz="1600" dirty="0"/>
           </a:p>
           <a:p>
             <a:endParaRPr lang="zh-CN" altLang="en-US" dirty="0"/>
@@ -11274,22 +11286,17 @@
         </p:txBody>
       </p:sp>
     </p:spTree>
-    <p:extLst>
-      <p:ext uri="{BB962C8B-B14F-4D97-AF65-F5344CB8AC3E}">
-        <p14:creationId xmlns:p14="http://schemas.microsoft.com/office/powerpoint/2010/main" val="3838740899"/>
-      </p:ext>
-    </p:extLst>
   </p:cSld>
   <p:clrMapOvr>
     <a:masterClrMapping/>
   </p:clrMapOvr>
-  <mc:AlternateContent xmlns:mc="http://schemas.openxmlformats.org/markup-compatibility/2006" xmlns:p14="http://schemas.microsoft.com/office/powerpoint/2010/main">
-    <mc:Choice Requires="p14">
+  <mc:AlternateContent xmlns:mc="http://schemas.openxmlformats.org/markup-compatibility/2006">
+    <mc:Choice xmlns:p14="http://schemas.microsoft.com/office/powerpoint/2010/main" Requires="p14">
       <p:transition p14:dur="100">
         <p:cut/>
       </p:transition>
     </mc:Choice>
-    <mc:Fallback xmlns="">
+    <mc:Fallback>
       <p:transition>
         <p:cut/>
       </p:transition>
@@ -11440,14 +11447,14 @@
           <a:p>
             <a:r>
               <a:rPr lang="zh-CN" altLang="en-US" sz="1600" dirty="0" smtClean="0">
-                <a:latin typeface="微软雅黑 Light" pitchFamily="34" charset="-122"/>
-                <a:ea typeface="微软雅黑 Light" pitchFamily="34" charset="-122"/>
+                <a:latin typeface="微软雅黑 Light" panose="020B0502040204020203" pitchFamily="34" charset="-122"/>
+                <a:ea typeface="微软雅黑 Light" panose="020B0502040204020203" pitchFamily="34" charset="-122"/>
               </a:rPr>
               <a:t>成绩提取</a:t>
             </a:r>
             <a:endParaRPr lang="zh-CN" altLang="en-US" sz="1600" dirty="0">
-              <a:latin typeface="微软雅黑 Light" pitchFamily="34" charset="-122"/>
-              <a:ea typeface="微软雅黑 Light" pitchFamily="34" charset="-122"/>
+              <a:latin typeface="微软雅黑 Light" panose="020B0502040204020203" pitchFamily="34" charset="-122"/>
+              <a:ea typeface="微软雅黑 Light" panose="020B0502040204020203" pitchFamily="34" charset="-122"/>
             </a:endParaRPr>
           </a:p>
         </p:txBody>
@@ -11507,6 +11514,7 @@
               <a:rPr lang="en-US" altLang="zh-CN" sz="1400" dirty="0" smtClean="0"/>
               <a:t>&gt; is</a:t>
             </a:r>
+            <a:endParaRPr lang="en-US" altLang="zh-CN" sz="1400" dirty="0" smtClean="0"/>
           </a:p>
           <a:p>
             <a:pPr>
@@ -11554,6 +11562,7 @@
               <a:rPr lang="en-US" altLang="zh-CN" sz="1400" dirty="0"/>
               <a:t>&gt; then</a:t>
             </a:r>
+            <a:endParaRPr lang="en-US" altLang="zh-CN" sz="1400" dirty="0"/>
           </a:p>
           <a:p>
             <a:pPr>
@@ -11569,6 +11578,7 @@
               <a:rPr lang="zh-CN" altLang="en-US" sz="1400" dirty="0"/>
               <a:t>重定向到‘用户未登录’页面</a:t>
             </a:r>
+            <a:endParaRPr lang="zh-CN" altLang="en-US" sz="1400" dirty="0"/>
           </a:p>
           <a:p>
             <a:pPr>
@@ -11600,6 +11610,7 @@
               <a:rPr lang="en-US" altLang="zh-CN" sz="1400" dirty="0"/>
               <a:t>&gt; then</a:t>
             </a:r>
+            <a:endParaRPr lang="en-US" altLang="zh-CN" sz="1400" dirty="0"/>
           </a:p>
           <a:p>
             <a:pPr>
@@ -11623,6 +11634,7 @@
               <a:rPr lang="zh-CN" altLang="en-US" sz="1400" dirty="0"/>
               <a:t>生成的表单</a:t>
             </a:r>
+            <a:endParaRPr lang="zh-CN" altLang="en-US" sz="1400" dirty="0"/>
           </a:p>
           <a:p>
             <a:pPr>
@@ -11646,6 +11658,7 @@
               <a:rPr lang="en-US" altLang="zh-CN" sz="1400" dirty="0"/>
               <a:t>&gt; then</a:t>
             </a:r>
+            <a:endParaRPr lang="en-US" altLang="zh-CN" sz="1400" dirty="0"/>
           </a:p>
           <a:p>
             <a:pPr>
@@ -11685,6 +11698,7 @@
               <a:rPr lang="zh-CN" altLang="en-US" sz="1400" dirty="0"/>
               <a:t>模型</a:t>
             </a:r>
+            <a:endParaRPr lang="zh-CN" altLang="en-US" sz="1400" dirty="0"/>
           </a:p>
           <a:p>
             <a:pPr>
@@ -11724,6 +11738,7 @@
               <a:rPr lang="en-US" altLang="zh-CN" sz="1400" dirty="0"/>
               <a:t>id</a:t>
             </a:r>
+            <a:endParaRPr lang="en-US" altLang="zh-CN" sz="1400" dirty="0"/>
           </a:p>
           <a:p>
             <a:pPr>
@@ -11767,6 +11782,7 @@
               <a:rPr lang="en-US" altLang="zh-CN" sz="1400" dirty="0"/>
               <a:t>subject</a:t>
             </a:r>
+            <a:endParaRPr lang="en-US" altLang="zh-CN" sz="1400" dirty="0"/>
           </a:p>
           <a:p>
             <a:pPr>
@@ -11810,6 +11826,7 @@
               <a:rPr lang="en-US" altLang="zh-CN" sz="1400" dirty="0"/>
               <a:t>score</a:t>
             </a:r>
+            <a:endParaRPr lang="en-US" altLang="zh-CN" sz="1400" dirty="0"/>
           </a:p>
           <a:p>
             <a:pPr>
@@ -11833,6 +11850,7 @@
               <a:rPr lang="zh-CN" altLang="en-US" sz="1400" dirty="0"/>
               <a:t>并上传至游戏前端			</a:t>
             </a:r>
+            <a:endParaRPr lang="zh-CN" altLang="en-US" sz="1400" dirty="0"/>
           </a:p>
           <a:p>
             <a:pPr>
@@ -11844,6 +11862,7 @@
               <a:rPr lang="zh-CN" altLang="en-US" sz="1400" dirty="0"/>
               <a:t>出现“相应积分：”提示信息</a:t>
             </a:r>
+            <a:endParaRPr lang="zh-CN" altLang="en-US" sz="1400" dirty="0"/>
           </a:p>
           <a:p>
             <a:pPr>
@@ -11859,6 +11878,7 @@
               <a:rPr lang="en-US" altLang="zh-CN" sz="1400" dirty="0"/>
               <a:t>else</a:t>
             </a:r>
+            <a:endParaRPr lang="en-US" altLang="zh-CN" sz="1400" dirty="0"/>
           </a:p>
           <a:p>
             <a:pPr>
@@ -11894,6 +11914,7 @@
               <a:rPr lang="zh-CN" altLang="en-US" sz="1400" dirty="0"/>
               <a:t>返回‘主界面’并显示该用户当前积分</a:t>
             </a:r>
+            <a:endParaRPr lang="zh-CN" altLang="en-US" sz="1400" dirty="0"/>
           </a:p>
           <a:p>
             <a:pPr>
@@ -11905,6 +11926,7 @@
               <a:rPr lang="en-US" altLang="zh-CN" sz="1400" dirty="0"/>
               <a:t>end</a:t>
             </a:r>
+            <a:endParaRPr lang="en-US" altLang="zh-CN" sz="1400" dirty="0"/>
           </a:p>
           <a:p>
             <a:endParaRPr lang="zh-CN" altLang="en-US" dirty="0"/>
@@ -11912,22 +11934,17 @@
         </p:txBody>
       </p:sp>
     </p:spTree>
-    <p:extLst>
-      <p:ext uri="{BB962C8B-B14F-4D97-AF65-F5344CB8AC3E}">
-        <p14:creationId xmlns:p14="http://schemas.microsoft.com/office/powerpoint/2010/main" val="3838740899"/>
-      </p:ext>
-    </p:extLst>
   </p:cSld>
   <p:clrMapOvr>
     <a:masterClrMapping/>
   </p:clrMapOvr>
-  <mc:AlternateContent xmlns:mc="http://schemas.openxmlformats.org/markup-compatibility/2006" xmlns:p14="http://schemas.microsoft.com/office/powerpoint/2010/main">
-    <mc:Choice Requires="p14">
+  <mc:AlternateContent xmlns:mc="http://schemas.openxmlformats.org/markup-compatibility/2006">
+    <mc:Choice xmlns:p14="http://schemas.microsoft.com/office/powerpoint/2010/main" Requires="p14">
       <p:transition p14:dur="100">
         <p:cut/>
       </p:transition>
     </mc:Choice>
-    <mc:Fallback xmlns="">
+    <mc:Fallback>
       <p:transition>
         <p:cut/>
       </p:transition>
@@ -12078,14 +12095,14 @@
           <a:p>
             <a:r>
               <a:rPr lang="zh-CN" altLang="en-US" sz="1600" dirty="0" smtClean="0">
-                <a:latin typeface="微软雅黑 Light" pitchFamily="34" charset="-122"/>
-                <a:ea typeface="微软雅黑 Light" pitchFamily="34" charset="-122"/>
+                <a:latin typeface="微软雅黑 Light" panose="020B0502040204020203" pitchFamily="34" charset="-122"/>
+                <a:ea typeface="微软雅黑 Light" panose="020B0502040204020203" pitchFamily="34" charset="-122"/>
               </a:rPr>
               <a:t>信息更新</a:t>
             </a:r>
             <a:endParaRPr lang="zh-CN" altLang="en-US" sz="1600" dirty="0">
-              <a:latin typeface="微软雅黑 Light" pitchFamily="34" charset="-122"/>
-              <a:ea typeface="微软雅黑 Light" pitchFamily="34" charset="-122"/>
+              <a:latin typeface="微软雅黑 Light" panose="020B0502040204020203" pitchFamily="34" charset="-122"/>
+              <a:ea typeface="微软雅黑 Light" panose="020B0502040204020203" pitchFamily="34" charset="-122"/>
             </a:endParaRPr>
           </a:p>
         </p:txBody>
@@ -12153,6 +12170,7 @@
               <a:rPr lang="en-US" altLang="zh-CN" sz="1600" dirty="0"/>
               <a:t>&gt; is</a:t>
             </a:r>
+            <a:endParaRPr lang="en-US" altLang="zh-CN" sz="1600" dirty="0"/>
           </a:p>
           <a:p>
             <a:pPr>
@@ -12164,6 +12182,7 @@
               <a:rPr lang="en-US" altLang="zh-CN" sz="1600" dirty="0"/>
               <a:t>begin</a:t>
             </a:r>
+            <a:endParaRPr lang="en-US" altLang="zh-CN" sz="1600" dirty="0"/>
           </a:p>
           <a:p>
             <a:pPr>
@@ -12199,6 +12218,7 @@
               <a:rPr lang="en-US" altLang="zh-CN" sz="1600" dirty="0"/>
               <a:t>&gt; then</a:t>
             </a:r>
+            <a:endParaRPr lang="en-US" altLang="zh-CN" sz="1600" dirty="0"/>
           </a:p>
           <a:p>
             <a:pPr>
@@ -12214,6 +12234,7 @@
               <a:rPr lang="zh-CN" altLang="en-US" sz="1600" dirty="0"/>
               <a:t>重定向到‘非法操作’页面</a:t>
             </a:r>
+            <a:endParaRPr lang="zh-CN" altLang="en-US" sz="1600" dirty="0"/>
           </a:p>
           <a:p>
             <a:pPr>
@@ -12245,6 +12266,7 @@
               <a:rPr lang="en-US" altLang="zh-CN" sz="1600" dirty="0"/>
               <a:t>&gt; then</a:t>
             </a:r>
+            <a:endParaRPr lang="en-US" altLang="zh-CN" sz="1600" dirty="0"/>
           </a:p>
           <a:p>
             <a:pPr>
@@ -12260,6 +12282,7 @@
               <a:rPr lang="zh-CN" altLang="en-US" sz="1600" dirty="0"/>
               <a:t>异常</a:t>
             </a:r>
+            <a:endParaRPr lang="zh-CN" altLang="en-US" sz="1600" dirty="0"/>
           </a:p>
           <a:p>
             <a:pPr>
@@ -12287,6 +12310,7 @@
               <a:rPr lang="zh-CN" altLang="en-US" sz="1600" dirty="0"/>
               <a:t>请求</a:t>
             </a:r>
+            <a:endParaRPr lang="zh-CN" altLang="en-US" sz="1600" dirty="0"/>
           </a:p>
           <a:p>
             <a:pPr>
@@ -12310,6 +12334,7 @@
               <a:rPr lang="en-US" altLang="zh-CN" sz="1600" dirty="0"/>
               <a:t>&gt; then</a:t>
             </a:r>
+            <a:endParaRPr lang="en-US" altLang="zh-CN" sz="1600" dirty="0"/>
           </a:p>
           <a:p>
             <a:pPr>
@@ -12325,6 +12350,7 @@
               <a:rPr lang="zh-CN" altLang="en-US" sz="1600" dirty="0"/>
               <a:t>返回用户信息未找到出错页面</a:t>
             </a:r>
+            <a:endParaRPr lang="zh-CN" altLang="en-US" sz="1600" dirty="0"/>
           </a:p>
           <a:p>
             <a:pPr>
@@ -12348,6 +12374,7 @@
               <a:rPr lang="en-US" altLang="zh-CN" sz="1600" dirty="0"/>
               <a:t>&gt;</a:t>
             </a:r>
+            <a:endParaRPr lang="en-US" altLang="zh-CN" sz="1600" dirty="0"/>
           </a:p>
           <a:p>
             <a:pPr>
@@ -12363,6 +12390,7 @@
               <a:rPr lang="zh-CN" altLang="en-US" sz="1600" dirty="0"/>
               <a:t>更新相应信息至数据库</a:t>
             </a:r>
+            <a:endParaRPr lang="zh-CN" altLang="en-US" sz="1600" dirty="0"/>
           </a:p>
           <a:p>
             <a:pPr>
@@ -12378,6 +12406,7 @@
               <a:rPr lang="en-US" altLang="zh-CN" sz="1600" dirty="0"/>
               <a:t>end</a:t>
             </a:r>
+            <a:endParaRPr lang="en-US" altLang="zh-CN" sz="1600" dirty="0"/>
           </a:p>
           <a:p>
             <a:pPr>
@@ -12389,6 +12418,7 @@
               <a:rPr lang="zh-CN" altLang="en-US" sz="1600" dirty="0"/>
               <a:t>出现新的积分排行榜</a:t>
             </a:r>
+            <a:endParaRPr lang="zh-CN" altLang="en-US" sz="1600" dirty="0"/>
           </a:p>
           <a:p>
             <a:pPr>
@@ -12400,6 +12430,7 @@
               <a:rPr lang="zh-CN" altLang="en-US" sz="1600" dirty="0"/>
               <a:t>             返回‘主界面’并显示该用户当前积分</a:t>
             </a:r>
+            <a:endParaRPr lang="zh-CN" altLang="en-US" sz="1600" dirty="0"/>
           </a:p>
           <a:p>
             <a:pPr>
@@ -12411,6 +12442,7 @@
               <a:rPr lang="en-US" altLang="zh-CN" sz="1600" dirty="0"/>
               <a:t>end</a:t>
             </a:r>
+            <a:endParaRPr lang="en-US" altLang="zh-CN" sz="1600" dirty="0"/>
           </a:p>
           <a:p>
             <a:endParaRPr lang="zh-CN" altLang="en-US" dirty="0"/>
@@ -12418,22 +12450,17 @@
         </p:txBody>
       </p:sp>
     </p:spTree>
-    <p:extLst>
-      <p:ext uri="{BB962C8B-B14F-4D97-AF65-F5344CB8AC3E}">
-        <p14:creationId xmlns:p14="http://schemas.microsoft.com/office/powerpoint/2010/main" val="3838740899"/>
-      </p:ext>
-    </p:extLst>
   </p:cSld>
   <p:clrMapOvr>
     <a:masterClrMapping/>
   </p:clrMapOvr>
-  <mc:AlternateContent xmlns:mc="http://schemas.openxmlformats.org/markup-compatibility/2006" xmlns:p14="http://schemas.microsoft.com/office/powerpoint/2010/main">
-    <mc:Choice Requires="p14">
+  <mc:AlternateContent xmlns:mc="http://schemas.openxmlformats.org/markup-compatibility/2006">
+    <mc:Choice xmlns:p14="http://schemas.microsoft.com/office/powerpoint/2010/main" Requires="p14">
       <p:transition p14:dur="100">
         <p:cut/>
       </p:transition>
     </mc:Choice>
-    <mc:Fallback xmlns="">
+    <mc:Fallback>
       <p:transition>
         <p:cut/>
       </p:transition>
@@ -12561,7 +12588,7 @@
           <p:nvPr/>
         </p:nvPicPr>
         <p:blipFill>
-          <a:blip r:embed="rId2">
+          <a:blip r:embed="rId1">
             <a:extLst>
               <a:ext uri="{28A0092B-C50C-407E-A947-70E740481C1C}">
                 <a14:useLocalDpi xmlns:a14="http://schemas.microsoft.com/office/drawing/2010/main" val="0"/>
@@ -12617,22 +12644,17 @@
         </p:spPr>
       </p:pic>
     </p:spTree>
-    <p:extLst>
-      <p:ext uri="{BB962C8B-B14F-4D97-AF65-F5344CB8AC3E}">
-        <p14:creationId xmlns:p14="http://schemas.microsoft.com/office/powerpoint/2010/main" val="2400641998"/>
-      </p:ext>
-    </p:extLst>
   </p:cSld>
   <p:clrMapOvr>
     <a:masterClrMapping/>
   </p:clrMapOvr>
-  <mc:AlternateContent xmlns:mc="http://schemas.openxmlformats.org/markup-compatibility/2006" xmlns:p14="http://schemas.microsoft.com/office/powerpoint/2010/main">
-    <mc:Choice Requires="p14">
+  <mc:AlternateContent xmlns:mc="http://schemas.openxmlformats.org/markup-compatibility/2006">
+    <mc:Choice xmlns:p14="http://schemas.microsoft.com/office/powerpoint/2010/main" Requires="p14">
       <p:transition p14:dur="100">
         <p:cut/>
       </p:transition>
     </mc:Choice>
-    <mc:Fallback xmlns="">
+    <mc:Fallback>
       <p:transition>
         <p:cut/>
       </p:transition>
@@ -13013,11 +13035,15 @@
             <a:p>
               <a:r>
                 <a:rPr lang="zh-CN" altLang="en-US" sz="2200" dirty="0">
-                  <a:latin typeface="微软雅黑" pitchFamily="34" charset="-122"/>
-                  <a:ea typeface="微软雅黑" pitchFamily="34" charset="-122"/>
+                  <a:latin typeface="微软雅黑" panose="020B0503020204020204" pitchFamily="34" charset="-122"/>
+                  <a:ea typeface="微软雅黑" panose="020B0503020204020204" pitchFamily="34" charset="-122"/>
                 </a:rPr>
                 <a:t>引言</a:t>
               </a:r>
+              <a:endParaRPr lang="zh-CN" altLang="en-US" sz="2200" dirty="0">
+                <a:latin typeface="微软雅黑" panose="020B0503020204020204" pitchFamily="34" charset="-122"/>
+                <a:ea typeface="微软雅黑" panose="020B0503020204020204" pitchFamily="34" charset="-122"/>
+              </a:endParaRPr>
             </a:p>
           </p:txBody>
         </p:sp>
@@ -13110,11 +13136,15 @@
             <a:p>
               <a:r>
                 <a:rPr lang="zh-CN" altLang="en-US" sz="2200" dirty="0">
-                  <a:latin typeface="微软雅黑" pitchFamily="34" charset="-122"/>
-                  <a:ea typeface="微软雅黑" pitchFamily="34" charset="-122"/>
+                  <a:latin typeface="微软雅黑" panose="020B0503020204020204" pitchFamily="34" charset="-122"/>
+                  <a:ea typeface="微软雅黑" panose="020B0503020204020204" pitchFamily="34" charset="-122"/>
                 </a:rPr>
                 <a:t>参考文献</a:t>
               </a:r>
+              <a:endParaRPr lang="zh-CN" altLang="en-US" sz="2200" dirty="0">
+                <a:latin typeface="微软雅黑" panose="020B0503020204020204" pitchFamily="34" charset="-122"/>
+                <a:ea typeface="微软雅黑" panose="020B0503020204020204" pitchFamily="34" charset="-122"/>
+              </a:endParaRPr>
             </a:p>
           </p:txBody>
         </p:sp>
@@ -13207,11 +13237,15 @@
             <a:p>
               <a:r>
                 <a:rPr lang="zh-CN" altLang="en-US" sz="2200" dirty="0">
-                  <a:latin typeface="微软雅黑" pitchFamily="34" charset="-122"/>
-                  <a:ea typeface="微软雅黑" pitchFamily="34" charset="-122"/>
+                  <a:latin typeface="微软雅黑" panose="020B0503020204020204" pitchFamily="34" charset="-122"/>
+                  <a:ea typeface="微软雅黑" panose="020B0503020204020204" pitchFamily="34" charset="-122"/>
                 </a:rPr>
                 <a:t>项目计划</a:t>
               </a:r>
+              <a:endParaRPr lang="zh-CN" altLang="en-US" sz="2200" dirty="0">
+                <a:latin typeface="微软雅黑" panose="020B0503020204020204" pitchFamily="34" charset="-122"/>
+                <a:ea typeface="微软雅黑" panose="020B0503020204020204" pitchFamily="34" charset="-122"/>
+              </a:endParaRPr>
             </a:p>
           </p:txBody>
         </p:sp>
@@ -13304,11 +13338,15 @@
             <a:p>
               <a:r>
                 <a:rPr lang="zh-CN" altLang="en-US" sz="2200" dirty="0">
-                  <a:latin typeface="微软雅黑" pitchFamily="34" charset="-122"/>
-                  <a:ea typeface="微软雅黑" pitchFamily="34" charset="-122"/>
+                  <a:latin typeface="微软雅黑" panose="020B0503020204020204" pitchFamily="34" charset="-122"/>
+                  <a:ea typeface="微软雅黑" panose="020B0503020204020204" pitchFamily="34" charset="-122"/>
                 </a:rPr>
                 <a:t>可行性分析报告</a:t>
               </a:r>
+              <a:endParaRPr lang="zh-CN" altLang="en-US" sz="2200" dirty="0">
+                <a:latin typeface="微软雅黑" panose="020B0503020204020204" pitchFamily="34" charset="-122"/>
+                <a:ea typeface="微软雅黑" panose="020B0503020204020204" pitchFamily="34" charset="-122"/>
+              </a:endParaRPr>
             </a:p>
           </p:txBody>
         </p:sp>
@@ -13401,11 +13439,15 @@
             <a:p>
               <a:r>
                 <a:rPr lang="zh-CN" altLang="en-US" sz="2200" dirty="0">
-                  <a:latin typeface="微软雅黑" pitchFamily="34" charset="-122"/>
-                  <a:ea typeface="微软雅黑" pitchFamily="34" charset="-122"/>
+                  <a:latin typeface="微软雅黑" panose="020B0503020204020204" pitchFamily="34" charset="-122"/>
+                  <a:ea typeface="微软雅黑" panose="020B0503020204020204" pitchFamily="34" charset="-122"/>
                 </a:rPr>
                 <a:t>需求分析报告</a:t>
               </a:r>
+              <a:endParaRPr lang="zh-CN" altLang="en-US" sz="2200" dirty="0">
+                <a:latin typeface="微软雅黑" panose="020B0503020204020204" pitchFamily="34" charset="-122"/>
+                <a:ea typeface="微软雅黑" panose="020B0503020204020204" pitchFamily="34" charset="-122"/>
+              </a:endParaRPr>
             </a:p>
           </p:txBody>
         </p:sp>
@@ -13498,14 +13540,14 @@
             <a:p>
               <a:r>
                 <a:rPr lang="zh-CN" altLang="en-US" sz="2200" dirty="0" smtClean="0">
-                  <a:latin typeface="微软雅黑" pitchFamily="34" charset="-122"/>
-                  <a:ea typeface="微软雅黑" pitchFamily="34" charset="-122"/>
+                  <a:latin typeface="微软雅黑" panose="020B0503020204020204" pitchFamily="34" charset="-122"/>
+                  <a:ea typeface="微软雅黑" panose="020B0503020204020204" pitchFamily="34" charset="-122"/>
                 </a:rPr>
                 <a:t>测试文档</a:t>
               </a:r>
               <a:endParaRPr lang="zh-CN" altLang="en-US" sz="2200" dirty="0">
-                <a:latin typeface="微软雅黑" pitchFamily="34" charset="-122"/>
-                <a:ea typeface="微软雅黑" pitchFamily="34" charset="-122"/>
+                <a:latin typeface="微软雅黑" panose="020B0503020204020204" pitchFamily="34" charset="-122"/>
+                <a:ea typeface="微软雅黑" panose="020B0503020204020204" pitchFamily="34" charset="-122"/>
               </a:endParaRPr>
             </a:p>
           </p:txBody>
@@ -13599,11 +13641,15 @@
             <a:p>
               <a:r>
                 <a:rPr lang="zh-CN" altLang="en-US" sz="2200" dirty="0">
-                  <a:latin typeface="微软雅黑" pitchFamily="34" charset="-122"/>
-                  <a:ea typeface="微软雅黑" pitchFamily="34" charset="-122"/>
+                  <a:latin typeface="微软雅黑" panose="020B0503020204020204" pitchFamily="34" charset="-122"/>
+                  <a:ea typeface="微软雅黑" panose="020B0503020204020204" pitchFamily="34" charset="-122"/>
                 </a:rPr>
                 <a:t>代码规范</a:t>
               </a:r>
+              <a:endParaRPr lang="zh-CN" altLang="en-US" sz="2200" dirty="0">
+                <a:latin typeface="微软雅黑" panose="020B0503020204020204" pitchFamily="34" charset="-122"/>
+                <a:ea typeface="微软雅黑" panose="020B0503020204020204" pitchFamily="34" charset="-122"/>
+              </a:endParaRPr>
             </a:p>
           </p:txBody>
         </p:sp>
@@ -13696,11 +13742,15 @@
             <a:p>
               <a:r>
                 <a:rPr lang="zh-CN" altLang="en-US" sz="2200" dirty="0">
-                  <a:latin typeface="微软雅黑" pitchFamily="34" charset="-122"/>
-                  <a:ea typeface="微软雅黑" pitchFamily="34" charset="-122"/>
+                  <a:latin typeface="微软雅黑" panose="020B0503020204020204" pitchFamily="34" charset="-122"/>
+                  <a:ea typeface="微软雅黑" panose="020B0503020204020204" pitchFamily="34" charset="-122"/>
                 </a:rPr>
                 <a:t>详细设计</a:t>
               </a:r>
+              <a:endParaRPr lang="zh-CN" altLang="en-US" sz="2200" dirty="0">
+                <a:latin typeface="微软雅黑" panose="020B0503020204020204" pitchFamily="34" charset="-122"/>
+                <a:ea typeface="微软雅黑" panose="020B0503020204020204" pitchFamily="34" charset="-122"/>
+              </a:endParaRPr>
             </a:p>
           </p:txBody>
         </p:sp>
@@ -13793,11 +13843,15 @@
             <a:p>
               <a:r>
                 <a:rPr lang="zh-CN" altLang="en-US" sz="2200" dirty="0">
-                  <a:latin typeface="微软雅黑" pitchFamily="34" charset="-122"/>
-                  <a:ea typeface="微软雅黑" pitchFamily="34" charset="-122"/>
+                  <a:latin typeface="微软雅黑" panose="020B0503020204020204" pitchFamily="34" charset="-122"/>
+                  <a:ea typeface="微软雅黑" panose="020B0503020204020204" pitchFamily="34" charset="-122"/>
                 </a:rPr>
                 <a:t>总体设计</a:t>
               </a:r>
+              <a:endParaRPr lang="zh-CN" altLang="en-US" sz="2200" dirty="0">
+                <a:latin typeface="微软雅黑" panose="020B0503020204020204" pitchFamily="34" charset="-122"/>
+                <a:ea typeface="微软雅黑" panose="020B0503020204020204" pitchFamily="34" charset="-122"/>
+              </a:endParaRPr>
             </a:p>
           </p:txBody>
         </p:sp>
@@ -13890,20 +13944,20 @@
             <a:p>
               <a:r>
                 <a:rPr lang="zh-CN" altLang="en-US" sz="2200" dirty="0" smtClean="0">
-                  <a:latin typeface="微软雅黑" pitchFamily="34" charset="-122"/>
-                  <a:ea typeface="微软雅黑" pitchFamily="34" charset="-122"/>
+                  <a:latin typeface="微软雅黑" panose="020B0503020204020204" pitchFamily="34" charset="-122"/>
+                  <a:ea typeface="微软雅黑" panose="020B0503020204020204" pitchFamily="34" charset="-122"/>
                 </a:rPr>
                 <a:t>用户手册</a:t>
               </a:r>
               <a:endParaRPr lang="zh-CN" altLang="en-US" sz="2200" dirty="0">
-                <a:latin typeface="微软雅黑" pitchFamily="34" charset="-122"/>
-                <a:ea typeface="微软雅黑" pitchFamily="34" charset="-122"/>
+                <a:latin typeface="微软雅黑" panose="020B0503020204020204" pitchFamily="34" charset="-122"/>
+                <a:ea typeface="微软雅黑" panose="020B0503020204020204" pitchFamily="34" charset="-122"/>
               </a:endParaRPr>
             </a:p>
             <a:p>
               <a:endParaRPr lang="zh-CN" altLang="en-US" sz="2200" dirty="0">
-                <a:latin typeface="微软雅黑" pitchFamily="34" charset="-122"/>
-                <a:ea typeface="微软雅黑" pitchFamily="34" charset="-122"/>
+                <a:latin typeface="微软雅黑" panose="020B0503020204020204" pitchFamily="34" charset="-122"/>
+                <a:ea typeface="微软雅黑" panose="020B0503020204020204" pitchFamily="34" charset="-122"/>
               </a:endParaRPr>
             </a:p>
           </p:txBody>
@@ -13997,11 +14051,15 @@
             <a:p>
               <a:r>
                 <a:rPr lang="zh-CN" altLang="en-US" sz="2200" dirty="0">
-                  <a:latin typeface="微软雅黑" pitchFamily="34" charset="-122"/>
-                  <a:ea typeface="微软雅黑" pitchFamily="34" charset="-122"/>
+                  <a:latin typeface="微软雅黑" panose="020B0503020204020204" pitchFamily="34" charset="-122"/>
+                  <a:ea typeface="微软雅黑" panose="020B0503020204020204" pitchFamily="34" charset="-122"/>
                 </a:rPr>
                 <a:t>程序清单</a:t>
               </a:r>
+              <a:endParaRPr lang="zh-CN" altLang="en-US" sz="2200" dirty="0">
+                <a:latin typeface="微软雅黑" panose="020B0503020204020204" pitchFamily="34" charset="-122"/>
+                <a:ea typeface="微软雅黑" panose="020B0503020204020204" pitchFamily="34" charset="-122"/>
+              </a:endParaRPr>
             </a:p>
           </p:txBody>
         </p:sp>
@@ -14094,32 +14152,31 @@
             <a:p>
               <a:r>
                 <a:rPr lang="zh-CN" altLang="en-US" sz="2200" dirty="0">
-                  <a:latin typeface="微软雅黑" pitchFamily="34" charset="-122"/>
-                  <a:ea typeface="微软雅黑" pitchFamily="34" charset="-122"/>
+                  <a:latin typeface="微软雅黑" panose="020B0503020204020204" pitchFamily="34" charset="-122"/>
+                  <a:ea typeface="微软雅黑" panose="020B0503020204020204" pitchFamily="34" charset="-122"/>
                 </a:rPr>
                 <a:t>组员绩效评定</a:t>
               </a:r>
+              <a:endParaRPr lang="zh-CN" altLang="en-US" sz="2200" dirty="0">
+                <a:latin typeface="微软雅黑" panose="020B0503020204020204" pitchFamily="34" charset="-122"/>
+                <a:ea typeface="微软雅黑" panose="020B0503020204020204" pitchFamily="34" charset="-122"/>
+              </a:endParaRPr>
             </a:p>
           </p:txBody>
         </p:sp>
       </p:grpSp>
     </p:spTree>
-    <p:extLst>
-      <p:ext uri="{BB962C8B-B14F-4D97-AF65-F5344CB8AC3E}">
-        <p14:creationId xmlns:p14="http://schemas.microsoft.com/office/powerpoint/2010/main" val="4113677038"/>
-      </p:ext>
-    </p:extLst>
   </p:cSld>
   <p:clrMapOvr>
     <a:masterClrMapping/>
   </p:clrMapOvr>
-  <mc:AlternateContent xmlns:mc="http://schemas.openxmlformats.org/markup-compatibility/2006" xmlns:p14="http://schemas.microsoft.com/office/powerpoint/2010/main">
-    <mc:Choice Requires="p14">
+  <mc:AlternateContent xmlns:mc="http://schemas.openxmlformats.org/markup-compatibility/2006">
+    <mc:Choice xmlns:p14="http://schemas.microsoft.com/office/powerpoint/2010/main" Requires="p14">
       <p:transition p14:dur="100">
         <p:cut/>
       </p:transition>
     </mc:Choice>
-    <mc:Fallback xmlns="">
+    <mc:Fallback>
       <p:transition>
         <p:cut/>
       </p:transition>
@@ -14247,7 +14304,7 @@
           <p:nvPr/>
         </p:nvPicPr>
         <p:blipFill>
-          <a:blip r:embed="rId2">
+          <a:blip r:embed="rId1">
             <a:extLst>
               <a:ext uri="{28A0092B-C50C-407E-A947-70E740481C1C}">
                 <a14:useLocalDpi xmlns:a14="http://schemas.microsoft.com/office/drawing/2010/main" val="0"/>
@@ -14303,22 +14360,17 @@
         </p:spPr>
       </p:pic>
     </p:spTree>
-    <p:extLst>
-      <p:ext uri="{BB962C8B-B14F-4D97-AF65-F5344CB8AC3E}">
-        <p14:creationId xmlns:p14="http://schemas.microsoft.com/office/powerpoint/2010/main" val="2671824514"/>
-      </p:ext>
-    </p:extLst>
   </p:cSld>
   <p:clrMapOvr>
     <a:masterClrMapping/>
   </p:clrMapOvr>
-  <mc:AlternateContent xmlns:mc="http://schemas.openxmlformats.org/markup-compatibility/2006" xmlns:p14="http://schemas.microsoft.com/office/powerpoint/2010/main">
-    <mc:Choice Requires="p14">
+  <mc:AlternateContent xmlns:mc="http://schemas.openxmlformats.org/markup-compatibility/2006">
+    <mc:Choice xmlns:p14="http://schemas.microsoft.com/office/powerpoint/2010/main" Requires="p14">
       <p:transition p14:dur="100">
         <p:cut/>
       </p:transition>
     </mc:Choice>
-    <mc:Fallback xmlns="">
+    <mc:Fallback>
       <p:transition>
         <p:cut/>
       </p:transition>
@@ -14476,7 +14528,7 @@
           <p:nvPr/>
         </p:nvPicPr>
         <p:blipFill>
-          <a:blip r:embed="rId2">
+          <a:blip r:embed="rId1">
             <a:extLst>
               <a:ext uri="{28A0092B-C50C-407E-A947-70E740481C1C}">
                 <a14:useLocalDpi xmlns:a14="http://schemas.microsoft.com/office/drawing/2010/main" val="0"/>
@@ -14532,22 +14584,17 @@
         </p:spPr>
       </p:pic>
     </p:spTree>
-    <p:extLst>
-      <p:ext uri="{BB962C8B-B14F-4D97-AF65-F5344CB8AC3E}">
-        <p14:creationId xmlns:p14="http://schemas.microsoft.com/office/powerpoint/2010/main" val="2400641998"/>
-      </p:ext>
-    </p:extLst>
   </p:cSld>
   <p:clrMapOvr>
     <a:masterClrMapping/>
   </p:clrMapOvr>
-  <mc:AlternateContent xmlns:mc="http://schemas.openxmlformats.org/markup-compatibility/2006" xmlns:p14="http://schemas.microsoft.com/office/powerpoint/2010/main">
-    <mc:Choice Requires="p14">
+  <mc:AlternateContent xmlns:mc="http://schemas.openxmlformats.org/markup-compatibility/2006">
+    <mc:Choice xmlns:p14="http://schemas.microsoft.com/office/powerpoint/2010/main" Requires="p14">
       <p:transition p14:dur="100">
         <p:cut/>
       </p:transition>
     </mc:Choice>
-    <mc:Fallback xmlns="">
+    <mc:Fallback>
       <p:transition>
         <p:cut/>
       </p:transition>
@@ -14675,7 +14722,7 @@
           <p:nvPr/>
         </p:nvPicPr>
         <p:blipFill>
-          <a:blip r:embed="rId2">
+          <a:blip r:embed="rId1">
             <a:extLst>
               <a:ext uri="{28A0092B-C50C-407E-A947-70E740481C1C}">
                 <a14:useLocalDpi xmlns:a14="http://schemas.microsoft.com/office/drawing/2010/main" val="0"/>
@@ -14739,7 +14786,7 @@
           <p:nvPr/>
         </p:nvPicPr>
         <p:blipFill>
-          <a:blip r:embed="rId3">
+          <a:blip r:embed="rId2">
             <a:extLst>
               <a:ext uri="{28A0092B-C50C-407E-A947-70E740481C1C}">
                 <a14:useLocalDpi xmlns:a14="http://schemas.microsoft.com/office/drawing/2010/main" val="0"/>
@@ -14803,7 +14850,7 @@
           <p:nvPr/>
         </p:nvPicPr>
         <p:blipFill>
-          <a:blip r:embed="rId4">
+          <a:blip r:embed="rId3">
             <a:extLst>
               <a:ext uri="{28A0092B-C50C-407E-A947-70E740481C1C}">
                 <a14:useLocalDpi xmlns:a14="http://schemas.microsoft.com/office/drawing/2010/main" val="0"/>
@@ -14859,22 +14906,17 @@
         </p:spPr>
       </p:pic>
     </p:spTree>
-    <p:extLst>
-      <p:ext uri="{BB962C8B-B14F-4D97-AF65-F5344CB8AC3E}">
-        <p14:creationId xmlns:p14="http://schemas.microsoft.com/office/powerpoint/2010/main" val="1461405719"/>
-      </p:ext>
-    </p:extLst>
   </p:cSld>
   <p:clrMapOvr>
     <a:masterClrMapping/>
   </p:clrMapOvr>
-  <mc:AlternateContent xmlns:mc="http://schemas.openxmlformats.org/markup-compatibility/2006" xmlns:p14="http://schemas.microsoft.com/office/powerpoint/2010/main">
-    <mc:Choice Requires="p14">
+  <mc:AlternateContent xmlns:mc="http://schemas.openxmlformats.org/markup-compatibility/2006">
+    <mc:Choice xmlns:p14="http://schemas.microsoft.com/office/powerpoint/2010/main" Requires="p14">
       <p:transition p14:dur="100">
         <p:cut/>
       </p:transition>
     </mc:Choice>
-    <mc:Fallback xmlns="">
+    <mc:Fallback>
       <p:transition>
         <p:cut/>
       </p:transition>
@@ -15298,7 +15340,7 @@
           <p:nvPr/>
         </p:nvPicPr>
         <p:blipFill>
-          <a:blip r:embed="rId2">
+          <a:blip r:embed="rId1">
             <a:extLst>
               <a:ext uri="{28A0092B-C50C-407E-A947-70E740481C1C}">
                 <a14:useLocalDpi xmlns:a14="http://schemas.microsoft.com/office/drawing/2010/main" val="0"/>
@@ -15354,22 +15396,17 @@
         </p:spPr>
       </p:pic>
     </p:spTree>
-    <p:extLst>
-      <p:ext uri="{BB962C8B-B14F-4D97-AF65-F5344CB8AC3E}">
-        <p14:creationId xmlns:p14="http://schemas.microsoft.com/office/powerpoint/2010/main" val="2400641998"/>
-      </p:ext>
-    </p:extLst>
   </p:cSld>
   <p:clrMapOvr>
     <a:masterClrMapping/>
   </p:clrMapOvr>
-  <mc:AlternateContent xmlns:mc="http://schemas.openxmlformats.org/markup-compatibility/2006" xmlns:p14="http://schemas.microsoft.com/office/powerpoint/2010/main">
-    <mc:Choice Requires="p14">
+  <mc:AlternateContent xmlns:mc="http://schemas.openxmlformats.org/markup-compatibility/2006">
+    <mc:Choice xmlns:p14="http://schemas.microsoft.com/office/powerpoint/2010/main" Requires="p14">
       <p:transition p14:dur="100">
         <p:cut/>
       </p:transition>
     </mc:Choice>
-    <mc:Fallback xmlns="">
+    <mc:Fallback>
       <p:transition>
         <p:cut/>
       </p:transition>
@@ -15490,199 +15527,6 @@
       </p:sp>
       <p:sp>
         <p:nvSpPr>
-          <p:cNvPr id="5" name="内容占位符 2"/>
-          <p:cNvSpPr txBox="1">
-            <a:spLocks/>
-          </p:cNvSpPr>
-          <p:nvPr/>
-        </p:nvSpPr>
-        <p:spPr>
-          <a:xfrm>
-            <a:off x="979089" y="1464379"/>
-            <a:ext cx="7543801" cy="4023360"/>
-          </a:xfrm>
-          <a:prstGeom prst="rect">
-            <a:avLst/>
-          </a:prstGeom>
-        </p:spPr>
-        <p:txBody>
-          <a:bodyPr>
-            <a:normAutofit/>
-          </a:bodyPr>
-          <a:lstStyle>
-            <a:lvl1pPr marL="228600" indent="-228600" algn="l" defTabSz="914400" rtl="0" eaLnBrk="1" latinLnBrk="0" hangingPunct="1">
-              <a:lnSpc>
-                <a:spcPct val="90000"/>
-              </a:lnSpc>
-              <a:spcBef>
-                <a:spcPts val="1000"/>
-              </a:spcBef>
-              <a:buFont typeface="Arial" panose="020B0604020202020204" pitchFamily="34" charset="0"/>
-              <a:buChar char="•"/>
-              <a:defRPr sz="2800" kern="1200">
-                <a:solidFill>
-                  <a:schemeClr val="tx1"/>
-                </a:solidFill>
-                <a:latin typeface="+mn-lt"/>
-                <a:ea typeface="+mn-ea"/>
-                <a:cs typeface="+mn-cs"/>
-              </a:defRPr>
-            </a:lvl1pPr>
-            <a:lvl2pPr marL="685800" indent="-228600" algn="l" defTabSz="914400" rtl="0" eaLnBrk="1" latinLnBrk="0" hangingPunct="1">
-              <a:lnSpc>
-                <a:spcPct val="90000"/>
-              </a:lnSpc>
-              <a:spcBef>
-                <a:spcPts val="500"/>
-              </a:spcBef>
-              <a:buFont typeface="Arial" panose="020B0604020202020204" pitchFamily="34" charset="0"/>
-              <a:buChar char="•"/>
-              <a:defRPr sz="2400" kern="1200">
-                <a:solidFill>
-                  <a:schemeClr val="tx1"/>
-                </a:solidFill>
-                <a:latin typeface="+mn-lt"/>
-                <a:ea typeface="+mn-ea"/>
-                <a:cs typeface="+mn-cs"/>
-              </a:defRPr>
-            </a:lvl2pPr>
-            <a:lvl3pPr marL="1143000" indent="-228600" algn="l" defTabSz="914400" rtl="0" eaLnBrk="1" latinLnBrk="0" hangingPunct="1">
-              <a:lnSpc>
-                <a:spcPct val="90000"/>
-              </a:lnSpc>
-              <a:spcBef>
-                <a:spcPts val="500"/>
-              </a:spcBef>
-              <a:buFont typeface="Arial" panose="020B0604020202020204" pitchFamily="34" charset="0"/>
-              <a:buChar char="•"/>
-              <a:defRPr sz="2000" kern="1200">
-                <a:solidFill>
-                  <a:schemeClr val="tx1"/>
-                </a:solidFill>
-                <a:latin typeface="+mn-lt"/>
-                <a:ea typeface="+mn-ea"/>
-                <a:cs typeface="+mn-cs"/>
-              </a:defRPr>
-            </a:lvl3pPr>
-            <a:lvl4pPr marL="1600200" indent="-228600" algn="l" defTabSz="914400" rtl="0" eaLnBrk="1" latinLnBrk="0" hangingPunct="1">
-              <a:lnSpc>
-                <a:spcPct val="90000"/>
-              </a:lnSpc>
-              <a:spcBef>
-                <a:spcPts val="500"/>
-              </a:spcBef>
-              <a:buFont typeface="Arial" panose="020B0604020202020204" pitchFamily="34" charset="0"/>
-              <a:buChar char="•"/>
-              <a:defRPr sz="1800" kern="1200">
-                <a:solidFill>
-                  <a:schemeClr val="tx1"/>
-                </a:solidFill>
-                <a:latin typeface="+mn-lt"/>
-                <a:ea typeface="+mn-ea"/>
-                <a:cs typeface="+mn-cs"/>
-              </a:defRPr>
-            </a:lvl4pPr>
-            <a:lvl5pPr marL="2057400" indent="-228600" algn="l" defTabSz="914400" rtl="0" eaLnBrk="1" latinLnBrk="0" hangingPunct="1">
-              <a:lnSpc>
-                <a:spcPct val="90000"/>
-              </a:lnSpc>
-              <a:spcBef>
-                <a:spcPts val="500"/>
-              </a:spcBef>
-              <a:buFont typeface="Arial" panose="020B0604020202020204" pitchFamily="34" charset="0"/>
-              <a:buChar char="•"/>
-              <a:defRPr sz="1800" kern="1200">
-                <a:solidFill>
-                  <a:schemeClr val="tx1"/>
-                </a:solidFill>
-                <a:latin typeface="+mn-lt"/>
-                <a:ea typeface="+mn-ea"/>
-                <a:cs typeface="+mn-cs"/>
-              </a:defRPr>
-            </a:lvl5pPr>
-            <a:lvl6pPr marL="2514600" indent="-228600" algn="l" defTabSz="914400" rtl="0" eaLnBrk="1" latinLnBrk="0" hangingPunct="1">
-              <a:lnSpc>
-                <a:spcPct val="90000"/>
-              </a:lnSpc>
-              <a:spcBef>
-                <a:spcPts val="500"/>
-              </a:spcBef>
-              <a:buFont typeface="Arial" panose="020B0604020202020204" pitchFamily="34" charset="0"/>
-              <a:buChar char="•"/>
-              <a:defRPr sz="1800" kern="1200">
-                <a:solidFill>
-                  <a:schemeClr val="tx1"/>
-                </a:solidFill>
-                <a:latin typeface="+mn-lt"/>
-                <a:ea typeface="+mn-ea"/>
-                <a:cs typeface="+mn-cs"/>
-              </a:defRPr>
-            </a:lvl6pPr>
-            <a:lvl7pPr marL="2971800" indent="-228600" algn="l" defTabSz="914400" rtl="0" eaLnBrk="1" latinLnBrk="0" hangingPunct="1">
-              <a:lnSpc>
-                <a:spcPct val="90000"/>
-              </a:lnSpc>
-              <a:spcBef>
-                <a:spcPts val="500"/>
-              </a:spcBef>
-              <a:buFont typeface="Arial" panose="020B0604020202020204" pitchFamily="34" charset="0"/>
-              <a:buChar char="•"/>
-              <a:defRPr sz="1800" kern="1200">
-                <a:solidFill>
-                  <a:schemeClr val="tx1"/>
-                </a:solidFill>
-                <a:latin typeface="+mn-lt"/>
-                <a:ea typeface="+mn-ea"/>
-                <a:cs typeface="+mn-cs"/>
-              </a:defRPr>
-            </a:lvl7pPr>
-            <a:lvl8pPr marL="3429000" indent="-228600" algn="l" defTabSz="914400" rtl="0" eaLnBrk="1" latinLnBrk="0" hangingPunct="1">
-              <a:lnSpc>
-                <a:spcPct val="90000"/>
-              </a:lnSpc>
-              <a:spcBef>
-                <a:spcPts val="500"/>
-              </a:spcBef>
-              <a:buFont typeface="Arial" panose="020B0604020202020204" pitchFamily="34" charset="0"/>
-              <a:buChar char="•"/>
-              <a:defRPr sz="1800" kern="1200">
-                <a:solidFill>
-                  <a:schemeClr val="tx1"/>
-                </a:solidFill>
-                <a:latin typeface="+mn-lt"/>
-                <a:ea typeface="+mn-ea"/>
-                <a:cs typeface="+mn-cs"/>
-              </a:defRPr>
-            </a:lvl8pPr>
-            <a:lvl9pPr marL="3886200" indent="-228600" algn="l" defTabSz="914400" rtl="0" eaLnBrk="1" latinLnBrk="0" hangingPunct="1">
-              <a:lnSpc>
-                <a:spcPct val="90000"/>
-              </a:lnSpc>
-              <a:spcBef>
-                <a:spcPts val="500"/>
-              </a:spcBef>
-              <a:buFont typeface="Arial" panose="020B0604020202020204" pitchFamily="34" charset="0"/>
-              <a:buChar char="•"/>
-              <a:defRPr sz="1800" kern="1200">
-                <a:solidFill>
-                  <a:schemeClr val="tx1"/>
-                </a:solidFill>
-                <a:latin typeface="+mn-lt"/>
-                <a:ea typeface="+mn-ea"/>
-                <a:cs typeface="+mn-cs"/>
-              </a:defRPr>
-            </a:lvl9pPr>
-          </a:lstStyle>
-          <a:p>
-            <a:pPr marL="0" indent="0">
-              <a:buNone/>
-            </a:pPr>
-            <a:endParaRPr lang="zh-CN" altLang="en-US" sz="3600" b="1" dirty="0"/>
-          </a:p>
-        </p:txBody>
-      </p:sp>
-      <p:sp>
-        <p:nvSpPr>
           <p:cNvPr id="2" name="TextBox 1"/>
           <p:cNvSpPr txBox="1"/>
           <p:nvPr/>
@@ -15690,7 +15534,7 @@
         <p:spPr>
           <a:xfrm>
             <a:off x="696685" y="1324408"/>
-            <a:ext cx="10037287" cy="3970318"/>
+            <a:ext cx="10037287" cy="3969385"/>
           </a:xfrm>
           <a:prstGeom prst="rect">
             <a:avLst/>
@@ -15704,133 +15548,60 @@
           <a:lstStyle/>
           <a:p>
             <a:r>
-              <a:rPr lang="zh-CN" altLang="en-US" b="1" dirty="0"/>
-              <a:t>张荣阳</a:t>
-            </a:r>
-            <a:r>
               <a:rPr lang="zh-CN" altLang="en-US" dirty="0"/>
-              <a:t>：通过这次大作业的学习，学习了不少关于服务器的知识，但是只知其一不知其二，能用一下，但是原理不清晰，知识还有所欠缺</a:t>
-            </a:r>
-            <a:r>
-              <a:rPr lang="zh-CN" altLang="en-US" dirty="0" smtClean="0"/>
-              <a:t>。团队</a:t>
-            </a:r>
+              <a:t>教训：没有做好整个项目的规划，各个阶段该做什么，细节上做到了如指掌</a:t>
+            </a:r>
+            <a:endParaRPr lang="zh-CN" altLang="en-US" dirty="0"/>
+          </a:p>
+          <a:p>
             <a:r>
               <a:rPr lang="zh-CN" altLang="en-US" dirty="0"/>
-              <a:t>方面感觉最深的是：环环相扣，一个人的拖沓会导致整个项目的进度延后，关于域名备案的问题，我很抱歉（注册小程序来不及更改</a:t>
-            </a:r>
-            <a:r>
-              <a:rPr lang="zh-CN" altLang="en-US" dirty="0" smtClean="0"/>
-              <a:t>，而且</a:t>
-            </a:r>
+              <a:t>可行性研究阶段：没有列出多种方案（超过2种），后来证明唯一的方案不可行，没有时间修改调整项目。该阶段对项目资料没有付出足够多的资料去了解项目架构等等，技术路线单一，想着依靠微信接口。</a:t>
+            </a:r>
+            <a:endParaRPr lang="zh-CN" altLang="en-US" dirty="0"/>
+          </a:p>
+          <a:p>
             <a:r>
               <a:rPr lang="zh-CN" altLang="en-US" dirty="0"/>
-              <a:t>备案耗时过长）。做这个项目苦中有乐，当服务器联通时，超级兴奋，就像梅西进球一样开心</a:t>
-            </a:r>
-            <a:r>
-              <a:rPr lang="zh-CN" altLang="en-US" dirty="0" smtClean="0"/>
-              <a:t>。</a:t>
-            </a:r>
-            <a:endParaRPr lang="en-US" altLang="zh-CN" dirty="0" smtClean="0"/>
-          </a:p>
-          <a:p>
+              <a:t>需求分析阶段：没有修正和确定具体的开发计划，也没有相应的软件原型。因为当时只看了一个腊鸭引擎，然后对其他的引擎没有去了解，视野太窄了，也没有任何游戏引擎使用的经验，也没有开始学习相关的技术，访谈以后相应的demo，需求确认不够。</a:t>
+            </a:r>
             <a:endParaRPr lang="zh-CN" altLang="en-US" dirty="0"/>
           </a:p>
           <a:p>
             <a:r>
-              <a:rPr lang="zh-CN" altLang="en-US" b="1" dirty="0"/>
-              <a:t>陈帆</a:t>
-            </a:r>
-            <a:r>
               <a:rPr lang="zh-CN" altLang="en-US" dirty="0"/>
-              <a:t>：学习过程中，组员很给力，只是自己有时候过分怠惰，脱了项目后腿，我做的是前端（游戏），以后也将往这个方面发展。报了</a:t>
-            </a:r>
-            <a:r>
-              <a:rPr lang="zh-CN" altLang="en-US" dirty="0" smtClean="0"/>
-              <a:t>不少</a:t>
-            </a:r>
+              <a:t>在设计阶段 ,设有及时使用引擎制作界面原型，因为之前没有准确的数据流图，之后描绘软件结构十分困难，最后凭借主观意向画出了不准确的层次图和HIPO图。</a:t>
+            </a:r>
+            <a:endParaRPr lang="zh-CN" altLang="en-US" dirty="0"/>
+          </a:p>
+          <a:p>
             <a:r>
               <a:rPr lang="zh-CN" altLang="en-US" dirty="0"/>
-              <a:t>网课，对整个架构框架流程，团队管理方面可能有时候会分配不均，例如文档制作什么的。游戏制作过程中，有些不理解，为了弄懂</a:t>
-            </a:r>
-            <a:r>
-              <a:rPr lang="zh-CN" altLang="en-US" dirty="0" smtClean="0"/>
-              <a:t>，导致</a:t>
-            </a:r>
+              <a:t>在详细设计阶段，我们才最终选择使用cocos creater作为引擎编写游戏开始学习该引擎相关的文档和API，这时候已经太晚了。</a:t>
+            </a:r>
+            <a:endParaRPr lang="zh-CN" altLang="en-US" dirty="0"/>
+          </a:p>
+          <a:p>
             <a:r>
               <a:rPr lang="zh-CN" altLang="en-US" dirty="0"/>
-              <a:t>用时过长，很感谢我的组员，这次项目虽然做的不够好，但下次会更加努力</a:t>
-            </a:r>
-            <a:r>
-              <a:rPr lang="zh-CN" altLang="en-US" dirty="0" smtClean="0"/>
-              <a:t>。</a:t>
-            </a:r>
-            <a:endParaRPr lang="en-US" altLang="zh-CN" dirty="0" smtClean="0"/>
-          </a:p>
-          <a:p>
+              <a:t>在实现测试阶段，每个人都在全力学习自己负责的部分，陈帆学习cocos creater，张荣阳负责服务器的搭建，前端和服务器的通信连接；赵伟宏负责数据库的搭建和编写数据库的相应函数。测试方面则无法进行下去。</a:t>
+            </a:r>
             <a:endParaRPr lang="zh-CN" altLang="en-US" dirty="0"/>
-          </a:p>
-          <a:p>
-            <a:r>
-              <a:rPr lang="zh-CN" altLang="en-US" b="1" dirty="0"/>
-              <a:t>赵伟宏</a:t>
-            </a:r>
-            <a:r>
-              <a:rPr lang="zh-CN" altLang="en-US" dirty="0"/>
-              <a:t>：一开始由于对服务器数据库的理解不够，不知道从何下手，浪费了很多时间。不过后来在慢慢的学习过程中，对前后端、</a:t>
-            </a:r>
-            <a:r>
-              <a:rPr lang="zh-CN" altLang="en-US" dirty="0" smtClean="0"/>
-              <a:t>服务器等等</a:t>
-            </a:r>
-            <a:r>
-              <a:rPr lang="zh-CN" altLang="en-US" dirty="0"/>
-              <a:t>都有了一定的了解，对自己的职责理解的也更加清晰，慢慢学习了</a:t>
-            </a:r>
-            <a:r>
-              <a:rPr lang="en-US" altLang="zh-CN" dirty="0"/>
-              <a:t>JavaScript</a:t>
-            </a:r>
-            <a:r>
-              <a:rPr lang="zh-CN" altLang="en-US" dirty="0"/>
-              <a:t>相关内容并完成了数据库相关设计，虽然编写代码的</a:t>
-            </a:r>
-            <a:r>
-              <a:rPr lang="zh-CN" altLang="en-US" dirty="0" smtClean="0"/>
-              <a:t>过程</a:t>
-            </a:r>
-            <a:r>
-              <a:rPr lang="zh-CN" altLang="en-US" dirty="0"/>
-              <a:t>中有很多的</a:t>
-            </a:r>
-            <a:r>
-              <a:rPr lang="zh-CN" altLang="en-US" dirty="0" smtClean="0"/>
-              <a:t>磕碰</a:t>
-            </a:r>
-            <a:r>
-              <a:rPr lang="zh-CN" altLang="en-US" dirty="0"/>
-              <a:t>，但是只要最终成果出来了都是值得的。</a:t>
-            </a:r>
           </a:p>
         </p:txBody>
       </p:sp>
     </p:spTree>
-    <p:extLst>
-      <p:ext uri="{BB962C8B-B14F-4D97-AF65-F5344CB8AC3E}">
-        <p14:creationId xmlns:p14="http://schemas.microsoft.com/office/powerpoint/2010/main" val="2400641998"/>
-      </p:ext>
-    </p:extLst>
   </p:cSld>
   <p:clrMapOvr>
     <a:masterClrMapping/>
   </p:clrMapOvr>
-  <mc:AlternateContent xmlns:mc="http://schemas.openxmlformats.org/markup-compatibility/2006" xmlns:p14="http://schemas.microsoft.com/office/powerpoint/2010/main">
-    <mc:Choice Requires="p14">
+  <mc:AlternateContent xmlns:mc="http://schemas.openxmlformats.org/markup-compatibility/2006">
+    <mc:Choice xmlns:p14="http://schemas.microsoft.com/office/powerpoint/2010/main" Requires="p14">
       <p:transition p14:dur="100">
         <p:cut/>
       </p:transition>
     </mc:Choice>
-    <mc:Fallback xmlns="">
+    <mc:Fallback>
       <p:transition>
         <p:cut/>
       </p:transition>
@@ -15973,11 +15744,7 @@
           <a:p>
             <a:r>
               <a:rPr lang="zh-CN" altLang="en-US" sz="2400" dirty="0" smtClean="0"/>
-              <a:t>陈帆：</a:t>
-            </a:r>
-            <a:r>
-              <a:rPr lang="zh-CN" altLang="en-US" sz="2400" dirty="0" smtClean="0"/>
-              <a:t>前端</a:t>
+              <a:t>陈帆：前端</a:t>
             </a:r>
             <a:r>
               <a:rPr lang="en-US" altLang="zh-CN" sz="2400" dirty="0" smtClean="0"/>
@@ -15991,19 +15758,11 @@
           <a:p>
             <a:r>
               <a:rPr lang="zh-CN" altLang="en-US" sz="2400" dirty="0" smtClean="0"/>
-              <a:t>张荣阳：</a:t>
-            </a:r>
-            <a:r>
-              <a:rPr lang="zh-CN" altLang="en-US" sz="2400" dirty="0" smtClean="0"/>
-              <a:t>服务器</a:t>
+              <a:t>张荣阳：服务器</a:t>
             </a:r>
             <a:r>
               <a:rPr lang="en-US" altLang="zh-CN" sz="2400" dirty="0" smtClean="0"/>
-              <a:t>	</a:t>
-            </a:r>
-            <a:r>
-              <a:rPr lang="en-US" altLang="zh-CN" sz="2400" dirty="0" smtClean="0"/>
-              <a:t>92</a:t>
+              <a:t>	92</a:t>
             </a:r>
             <a:endParaRPr lang="en-US" altLang="zh-CN" sz="2400" dirty="0" smtClean="0"/>
           </a:p>
@@ -16021,11 +15780,7 @@
             </a:r>
             <a:r>
               <a:rPr lang="zh-CN" altLang="en-US" sz="2400" dirty="0" smtClean="0"/>
-              <a:t>宏：</a:t>
-            </a:r>
-            <a:r>
-              <a:rPr lang="zh-CN" altLang="en-US" sz="2400" dirty="0" smtClean="0"/>
-              <a:t>数据库</a:t>
+              <a:t>宏：数据库</a:t>
             </a:r>
             <a:r>
               <a:rPr lang="en-US" altLang="zh-CN" sz="2400" dirty="0" smtClean="0"/>
@@ -16039,22 +15794,17 @@
         </p:txBody>
       </p:sp>
     </p:spTree>
-    <p:extLst>
-      <p:ext uri="{BB962C8B-B14F-4D97-AF65-F5344CB8AC3E}">
-        <p14:creationId xmlns:p14="http://schemas.microsoft.com/office/powerpoint/2010/main" val="3326420949"/>
-      </p:ext>
-    </p:extLst>
   </p:cSld>
   <p:clrMapOvr>
     <a:masterClrMapping/>
   </p:clrMapOvr>
-  <mc:AlternateContent xmlns:mc="http://schemas.openxmlformats.org/markup-compatibility/2006" xmlns:p14="http://schemas.microsoft.com/office/powerpoint/2010/main">
-    <mc:Choice Requires="p14">
+  <mc:AlternateContent xmlns:mc="http://schemas.openxmlformats.org/markup-compatibility/2006">
+    <mc:Choice xmlns:p14="http://schemas.microsoft.com/office/powerpoint/2010/main" Requires="p14">
       <p:transition p14:dur="100">
         <p:cut/>
       </p:transition>
     </mc:Choice>
-    <mc:Fallback xmlns="">
+    <mc:Fallback>
       <p:transition>
         <p:cut/>
       </p:transition>
@@ -17179,13 +16929,13 @@
   <p:clrMapOvr>
     <a:masterClrMapping/>
   </p:clrMapOvr>
-  <mc:AlternateContent xmlns:mc="http://schemas.openxmlformats.org/markup-compatibility/2006" xmlns:p14="http://schemas.microsoft.com/office/powerpoint/2010/main">
-    <mc:Choice Requires="p14">
+  <mc:AlternateContent xmlns:mc="http://schemas.openxmlformats.org/markup-compatibility/2006">
+    <mc:Choice xmlns:p14="http://schemas.microsoft.com/office/powerpoint/2010/main" Requires="p14">
       <p:transition p14:dur="100">
         <p:cut/>
       </p:transition>
     </mc:Choice>
-    <mc:Fallback xmlns="">
+    <mc:Fallback>
       <p:transition>
         <p:cut/>
       </p:transition>
@@ -17328,35 +17078,35 @@
           <a:p>
             <a:r>
               <a:rPr lang="zh-CN" altLang="en-US" sz="3600" dirty="0">
-                <a:latin typeface="微软雅黑 Light" pitchFamily="34" charset="-122"/>
-                <a:ea typeface="微软雅黑 Light" pitchFamily="34" charset="-122"/>
+                <a:latin typeface="微软雅黑 Light" panose="020B0502040204020203" pitchFamily="34" charset="-122"/>
+                <a:ea typeface="微软雅黑 Light" panose="020B0502040204020203" pitchFamily="34" charset="-122"/>
               </a:rPr>
               <a:t>本</a:t>
             </a:r>
             <a:r>
               <a:rPr lang="en-US" altLang="zh-CN" sz="3600" dirty="0">
-                <a:latin typeface="微软雅黑 Light" pitchFamily="34" charset="-122"/>
-                <a:ea typeface="微软雅黑 Light" pitchFamily="34" charset="-122"/>
+                <a:latin typeface="微软雅黑 Light" panose="020B0502040204020203" pitchFamily="34" charset="-122"/>
+                <a:ea typeface="微软雅黑 Light" panose="020B0502040204020203" pitchFamily="34" charset="-122"/>
               </a:rPr>
               <a:t>PPT</a:t>
             </a:r>
             <a:r>
               <a:rPr lang="zh-CN" altLang="en-US" sz="3600" dirty="0">
-                <a:latin typeface="微软雅黑 Light" pitchFamily="34" charset="-122"/>
-                <a:ea typeface="微软雅黑 Light" pitchFamily="34" charset="-122"/>
+                <a:latin typeface="微软雅黑 Light" panose="020B0502040204020203" pitchFamily="34" charset="-122"/>
+                <a:ea typeface="微软雅黑 Light" panose="020B0502040204020203" pitchFamily="34" charset="-122"/>
               </a:rPr>
               <a:t>目的为说明本组完成的所有</a:t>
             </a:r>
             <a:r>
               <a:rPr lang="zh-CN" altLang="en-US" sz="3600" dirty="0" smtClean="0">
-                <a:latin typeface="微软雅黑 Light" pitchFamily="34" charset="-122"/>
-                <a:ea typeface="微软雅黑 Light" pitchFamily="34" charset="-122"/>
+                <a:latin typeface="微软雅黑 Light" panose="020B0502040204020203" pitchFamily="34" charset="-122"/>
+                <a:ea typeface="微软雅黑 Light" panose="020B0502040204020203" pitchFamily="34" charset="-122"/>
               </a:rPr>
               <a:t>项目文档与项目最终结果。</a:t>
             </a:r>
             <a:endParaRPr lang="zh-CN" altLang="en-US" sz="3600" dirty="0">
-              <a:latin typeface="微软雅黑 Light" pitchFamily="34" charset="-122"/>
-              <a:ea typeface="微软雅黑 Light" pitchFamily="34" charset="-122"/>
+              <a:latin typeface="微软雅黑 Light" panose="020B0502040204020203" pitchFamily="34" charset="-122"/>
+              <a:ea typeface="微软雅黑 Light" panose="020B0502040204020203" pitchFamily="34" charset="-122"/>
             </a:endParaRPr>
           </a:p>
         </p:txBody>
@@ -17366,13 +17116,13 @@
   <p:clrMapOvr>
     <a:masterClrMapping/>
   </p:clrMapOvr>
-  <mc:AlternateContent xmlns:mc="http://schemas.openxmlformats.org/markup-compatibility/2006" xmlns:p14="http://schemas.microsoft.com/office/powerpoint/2010/main">
-    <mc:Choice Requires="p14">
+  <mc:AlternateContent xmlns:mc="http://schemas.openxmlformats.org/markup-compatibility/2006">
+    <mc:Choice xmlns:p14="http://schemas.microsoft.com/office/powerpoint/2010/main" Requires="p14">
       <p:transition p14:dur="100">
         <p:cut/>
       </p:transition>
     </mc:Choice>
-    <mc:Fallback xmlns="">
+    <mc:Fallback>
       <p:transition>
         <p:cut/>
       </p:transition>
@@ -17494,9 +17244,7 @@
       <p:sp>
         <p:nvSpPr>
           <p:cNvPr id="6" name="内容占位符 2"/>
-          <p:cNvSpPr txBox="1">
-            <a:spLocks/>
-          </p:cNvSpPr>
+          <p:cNvSpPr txBox="1"/>
           <p:nvPr/>
         </p:nvSpPr>
         <p:spPr>
@@ -17789,6 +17537,14 @@
               </a:rPr>
               <a:t>305-335</a:t>
             </a:r>
+            <a:endParaRPr lang="en-US" altLang="zh-CN" dirty="0" smtClean="0">
+              <a:solidFill>
+                <a:srgbClr val="000000"/>
+              </a:solidFill>
+              <a:latin typeface="等线" panose="02010600030101010101" pitchFamily="2" charset="-122"/>
+              <a:ea typeface="等线" panose="02010600030101010101" pitchFamily="2" charset="-122"/>
+              <a:cs typeface="Times New Roman" panose="02020603050405020304" pitchFamily="18" charset="0"/>
+            </a:endParaRPr>
           </a:p>
           <a:p>
             <a:pPr marL="0" indent="0" algn="just" defTabSz="457200" eaLnBrk="0" fontAlgn="base" hangingPunct="0">
@@ -17813,33 +17569,216 @@
                 <a:ea typeface="等线" panose="02010600030101010101" pitchFamily="2" charset="-122"/>
                 <a:cs typeface="Times New Roman" panose="02020603050405020304" pitchFamily="18" charset="0"/>
               </a:rPr>
-              <a:t>[2]</a:t>
-            </a:r>
-            <a:endParaRPr lang="en-US" altLang="zh-CN" dirty="0">
+              <a:t>[2]cocos</a:t>
+            </a:r>
+            <a:r>
+              <a:rPr lang="zh-CN" altLang="en-US" dirty="0" smtClean="0">
+                <a:solidFill>
+                  <a:srgbClr val="000000"/>
+                </a:solidFill>
+                <a:latin typeface="等线" panose="02010600030101010101" pitchFamily="2" charset="-122"/>
+                <a:ea typeface="等线" panose="02010600030101010101" pitchFamily="2" charset="-122"/>
+                <a:cs typeface="Times New Roman" panose="02020603050405020304" pitchFamily="18" charset="0"/>
+              </a:rPr>
+              <a:t>官网</a:t>
+            </a:r>
+            <a:r>
+              <a:rPr lang="en-US" altLang="zh-CN" dirty="0" smtClean="0">
+                <a:solidFill>
+                  <a:srgbClr val="000000"/>
+                </a:solidFill>
+                <a:latin typeface="等线" panose="02010600030101010101" pitchFamily="2" charset="-122"/>
+                <a:ea typeface="等线" panose="02010600030101010101" pitchFamily="2" charset="-122"/>
+                <a:cs typeface="Times New Roman" panose="02020603050405020304" pitchFamily="18" charset="0"/>
+              </a:rPr>
+              <a:t>.</a:t>
+            </a:r>
+            <a:r>
+              <a:rPr dirty="0" smtClean="0">
+                <a:solidFill>
+                  <a:srgbClr val="000000"/>
+                </a:solidFill>
+                <a:latin typeface="等线" panose="02010600030101010101" pitchFamily="2" charset="-122"/>
+                <a:ea typeface="等线" panose="02010600030101010101" pitchFamily="2" charset="-122"/>
+                <a:cs typeface="Times New Roman" panose="02020603050405020304" pitchFamily="18" charset="0"/>
+              </a:rPr>
+              <a:t>Cocos引擎文档[EB/OL]. http://www.cocos.com/docs/.</a:t>
+            </a:r>
+            <a:endParaRPr dirty="0" smtClean="0">
+              <a:solidFill>
+                <a:srgbClr val="000000"/>
+              </a:solidFill>
               <a:latin typeface="等线" panose="02010600030101010101" pitchFamily="2" charset="-122"/>
               <a:ea typeface="等线" panose="02010600030101010101" pitchFamily="2" charset="-122"/>
               <a:cs typeface="Times New Roman" panose="02020603050405020304" pitchFamily="18" charset="0"/>
             </a:endParaRPr>
           </a:p>
+          <a:p>
+            <a:pPr marL="0" indent="0" algn="just" defTabSz="457200" eaLnBrk="0" fontAlgn="base" hangingPunct="0">
+              <a:lnSpc>
+                <a:spcPct val="150000"/>
+              </a:lnSpc>
+              <a:spcBef>
+                <a:spcPct val="0"/>
+              </a:spcBef>
+              <a:spcAft>
+                <a:spcPct val="0"/>
+              </a:spcAft>
+              <a:buFont typeface="Arial" panose="020B0604020202020204" pitchFamily="34" charset="0"/>
+              <a:buNone/>
+            </a:pPr>
+            <a:r>
+              <a:rPr lang="en-US" altLang="zh-CN" dirty="0" smtClean="0">
+                <a:solidFill>
+                  <a:srgbClr val="000000"/>
+                </a:solidFill>
+                <a:latin typeface="等线" panose="02010600030101010101" pitchFamily="2" charset="-122"/>
+                <a:ea typeface="等线" panose="02010600030101010101" pitchFamily="2" charset="-122"/>
+                <a:cs typeface="Times New Roman" panose="02020603050405020304" pitchFamily="18" charset="0"/>
+                <a:sym typeface="+mn-ea"/>
+              </a:rPr>
+              <a:t>[3]cocos</a:t>
+            </a:r>
+            <a:r>
+              <a:rPr lang="zh-CN" altLang="en-US" dirty="0" smtClean="0">
+                <a:solidFill>
+                  <a:srgbClr val="000000"/>
+                </a:solidFill>
+                <a:latin typeface="等线" panose="02010600030101010101" pitchFamily="2" charset="-122"/>
+                <a:ea typeface="等线" panose="02010600030101010101" pitchFamily="2" charset="-122"/>
+                <a:cs typeface="Times New Roman" panose="02020603050405020304" pitchFamily="18" charset="0"/>
+                <a:sym typeface="+mn-ea"/>
+              </a:rPr>
+              <a:t>官网</a:t>
+            </a:r>
+            <a:r>
+              <a:rPr lang="en-US" altLang="zh-CN" dirty="0" smtClean="0">
+                <a:solidFill>
+                  <a:srgbClr val="000000"/>
+                </a:solidFill>
+                <a:latin typeface="等线" panose="02010600030101010101" pitchFamily="2" charset="-122"/>
+                <a:ea typeface="等线" panose="02010600030101010101" pitchFamily="2" charset="-122"/>
+                <a:cs typeface="Times New Roman" panose="02020603050405020304" pitchFamily="18" charset="0"/>
+                <a:sym typeface="+mn-ea"/>
+              </a:rPr>
+              <a:t>.</a:t>
+            </a:r>
+            <a:endParaRPr lang="en-US" altLang="zh-CN" dirty="0" smtClean="0">
+              <a:solidFill>
+                <a:srgbClr val="000000"/>
+              </a:solidFill>
+              <a:latin typeface="等线" panose="02010600030101010101" pitchFamily="2" charset="-122"/>
+              <a:ea typeface="等线" panose="02010600030101010101" pitchFamily="2" charset="-122"/>
+              <a:cs typeface="Times New Roman" panose="02020603050405020304" pitchFamily="18" charset="0"/>
+              <a:sym typeface="+mn-ea"/>
+            </a:endParaRPr>
+          </a:p>
+          <a:p>
+            <a:pPr marL="0" indent="0" algn="just" defTabSz="457200" eaLnBrk="0" fontAlgn="base" hangingPunct="0">
+              <a:lnSpc>
+                <a:spcPct val="150000"/>
+              </a:lnSpc>
+              <a:spcBef>
+                <a:spcPct val="0"/>
+              </a:spcBef>
+              <a:spcAft>
+                <a:spcPct val="0"/>
+              </a:spcAft>
+              <a:buFont typeface="Arial" panose="020B0604020202020204" pitchFamily="34" charset="0"/>
+              <a:buNone/>
+            </a:pPr>
+            <a:r>
+              <a:rPr lang="en-US" altLang="zh-CN" dirty="0" smtClean="0">
+                <a:solidFill>
+                  <a:srgbClr val="000000"/>
+                </a:solidFill>
+                <a:latin typeface="等线" panose="02010600030101010101" pitchFamily="2" charset="-122"/>
+                <a:ea typeface="等线" panose="02010600030101010101" pitchFamily="2" charset="-122"/>
+                <a:cs typeface="Times New Roman" panose="02020603050405020304" pitchFamily="18" charset="0"/>
+                <a:sym typeface="+mn-ea"/>
+              </a:rPr>
+              <a:t>Cocos API[EB/OL]. http://http://docs.cocos.com/creator/api/zh/</a:t>
+            </a:r>
+            <a:endParaRPr lang="en-US" altLang="zh-CN" dirty="0" smtClean="0">
+              <a:solidFill>
+                <a:srgbClr val="000000"/>
+              </a:solidFill>
+              <a:latin typeface="等线" panose="02010600030101010101" pitchFamily="2" charset="-122"/>
+              <a:ea typeface="等线" panose="02010600030101010101" pitchFamily="2" charset="-122"/>
+              <a:cs typeface="Times New Roman" panose="02020603050405020304" pitchFamily="18" charset="0"/>
+              <a:sym typeface="+mn-ea"/>
+            </a:endParaRPr>
+          </a:p>
+          <a:p>
+            <a:pPr marL="0" indent="0" algn="just" defTabSz="457200" eaLnBrk="0" fontAlgn="base" hangingPunct="0">
+              <a:lnSpc>
+                <a:spcPct val="150000"/>
+              </a:lnSpc>
+              <a:spcBef>
+                <a:spcPct val="0"/>
+              </a:spcBef>
+              <a:spcAft>
+                <a:spcPct val="0"/>
+              </a:spcAft>
+              <a:buFont typeface="Arial" panose="020B0604020202020204" pitchFamily="34" charset="0"/>
+              <a:buNone/>
+            </a:pPr>
+            <a:r>
+              <a:rPr lang="en-US" altLang="zh-CN" dirty="0" smtClean="0">
+                <a:solidFill>
+                  <a:srgbClr val="000000"/>
+                </a:solidFill>
+                <a:latin typeface="等线" panose="02010600030101010101" pitchFamily="2" charset="-122"/>
+                <a:ea typeface="等线" panose="02010600030101010101" pitchFamily="2" charset="-122"/>
+                <a:cs typeface="Times New Roman" panose="02020603050405020304" pitchFamily="18" charset="0"/>
+              </a:rPr>
+              <a:t>[4]socket</a:t>
+            </a:r>
+            <a:r>
+              <a:rPr lang="zh-CN" altLang="en-US" dirty="0" smtClean="0">
+                <a:solidFill>
+                  <a:srgbClr val="000000"/>
+                </a:solidFill>
+                <a:latin typeface="等线" panose="02010600030101010101" pitchFamily="2" charset="-122"/>
+                <a:ea typeface="等线" panose="02010600030101010101" pitchFamily="2" charset="-122"/>
+                <a:cs typeface="Times New Roman" panose="02020603050405020304" pitchFamily="18" charset="0"/>
+              </a:rPr>
+              <a:t>官方</a:t>
+            </a:r>
+            <a:r>
+              <a:rPr lang="en-US" altLang="zh-CN" dirty="0" smtClean="0">
+                <a:solidFill>
+                  <a:srgbClr val="000000"/>
+                </a:solidFill>
+                <a:latin typeface="等线" panose="02010600030101010101" pitchFamily="2" charset="-122"/>
+                <a:ea typeface="等线" panose="02010600030101010101" pitchFamily="2" charset="-122"/>
+                <a:cs typeface="Times New Roman" panose="02020603050405020304" pitchFamily="18" charset="0"/>
+              </a:rPr>
+              <a:t>. socket.io[EB/OL]. https://socket.io/docs/.</a:t>
+            </a:r>
+            <a:endParaRPr lang="en-US" altLang="zh-CN" dirty="0" smtClean="0">
+              <a:solidFill>
+                <a:srgbClr val="000000"/>
+              </a:solidFill>
+              <a:latin typeface="等线" panose="02010600030101010101" pitchFamily="2" charset="-122"/>
+              <a:ea typeface="等线" panose="02010600030101010101" pitchFamily="2" charset="-122"/>
+              <a:cs typeface="Times New Roman" panose="02020603050405020304" pitchFamily="18" charset="0"/>
+            </a:endParaRPr>
+          </a:p>
         </p:txBody>
       </p:sp>
     </p:spTree>
-    <p:extLst>
-      <p:ext uri="{BB962C8B-B14F-4D97-AF65-F5344CB8AC3E}">
-        <p14:creationId xmlns:p14="http://schemas.microsoft.com/office/powerpoint/2010/main" val="658625561"/>
-      </p:ext>
-    </p:extLst>
   </p:cSld>
   <p:clrMapOvr>
     <a:masterClrMapping/>
   </p:clrMapOvr>
-  <mc:AlternateContent xmlns:mc="http://schemas.openxmlformats.org/markup-compatibility/2006" xmlns:p14="http://schemas.microsoft.com/office/powerpoint/2010/main">
-    <mc:Choice Requires="p14">
+  <mc:AlternateContent xmlns:mc="http://schemas.openxmlformats.org/markup-compatibility/2006">
+    <mc:Choice xmlns:p14="http://schemas.microsoft.com/office/powerpoint/2010/main" Requires="p14">
       <p:transition p14:dur="100">
         <p:cut/>
       </p:transition>
     </mc:Choice>
-    <mc:Fallback xmlns="">
+    <mc:Fallback>
       <p:transition>
         <p:cut/>
       </p:transition>
@@ -17967,7 +17906,7 @@
           <p:nvPr/>
         </p:nvPicPr>
         <p:blipFill>
-          <a:blip r:embed="rId2">
+          <a:blip r:embed="rId1">
             <a:extLst>
               <a:ext uri="{28A0092B-C50C-407E-A947-70E740481C1C}">
                 <a14:useLocalDpi xmlns:a14="http://schemas.microsoft.com/office/drawing/2010/main" val="0"/>
@@ -18031,7 +17970,7 @@
           <p:nvPr/>
         </p:nvPicPr>
         <p:blipFill>
-          <a:blip r:embed="rId3">
+          <a:blip r:embed="rId2">
             <a:extLst>
               <a:ext uri="{28A0092B-C50C-407E-A947-70E740481C1C}">
                 <a14:useLocalDpi xmlns:a14="http://schemas.microsoft.com/office/drawing/2010/main" val="0"/>
@@ -18087,22 +18026,17 @@
         </p:spPr>
       </p:pic>
     </p:spTree>
-    <p:extLst>
-      <p:ext uri="{BB962C8B-B14F-4D97-AF65-F5344CB8AC3E}">
-        <p14:creationId xmlns:p14="http://schemas.microsoft.com/office/powerpoint/2010/main" val="658625561"/>
-      </p:ext>
-    </p:extLst>
   </p:cSld>
   <p:clrMapOvr>
     <a:masterClrMapping/>
   </p:clrMapOvr>
-  <mc:AlternateContent xmlns:mc="http://schemas.openxmlformats.org/markup-compatibility/2006" xmlns:p14="http://schemas.microsoft.com/office/powerpoint/2010/main">
-    <mc:Choice Requires="p14">
+  <mc:AlternateContent xmlns:mc="http://schemas.openxmlformats.org/markup-compatibility/2006">
+    <mc:Choice xmlns:p14="http://schemas.microsoft.com/office/powerpoint/2010/main" Requires="p14">
       <p:transition p14:dur="100">
         <p:cut/>
       </p:transition>
     </mc:Choice>
-    <mc:Fallback xmlns="">
+    <mc:Fallback>
       <p:transition>
         <p:cut/>
       </p:transition>
@@ -18351,7 +18285,7 @@
           <p:nvPr/>
         </p:nvPicPr>
         <p:blipFill>
-          <a:blip r:embed="rId2">
+          <a:blip r:embed="rId1">
             <a:extLst>
               <a:ext uri="{28A0092B-C50C-407E-A947-70E740481C1C}">
                 <a14:useLocalDpi xmlns:a14="http://schemas.microsoft.com/office/drawing/2010/main" val="0"/>
@@ -18373,22 +18307,17 @@
         </p:spPr>
       </p:pic>
     </p:spTree>
-    <p:extLst>
-      <p:ext uri="{BB962C8B-B14F-4D97-AF65-F5344CB8AC3E}">
-        <p14:creationId xmlns:p14="http://schemas.microsoft.com/office/powerpoint/2010/main" val="658625561"/>
-      </p:ext>
-    </p:extLst>
   </p:cSld>
   <p:clrMapOvr>
     <a:masterClrMapping/>
   </p:clrMapOvr>
-  <mc:AlternateContent xmlns:mc="http://schemas.openxmlformats.org/markup-compatibility/2006" xmlns:p14="http://schemas.microsoft.com/office/powerpoint/2010/main">
-    <mc:Choice Requires="p14">
+  <mc:AlternateContent xmlns:mc="http://schemas.openxmlformats.org/markup-compatibility/2006">
+    <mc:Choice xmlns:p14="http://schemas.microsoft.com/office/powerpoint/2010/main" Requires="p14">
       <p:transition p14:dur="100">
         <p:cut/>
       </p:transition>
     </mc:Choice>
-    <mc:Fallback xmlns="">
+    <mc:Fallback>
       <p:transition>
         <p:cut/>
       </p:transition>
@@ -18524,7 +18453,7 @@
           <p:nvPr/>
         </p:nvPicPr>
         <p:blipFill>
-          <a:blip r:embed="rId2">
+          <a:blip r:embed="rId1">
             <a:extLst>
               <a:ext uri="{28A0092B-C50C-407E-A947-70E740481C1C}">
                 <a14:useLocalDpi xmlns:a14="http://schemas.microsoft.com/office/drawing/2010/main" val="0"/>
@@ -18580,22 +18509,17 @@
         </p:spPr>
       </p:pic>
     </p:spTree>
-    <p:extLst>
-      <p:ext uri="{BB962C8B-B14F-4D97-AF65-F5344CB8AC3E}">
-        <p14:creationId xmlns:p14="http://schemas.microsoft.com/office/powerpoint/2010/main" val="2400641998"/>
-      </p:ext>
-    </p:extLst>
   </p:cSld>
   <p:clrMapOvr>
     <a:masterClrMapping/>
   </p:clrMapOvr>
-  <mc:AlternateContent xmlns:mc="http://schemas.openxmlformats.org/markup-compatibility/2006" xmlns:p14="http://schemas.microsoft.com/office/powerpoint/2010/main">
-    <mc:Choice Requires="p14">
+  <mc:AlternateContent xmlns:mc="http://schemas.openxmlformats.org/markup-compatibility/2006">
+    <mc:Choice xmlns:p14="http://schemas.microsoft.com/office/powerpoint/2010/main" Requires="p14">
       <p:transition p14:dur="100">
         <p:cut/>
       </p:transition>
     </mc:Choice>
-    <mc:Fallback xmlns="">
+    <mc:Fallback>
       <p:transition>
         <p:cut/>
       </p:transition>
@@ -18731,7 +18655,7 @@
           <p:nvPr/>
         </p:nvPicPr>
         <p:blipFill>
-          <a:blip r:embed="rId2">
+          <a:blip r:embed="rId1">
             <a:extLst>
               <a:ext uri="{28A0092B-C50C-407E-A947-70E740481C1C}">
                 <a14:useLocalDpi xmlns:a14="http://schemas.microsoft.com/office/drawing/2010/main" val="0"/>
@@ -18753,22 +18677,17 @@
         </p:spPr>
       </p:pic>
     </p:spTree>
-    <p:extLst>
-      <p:ext uri="{BB962C8B-B14F-4D97-AF65-F5344CB8AC3E}">
-        <p14:creationId xmlns:p14="http://schemas.microsoft.com/office/powerpoint/2010/main" val="3429669935"/>
-      </p:ext>
-    </p:extLst>
   </p:cSld>
   <p:clrMapOvr>
     <a:masterClrMapping/>
   </p:clrMapOvr>
-  <mc:AlternateContent xmlns:mc="http://schemas.openxmlformats.org/markup-compatibility/2006" xmlns:p14="http://schemas.microsoft.com/office/powerpoint/2010/main">
-    <mc:Choice Requires="p14">
+  <mc:AlternateContent xmlns:mc="http://schemas.openxmlformats.org/markup-compatibility/2006">
+    <mc:Choice xmlns:p14="http://schemas.microsoft.com/office/powerpoint/2010/main" Requires="p14">
       <p:transition p14:dur="100">
         <p:cut/>
       </p:transition>
     </mc:Choice>
-    <mc:Fallback xmlns="">
+    <mc:Fallback>
       <p:transition>
         <p:cut/>
       </p:transition>
@@ -18904,7 +18823,7 @@
           <p:nvPr/>
         </p:nvPicPr>
         <p:blipFill>
-          <a:blip r:embed="rId2">
+          <a:blip r:embed="rId1">
             <a:extLst>
               <a:ext uri="{28A0092B-C50C-407E-A947-70E740481C1C}">
                 <a14:useLocalDpi xmlns:a14="http://schemas.microsoft.com/office/drawing/2010/main" val="0"/>
@@ -18968,7 +18887,7 @@
           <p:nvPr/>
         </p:nvPicPr>
         <p:blipFill>
-          <a:blip r:embed="rId3">
+          <a:blip r:embed="rId2">
             <a:extLst>
               <a:ext uri="{28A0092B-C50C-407E-A947-70E740481C1C}">
                 <a14:useLocalDpi xmlns:a14="http://schemas.microsoft.com/office/drawing/2010/main" val="0"/>
@@ -19032,7 +18951,7 @@
           <p:nvPr/>
         </p:nvPicPr>
         <p:blipFill>
-          <a:blip r:embed="rId4">
+          <a:blip r:embed="rId3">
             <a:extLst>
               <a:ext uri="{28A0092B-C50C-407E-A947-70E740481C1C}">
                 <a14:useLocalDpi xmlns:a14="http://schemas.microsoft.com/office/drawing/2010/main" val="0"/>
@@ -19096,7 +19015,7 @@
           <p:nvPr/>
         </p:nvPicPr>
         <p:blipFill>
-          <a:blip r:embed="rId5">
+          <a:blip r:embed="rId4">
             <a:extLst>
               <a:ext uri="{28A0092B-C50C-407E-A947-70E740481C1C}">
                 <a14:useLocalDpi xmlns:a14="http://schemas.microsoft.com/office/drawing/2010/main" val="0"/>
@@ -19160,7 +19079,7 @@
           <p:nvPr/>
         </p:nvPicPr>
         <p:blipFill>
-          <a:blip r:embed="rId6">
+          <a:blip r:embed="rId5">
             <a:extLst>
               <a:ext uri="{28A0092B-C50C-407E-A947-70E740481C1C}">
                 <a14:useLocalDpi xmlns:a14="http://schemas.microsoft.com/office/drawing/2010/main" val="0"/>
@@ -19224,7 +19143,7 @@
           <p:nvPr/>
         </p:nvPicPr>
         <p:blipFill>
-          <a:blip r:embed="rId7">
+          <a:blip r:embed="rId6">
             <a:extLst>
               <a:ext uri="{28A0092B-C50C-407E-A947-70E740481C1C}">
                 <a14:useLocalDpi xmlns:a14="http://schemas.microsoft.com/office/drawing/2010/main" val="0"/>
@@ -19288,7 +19207,7 @@
           <p:nvPr/>
         </p:nvPicPr>
         <p:blipFill>
-          <a:blip r:embed="rId8">
+          <a:blip r:embed="rId7">
             <a:extLst>
               <a:ext uri="{28A0092B-C50C-407E-A947-70E740481C1C}">
                 <a14:useLocalDpi xmlns:a14="http://schemas.microsoft.com/office/drawing/2010/main" val="0"/>
@@ -19352,7 +19271,7 @@
           <p:nvPr/>
         </p:nvPicPr>
         <p:blipFill>
-          <a:blip r:embed="rId9">
+          <a:blip r:embed="rId8">
             <a:extLst>
               <a:ext uri="{28A0092B-C50C-407E-A947-70E740481C1C}">
                 <a14:useLocalDpi xmlns:a14="http://schemas.microsoft.com/office/drawing/2010/main" val="0"/>
@@ -19408,22 +19327,17 @@
         </p:spPr>
       </p:pic>
     </p:spTree>
-    <p:extLst>
-      <p:ext uri="{BB962C8B-B14F-4D97-AF65-F5344CB8AC3E}">
-        <p14:creationId xmlns:p14="http://schemas.microsoft.com/office/powerpoint/2010/main" val="3429669935"/>
-      </p:ext>
-    </p:extLst>
   </p:cSld>
   <p:clrMapOvr>
     <a:masterClrMapping/>
   </p:clrMapOvr>
-  <mc:AlternateContent xmlns:mc="http://schemas.openxmlformats.org/markup-compatibility/2006" xmlns:p14="http://schemas.microsoft.com/office/powerpoint/2010/main">
-    <mc:Choice Requires="p14">
+  <mc:AlternateContent xmlns:mc="http://schemas.openxmlformats.org/markup-compatibility/2006">
+    <mc:Choice xmlns:p14="http://schemas.microsoft.com/office/powerpoint/2010/main" Requires="p14">
       <p:transition p14:dur="100">
         <p:cut/>
       </p:transition>
     </mc:Choice>
-    <mc:Fallback xmlns="">
+    <mc:Fallback>
       <p:transition>
         <p:cut/>
       </p:transition>
@@ -19690,11 +19604,9 @@
       </a:bgFillStyleLst>
     </a:fmtScheme>
   </a:themeElements>
-  <a:objectDefaults/>
-  <a:extraClrSchemeLst/>
   <a:extLst>
     <a:ext uri="{05A4C25C-085E-4340-85A3-A5531E510DB2}">
-      <thm15:themeFamily xmlns:thm15="http://schemas.microsoft.com/office/thememl/2012/main" xmlns="" name="Office Theme" id="{62F939B6-93AF-4DB8-9C6B-D6C7DFDC589F}" vid="{4A3C46E8-61CC-4603-A589-7422A47A8E4A}"/>
+      <thm15:themeFamily xmlns:thm15="http://schemas.microsoft.com/office/thememl/2012/main" name="Office Theme" id="{62F939B6-93AF-4DB8-9C6B-D6C7DFDC589F}" vid="{4A3C46E8-61CC-4603-A589-7422A47A8E4A}"/>
     </a:ext>
   </a:extLst>
 </a:theme>
@@ -19985,10 +19897,9 @@
       </a:style>
     </a:spDef>
   </a:objectDefaults>
-  <a:extraClrSchemeLst/>
   <a:extLst>
     <a:ext uri="{05A4C25C-085E-4340-85A3-A5531E510DB2}">
-      <thm15:themeFamily xmlns:thm15="http://schemas.microsoft.com/office/thememl/2012/main" xmlns="" name="Office Theme" id="{62F939B6-93AF-4DB8-9C6B-D6C7DFDC589F}" vid="{4A3C46E8-61CC-4603-A589-7422A47A8E4A}"/>
+      <thm15:themeFamily xmlns:thm15="http://schemas.microsoft.com/office/thememl/2012/main" name="Office Theme" id="{62F939B6-93AF-4DB8-9C6B-D6C7DFDC589F}" vid="{4A3C46E8-61CC-4603-A589-7422A47A8E4A}"/>
     </a:ext>
   </a:extLst>
 </a:theme>
@@ -20245,11 +20156,9 @@
       </a:bgFillStyleLst>
     </a:fmtScheme>
   </a:themeElements>
-  <a:objectDefaults/>
-  <a:extraClrSchemeLst/>
   <a:extLst>
     <a:ext uri="{05A4C25C-085E-4340-85A3-A5531E510DB2}">
-      <thm15:themeFamily xmlns:thm15="http://schemas.microsoft.com/office/thememl/2012/main" xmlns="" name="Office Theme" id="{62F939B6-93AF-4DB8-9C6B-D6C7DFDC589F}" vid="{4A3C46E8-61CC-4603-A589-7422A47A8E4A}"/>
+      <thm15:themeFamily xmlns:thm15="http://schemas.microsoft.com/office/thememl/2012/main" name="Office Theme" id="{62F939B6-93AF-4DB8-9C6B-D6C7DFDC589F}" vid="{4A3C46E8-61CC-4603-A589-7422A47A8E4A}"/>
     </a:ext>
   </a:extLst>
 </a:theme>
@@ -20506,11 +20415,9 @@
       </a:bgFillStyleLst>
     </a:fmtScheme>
   </a:themeElements>
-  <a:objectDefaults/>
-  <a:extraClrSchemeLst/>
   <a:extLst>
     <a:ext uri="{05A4C25C-085E-4340-85A3-A5531E510DB2}">
-      <thm15:themeFamily xmlns:thm15="http://schemas.microsoft.com/office/thememl/2012/main" xmlns="" name="Office Theme" id="{62F939B6-93AF-4DB8-9C6B-D6C7DFDC589F}" vid="{4A3C46E8-61CC-4603-A589-7422A47A8E4A}"/>
+      <thm15:themeFamily xmlns:thm15="http://schemas.microsoft.com/office/thememl/2012/main" name="Office Theme" id="{62F939B6-93AF-4DB8-9C6B-D6C7DFDC589F}" vid="{4A3C46E8-61CC-4603-A589-7422A47A8E4A}"/>
     </a:ext>
   </a:extLst>
 </a:theme>

--- a/SE2018春-G07/最终评审/SE2018春-G07.pptx
+++ b/SE2018春-G07/最终评审/SE2018春-G07.pptx
@@ -3,76 +3,78 @@
 <p:presentation xmlns:a="http://schemas.openxmlformats.org/drawingml/2006/main" xmlns:r="http://schemas.openxmlformats.org/officeDocument/2006/relationships" xmlns:p="http://schemas.openxmlformats.org/presentationml/2006/main" embedTrueTypeFonts="1" saveSubsetFonts="1">
   <p:sldMasterIdLst>
     <p:sldMasterId id="2147483648" r:id="rId1"/>
-    <p:sldMasterId id="2147483660" r:id="rId3"/>
+    <p:sldMasterId id="2147483660" r:id="rId2"/>
   </p:sldMasterIdLst>
   <p:notesMasterIdLst>
-    <p:notesMasterId r:id="rId30"/>
+    <p:notesMasterId r:id="rId29"/>
   </p:notesMasterIdLst>
   <p:handoutMasterIdLst>
-    <p:handoutMasterId r:id="rId31"/>
+    <p:handoutMasterId r:id="rId30"/>
   </p:handoutMasterIdLst>
   <p:sldIdLst>
-    <p:sldId id="269" r:id="rId4"/>
-    <p:sldId id="282" r:id="rId5"/>
-    <p:sldId id="257" r:id="rId6"/>
-    <p:sldId id="283" r:id="rId7"/>
-    <p:sldId id="284" r:id="rId8"/>
-    <p:sldId id="285" r:id="rId9"/>
-    <p:sldId id="286" r:id="rId10"/>
-    <p:sldId id="294" r:id="rId11"/>
-    <p:sldId id="295" r:id="rId12"/>
-    <p:sldId id="296" r:id="rId13"/>
-    <p:sldId id="297" r:id="rId14"/>
-    <p:sldId id="287" r:id="rId15"/>
-    <p:sldId id="298" r:id="rId16"/>
-    <p:sldId id="299" r:id="rId17"/>
-    <p:sldId id="300" r:id="rId18"/>
-    <p:sldId id="301" r:id="rId19"/>
-    <p:sldId id="302" r:id="rId20"/>
-    <p:sldId id="303" r:id="rId21"/>
-    <p:sldId id="289" r:id="rId22"/>
-    <p:sldId id="304" r:id="rId23"/>
-    <p:sldId id="290" r:id="rId24"/>
-    <p:sldId id="305" r:id="rId25"/>
-    <p:sldId id="291" r:id="rId26"/>
-    <p:sldId id="292" r:id="rId27"/>
-    <p:sldId id="293" r:id="rId28"/>
-    <p:sldId id="281" r:id="rId29"/>
+    <p:sldId id="269" r:id="rId3"/>
+    <p:sldId id="282" r:id="rId4"/>
+    <p:sldId id="257" r:id="rId5"/>
+    <p:sldId id="283" r:id="rId6"/>
+    <p:sldId id="284" r:id="rId7"/>
+    <p:sldId id="285" r:id="rId8"/>
+    <p:sldId id="286" r:id="rId9"/>
+    <p:sldId id="294" r:id="rId10"/>
+    <p:sldId id="295" r:id="rId11"/>
+    <p:sldId id="296" r:id="rId12"/>
+    <p:sldId id="297" r:id="rId13"/>
+    <p:sldId id="287" r:id="rId14"/>
+    <p:sldId id="298" r:id="rId15"/>
+    <p:sldId id="299" r:id="rId16"/>
+    <p:sldId id="300" r:id="rId17"/>
+    <p:sldId id="301" r:id="rId18"/>
+    <p:sldId id="302" r:id="rId19"/>
+    <p:sldId id="303" r:id="rId20"/>
+    <p:sldId id="289" r:id="rId21"/>
+    <p:sldId id="304" r:id="rId22"/>
+    <p:sldId id="290" r:id="rId23"/>
+    <p:sldId id="305" r:id="rId24"/>
+    <p:sldId id="291" r:id="rId25"/>
+    <p:sldId id="292" r:id="rId26"/>
+    <p:sldId id="293" r:id="rId27"/>
+    <p:sldId id="281" r:id="rId28"/>
   </p:sldIdLst>
   <p:sldSz cx="12192000" cy="6858000"/>
   <p:notesSz cx="6858000" cy="9144000"/>
   <p:embeddedFontLst>
     <p:embeddedFont>
-      <p:font typeface="Droid Sans" panose="020B0606030804020204" pitchFamily="34" charset="0"/>
-      <p:regular r:id="rId35"/>
+      <p:font typeface="Calibri" pitchFamily="34" charset="0"/>
+      <p:regular r:id="rId31"/>
+      <p:bold r:id="rId32"/>
+      <p:italic r:id="rId33"/>
+      <p:boldItalic r:id="rId34"/>
     </p:embeddedFont>
     <p:embeddedFont>
-      <p:font typeface="方正正纤黑简体" panose="02000000000000000000" pitchFamily="2" charset="-122"/>
-      <p:regular r:id="rId36"/>
+      <p:font typeface="Calibri Light" pitchFamily="34" charset="0"/>
+      <p:regular r:id="rId35"/>
+      <p:italic r:id="rId36"/>
     </p:embeddedFont>
     <p:embeddedFont>
-      <p:font typeface="微软雅黑" panose="020B0503020204020204" pitchFamily="34" charset="-122"/>
+      <p:font typeface="等线" pitchFamily="2" charset="-122"/>
       <p:regular r:id="rId37"/>
+      <p:bold r:id="rId38"/>
     </p:embeddedFont>
     <p:embeddedFont>
-      <p:font typeface="微软雅黑 Light" panose="020B0502040204020203" pitchFamily="34" charset="-122"/>
-      <p:regular r:id="rId38"/>
-    </p:embeddedFont>
-    <p:embeddedFont>
-      <p:font typeface="等线" panose="02010600030101010101" pitchFamily="2" charset="-122"/>
+      <p:font typeface="方正正纤黑简体" charset="-122"/>
       <p:regular r:id="rId39"/>
     </p:embeddedFont>
     <p:embeddedFont>
-      <p:font typeface="Calibri" panose="020F0502020204030204" charset="0"/>
+      <p:font typeface="Droid Sans" charset="0"/>
       <p:regular r:id="rId40"/>
-      <p:bold r:id="rId41"/>
-      <p:italic r:id="rId42"/>
-      <p:boldItalic r:id="rId43"/>
     </p:embeddedFont>
     <p:embeddedFont>
-      <p:font typeface="Calibri Light" panose="020F0302020204030204" charset="0"/>
-      <p:regular r:id="rId44"/>
-      <p:italic r:id="rId45"/>
+      <p:font typeface="微软雅黑" pitchFamily="34" charset="-122"/>
+      <p:regular r:id="rId41"/>
+      <p:bold r:id="rId42"/>
+    </p:embeddedFont>
+    <p:embeddedFont>
+      <p:font typeface="微软雅黑 Light" pitchFamily="34" charset="-122"/>
+      <p:regular r:id="rId43"/>
     </p:embeddedFont>
   </p:embeddedFontLst>
   <p:defaultTextStyle>
@@ -255,6 +257,7 @@
           <a:p>
             <a:fld id="{0F9B84EA-7D68-4D60-9CB1-D50884785D1C}" type="datetimeFigureOut">
               <a:rPr lang="zh-CN" altLang="en-US" smtClean="0"/>
+              <a:t>2018/7/5</a:t>
             </a:fld>
             <a:endParaRPr lang="zh-CN" altLang="en-US"/>
           </a:p>
@@ -320,12 +323,18 @@
           <a:p>
             <a:fld id="{8D4E0FC9-F1F8-4FAE-9988-3BA365CFD46F}" type="slidenum">
               <a:rPr lang="zh-CN" altLang="en-US" smtClean="0"/>
+              <a:t>‹#›</a:t>
             </a:fld>
             <a:endParaRPr lang="zh-CN" altLang="en-US"/>
           </a:p>
         </p:txBody>
       </p:sp>
     </p:spTree>
+    <p:extLst>
+      <p:ext uri="{BB962C8B-B14F-4D97-AF65-F5344CB8AC3E}">
+        <p14:creationId xmlns:p14="http://schemas.microsoft.com/office/powerpoint/2010/main" val="2705928994"/>
+      </p:ext>
+    </p:extLst>
   </p:cSld>
   <p:clrMap bg1="lt1" tx1="dk1" bg2="lt2" tx2="dk2" accent1="accent1" accent2="accent2" accent3="accent3" accent4="accent4" accent5="accent5" accent6="accent6" hlink="hlink" folHlink="folHlink"/>
 </p:handoutMaster>
@@ -413,6 +422,7 @@
           <a:p>
             <a:fld id="{913F4DCD-3E9F-4F9E-ACC9-6C38FDEAE701}" type="datetimeFigureOut">
               <a:rPr lang="zh-CN" altLang="en-US" smtClean="0"/>
+              <a:t>2018/7/5</a:t>
             </a:fld>
             <a:endParaRPr lang="zh-CN" altLang="en-US"/>
           </a:p>
@@ -479,7 +489,6 @@
               <a:rPr lang="zh-CN" altLang="en-US" smtClean="0"/>
               <a:t>单击此处编辑母版文本样式</a:t>
             </a:r>
-            <a:endParaRPr lang="zh-CN" altLang="en-US" smtClean="0"/>
           </a:p>
           <a:p>
             <a:pPr lvl="1"/>
@@ -487,7 +496,6 @@
               <a:rPr lang="zh-CN" altLang="en-US" smtClean="0"/>
               <a:t>第二级</a:t>
             </a:r>
-            <a:endParaRPr lang="zh-CN" altLang="en-US" smtClean="0"/>
           </a:p>
           <a:p>
             <a:pPr lvl="2"/>
@@ -495,7 +503,6 @@
               <a:rPr lang="zh-CN" altLang="en-US" smtClean="0"/>
               <a:t>第三级</a:t>
             </a:r>
-            <a:endParaRPr lang="zh-CN" altLang="en-US" smtClean="0"/>
           </a:p>
           <a:p>
             <a:pPr lvl="3"/>
@@ -503,7 +510,6 @@
               <a:rPr lang="zh-CN" altLang="en-US" smtClean="0"/>
               <a:t>第四级</a:t>
             </a:r>
-            <a:endParaRPr lang="zh-CN" altLang="en-US" smtClean="0"/>
           </a:p>
           <a:p>
             <a:pPr lvl="4"/>
@@ -575,12 +581,18 @@
           <a:p>
             <a:fld id="{A5FD8AA7-E4F4-4954-B1C4-D60F0423E205}" type="slidenum">
               <a:rPr lang="zh-CN" altLang="en-US" smtClean="0"/>
+              <a:t>‹#›</a:t>
             </a:fld>
             <a:endParaRPr lang="zh-CN" altLang="en-US"/>
           </a:p>
         </p:txBody>
       </p:sp>
     </p:spTree>
+    <p:extLst>
+      <p:ext uri="{BB962C8B-B14F-4D97-AF65-F5344CB8AC3E}">
+        <p14:creationId xmlns:p14="http://schemas.microsoft.com/office/powerpoint/2010/main" val="1505113519"/>
+      </p:ext>
+    </p:extLst>
   </p:cSld>
   <p:clrMap bg1="lt1" tx1="dk1" bg2="lt2" tx2="dk2" accent1="accent1" accent2="accent2" accent3="accent3" accent4="accent4" accent5="accent5" accent6="accent6" hlink="hlink" folHlink="folHlink"/>
   <p:notesStyle>
@@ -809,6 +821,7 @@
           <a:p>
             <a:fld id="{CCE93D33-261F-41EA-AFA7-31BD512684FE}" type="datetimeFigureOut">
               <a:rPr lang="zh-CN" altLang="en-US" smtClean="0"/>
+              <a:t>2018/7/5</a:t>
             </a:fld>
             <a:endParaRPr lang="zh-CN" altLang="en-US"/>
           </a:p>
@@ -850,6 +863,7 @@
           <a:p>
             <a:fld id="{D864B330-6AAC-4D3D-B270-2BD0359A3F9F}" type="slidenum">
               <a:rPr lang="zh-CN" altLang="en-US" smtClean="0"/>
+              <a:t>‹#›</a:t>
             </a:fld>
             <a:endParaRPr lang="zh-CN" altLang="en-US"/>
           </a:p>
@@ -923,7 +937,6 @@
               <a:rPr lang="zh-CN" altLang="en-US" smtClean="0"/>
               <a:t>单击此处编辑母版文本样式</a:t>
             </a:r>
-            <a:endParaRPr lang="zh-CN" altLang="en-US" smtClean="0"/>
           </a:p>
           <a:p>
             <a:pPr lvl="1"/>
@@ -931,7 +944,6 @@
               <a:rPr lang="zh-CN" altLang="en-US" smtClean="0"/>
               <a:t>第二级</a:t>
             </a:r>
-            <a:endParaRPr lang="zh-CN" altLang="en-US" smtClean="0"/>
           </a:p>
           <a:p>
             <a:pPr lvl="2"/>
@@ -939,7 +951,6 @@
               <a:rPr lang="zh-CN" altLang="en-US" smtClean="0"/>
               <a:t>第三级</a:t>
             </a:r>
-            <a:endParaRPr lang="zh-CN" altLang="en-US" smtClean="0"/>
           </a:p>
           <a:p>
             <a:pPr lvl="3"/>
@@ -947,7 +958,6 @@
               <a:rPr lang="zh-CN" altLang="en-US" smtClean="0"/>
               <a:t>第四级</a:t>
             </a:r>
-            <a:endParaRPr lang="zh-CN" altLang="en-US" smtClean="0"/>
           </a:p>
           <a:p>
             <a:pPr lvl="4"/>
@@ -976,6 +986,7 @@
           <a:p>
             <a:fld id="{CCE93D33-261F-41EA-AFA7-31BD512684FE}" type="datetimeFigureOut">
               <a:rPr lang="zh-CN" altLang="en-US" smtClean="0"/>
+              <a:t>2018/7/5</a:t>
             </a:fld>
             <a:endParaRPr lang="zh-CN" altLang="en-US"/>
           </a:p>
@@ -1017,6 +1028,7 @@
           <a:p>
             <a:fld id="{D864B330-6AAC-4D3D-B270-2BD0359A3F9F}" type="slidenum">
               <a:rPr lang="zh-CN" altLang="en-US" smtClean="0"/>
+              <a:t>‹#›</a:t>
             </a:fld>
             <a:endParaRPr lang="zh-CN" altLang="en-US"/>
           </a:p>
@@ -1100,7 +1112,6 @@
               <a:rPr lang="zh-CN" altLang="en-US" smtClean="0"/>
               <a:t>单击此处编辑母版文本样式</a:t>
             </a:r>
-            <a:endParaRPr lang="zh-CN" altLang="en-US" smtClean="0"/>
           </a:p>
           <a:p>
             <a:pPr lvl="1"/>
@@ -1108,7 +1119,6 @@
               <a:rPr lang="zh-CN" altLang="en-US" smtClean="0"/>
               <a:t>第二级</a:t>
             </a:r>
-            <a:endParaRPr lang="zh-CN" altLang="en-US" smtClean="0"/>
           </a:p>
           <a:p>
             <a:pPr lvl="2"/>
@@ -1116,7 +1126,6 @@
               <a:rPr lang="zh-CN" altLang="en-US" smtClean="0"/>
               <a:t>第三级</a:t>
             </a:r>
-            <a:endParaRPr lang="zh-CN" altLang="en-US" smtClean="0"/>
           </a:p>
           <a:p>
             <a:pPr lvl="3"/>
@@ -1124,7 +1133,6 @@
               <a:rPr lang="zh-CN" altLang="en-US" smtClean="0"/>
               <a:t>第四级</a:t>
             </a:r>
-            <a:endParaRPr lang="zh-CN" altLang="en-US" smtClean="0"/>
           </a:p>
           <a:p>
             <a:pPr lvl="4"/>
@@ -1153,6 +1161,7 @@
           <a:p>
             <a:fld id="{CCE93D33-261F-41EA-AFA7-31BD512684FE}" type="datetimeFigureOut">
               <a:rPr lang="zh-CN" altLang="en-US" smtClean="0"/>
+              <a:t>2018/7/5</a:t>
             </a:fld>
             <a:endParaRPr lang="zh-CN" altLang="en-US"/>
           </a:p>
@@ -1194,6 +1203,7 @@
           <a:p>
             <a:fld id="{D864B330-6AAC-4D3D-B270-2BD0359A3F9F}" type="slidenum">
               <a:rPr lang="zh-CN" altLang="en-US" smtClean="0"/>
+              <a:t>‹#›</a:t>
             </a:fld>
             <a:endParaRPr lang="zh-CN" altLang="en-US"/>
           </a:p>
@@ -1344,6 +1354,7 @@
                   </a:srgbClr>
                 </a:solidFill>
               </a:rPr>
+              <a:t>2018/7/5</a:t>
             </a:fld>
             <a:endParaRPr lang="zh-CN" altLang="en-US">
               <a:solidFill>
@@ -1403,6 +1414,7 @@
                   </a:srgbClr>
                 </a:solidFill>
               </a:rPr>
+              <a:t>‹#›</a:t>
             </a:fld>
             <a:endParaRPr lang="zh-CN" altLang="en-US">
               <a:solidFill>
@@ -1482,7 +1494,6 @@
               <a:rPr lang="zh-CN" altLang="en-US" smtClean="0"/>
               <a:t>单击此处编辑母版文本样式</a:t>
             </a:r>
-            <a:endParaRPr lang="zh-CN" altLang="en-US" smtClean="0"/>
           </a:p>
           <a:p>
             <a:pPr lvl="1"/>
@@ -1490,7 +1501,6 @@
               <a:rPr lang="zh-CN" altLang="en-US" smtClean="0"/>
               <a:t>第二级</a:t>
             </a:r>
-            <a:endParaRPr lang="zh-CN" altLang="en-US" smtClean="0"/>
           </a:p>
           <a:p>
             <a:pPr lvl="2"/>
@@ -1498,7 +1508,6 @@
               <a:rPr lang="zh-CN" altLang="en-US" smtClean="0"/>
               <a:t>第三级</a:t>
             </a:r>
-            <a:endParaRPr lang="zh-CN" altLang="en-US" smtClean="0"/>
           </a:p>
           <a:p>
             <a:pPr lvl="3"/>
@@ -1506,7 +1515,6 @@
               <a:rPr lang="zh-CN" altLang="en-US" smtClean="0"/>
               <a:t>第四级</a:t>
             </a:r>
-            <a:endParaRPr lang="zh-CN" altLang="en-US" smtClean="0"/>
           </a:p>
           <a:p>
             <a:pPr lvl="4"/>
@@ -1541,6 +1549,7 @@
                   </a:srgbClr>
                 </a:solidFill>
               </a:rPr>
+              <a:t>2018/7/5</a:t>
             </a:fld>
             <a:endParaRPr lang="zh-CN" altLang="en-US">
               <a:solidFill>
@@ -1600,6 +1609,7 @@
                   </a:srgbClr>
                 </a:solidFill>
               </a:rPr>
+              <a:t>‹#›</a:t>
             </a:fld>
             <a:endParaRPr lang="zh-CN" altLang="en-US">
               <a:solidFill>
@@ -1784,7 +1794,6 @@
               <a:rPr lang="zh-CN" altLang="en-US" smtClean="0"/>
               <a:t>单击此处编辑母版文本样式</a:t>
             </a:r>
-            <a:endParaRPr lang="zh-CN" altLang="en-US" smtClean="0"/>
           </a:p>
         </p:txBody>
       </p:sp>
@@ -1811,6 +1820,7 @@
                   </a:srgbClr>
                 </a:solidFill>
               </a:rPr>
+              <a:t>2018/7/5</a:t>
             </a:fld>
             <a:endParaRPr lang="zh-CN" altLang="en-US">
               <a:solidFill>
@@ -1870,6 +1880,7 @@
                   </a:srgbClr>
                 </a:solidFill>
               </a:rPr>
+              <a:t>‹#›</a:t>
             </a:fld>
             <a:endParaRPr lang="zh-CN" altLang="en-US">
               <a:solidFill>
@@ -1954,7 +1965,6 @@
               <a:rPr lang="zh-CN" altLang="en-US" smtClean="0"/>
               <a:t>单击此处编辑母版文本样式</a:t>
             </a:r>
-            <a:endParaRPr lang="zh-CN" altLang="en-US" smtClean="0"/>
           </a:p>
           <a:p>
             <a:pPr lvl="1"/>
@@ -1962,7 +1972,6 @@
               <a:rPr lang="zh-CN" altLang="en-US" smtClean="0"/>
               <a:t>第二级</a:t>
             </a:r>
-            <a:endParaRPr lang="zh-CN" altLang="en-US" smtClean="0"/>
           </a:p>
           <a:p>
             <a:pPr lvl="2"/>
@@ -1970,7 +1979,6 @@
               <a:rPr lang="zh-CN" altLang="en-US" smtClean="0"/>
               <a:t>第三级</a:t>
             </a:r>
-            <a:endParaRPr lang="zh-CN" altLang="en-US" smtClean="0"/>
           </a:p>
           <a:p>
             <a:pPr lvl="3"/>
@@ -1978,7 +1986,6 @@
               <a:rPr lang="zh-CN" altLang="en-US" smtClean="0"/>
               <a:t>第四级</a:t>
             </a:r>
-            <a:endParaRPr lang="zh-CN" altLang="en-US" smtClean="0"/>
           </a:p>
           <a:p>
             <a:pPr lvl="4"/>
@@ -2015,7 +2022,6 @@
               <a:rPr lang="zh-CN" altLang="en-US" smtClean="0"/>
               <a:t>单击此处编辑母版文本样式</a:t>
             </a:r>
-            <a:endParaRPr lang="zh-CN" altLang="en-US" smtClean="0"/>
           </a:p>
           <a:p>
             <a:pPr lvl="1"/>
@@ -2023,7 +2029,6 @@
               <a:rPr lang="zh-CN" altLang="en-US" smtClean="0"/>
               <a:t>第二级</a:t>
             </a:r>
-            <a:endParaRPr lang="zh-CN" altLang="en-US" smtClean="0"/>
           </a:p>
           <a:p>
             <a:pPr lvl="2"/>
@@ -2031,7 +2036,6 @@
               <a:rPr lang="zh-CN" altLang="en-US" smtClean="0"/>
               <a:t>第三级</a:t>
             </a:r>
-            <a:endParaRPr lang="zh-CN" altLang="en-US" smtClean="0"/>
           </a:p>
           <a:p>
             <a:pPr lvl="3"/>
@@ -2039,7 +2043,6 @@
               <a:rPr lang="zh-CN" altLang="en-US" smtClean="0"/>
               <a:t>第四级</a:t>
             </a:r>
-            <a:endParaRPr lang="zh-CN" altLang="en-US" smtClean="0"/>
           </a:p>
           <a:p>
             <a:pPr lvl="4"/>
@@ -2074,6 +2077,7 @@
                   </a:srgbClr>
                 </a:solidFill>
               </a:rPr>
+              <a:t>2018/7/5</a:t>
             </a:fld>
             <a:endParaRPr lang="zh-CN" altLang="en-US">
               <a:solidFill>
@@ -2133,6 +2137,7 @@
                   </a:srgbClr>
                 </a:solidFill>
               </a:rPr>
+              <a:t>‹#›</a:t>
             </a:fld>
             <a:endParaRPr lang="zh-CN" altLang="en-US">
               <a:solidFill>
@@ -2259,7 +2264,6 @@
               <a:rPr lang="zh-CN" altLang="en-US" smtClean="0"/>
               <a:t>单击此处编辑母版文本样式</a:t>
             </a:r>
-            <a:endParaRPr lang="zh-CN" altLang="en-US" smtClean="0"/>
           </a:p>
         </p:txBody>
       </p:sp>
@@ -2288,7 +2292,6 @@
               <a:rPr lang="zh-CN" altLang="en-US" smtClean="0"/>
               <a:t>单击此处编辑母版文本样式</a:t>
             </a:r>
-            <a:endParaRPr lang="zh-CN" altLang="en-US" smtClean="0"/>
           </a:p>
           <a:p>
             <a:pPr lvl="1"/>
@@ -2296,7 +2299,6 @@
               <a:rPr lang="zh-CN" altLang="en-US" smtClean="0"/>
               <a:t>第二级</a:t>
             </a:r>
-            <a:endParaRPr lang="zh-CN" altLang="en-US" smtClean="0"/>
           </a:p>
           <a:p>
             <a:pPr lvl="2"/>
@@ -2304,7 +2306,6 @@
               <a:rPr lang="zh-CN" altLang="en-US" smtClean="0"/>
               <a:t>第三级</a:t>
             </a:r>
-            <a:endParaRPr lang="zh-CN" altLang="en-US" smtClean="0"/>
           </a:p>
           <a:p>
             <a:pPr lvl="3"/>
@@ -2312,7 +2313,6 @@
               <a:rPr lang="zh-CN" altLang="en-US" smtClean="0"/>
               <a:t>第四级</a:t>
             </a:r>
-            <a:endParaRPr lang="zh-CN" altLang="en-US" smtClean="0"/>
           </a:p>
           <a:p>
             <a:pPr lvl="4"/>
@@ -2386,7 +2386,6 @@
               <a:rPr lang="zh-CN" altLang="en-US" smtClean="0"/>
               <a:t>单击此处编辑母版文本样式</a:t>
             </a:r>
-            <a:endParaRPr lang="zh-CN" altLang="en-US" smtClean="0"/>
           </a:p>
         </p:txBody>
       </p:sp>
@@ -2415,7 +2414,6 @@
               <a:rPr lang="zh-CN" altLang="en-US" smtClean="0"/>
               <a:t>单击此处编辑母版文本样式</a:t>
             </a:r>
-            <a:endParaRPr lang="zh-CN" altLang="en-US" smtClean="0"/>
           </a:p>
           <a:p>
             <a:pPr lvl="1"/>
@@ -2423,7 +2421,6 @@
               <a:rPr lang="zh-CN" altLang="en-US" smtClean="0"/>
               <a:t>第二级</a:t>
             </a:r>
-            <a:endParaRPr lang="zh-CN" altLang="en-US" smtClean="0"/>
           </a:p>
           <a:p>
             <a:pPr lvl="2"/>
@@ -2431,7 +2428,6 @@
               <a:rPr lang="zh-CN" altLang="en-US" smtClean="0"/>
               <a:t>第三级</a:t>
             </a:r>
-            <a:endParaRPr lang="zh-CN" altLang="en-US" smtClean="0"/>
           </a:p>
           <a:p>
             <a:pPr lvl="3"/>
@@ -2439,7 +2435,6 @@
               <a:rPr lang="zh-CN" altLang="en-US" smtClean="0"/>
               <a:t>第四级</a:t>
             </a:r>
-            <a:endParaRPr lang="zh-CN" altLang="en-US" smtClean="0"/>
           </a:p>
           <a:p>
             <a:pPr lvl="4"/>
@@ -2474,6 +2469,7 @@
                   </a:srgbClr>
                 </a:solidFill>
               </a:rPr>
+              <a:t>2018/7/5</a:t>
             </a:fld>
             <a:endParaRPr lang="zh-CN" altLang="en-US">
               <a:solidFill>
@@ -2533,6 +2529,7 @@
                   </a:srgbClr>
                 </a:solidFill>
               </a:rPr>
+              <a:t>‹#›</a:t>
             </a:fld>
             <a:endParaRPr lang="zh-CN" altLang="en-US">
               <a:solidFill>
@@ -2615,6 +2612,7 @@
                   </a:srgbClr>
                 </a:solidFill>
               </a:rPr>
+              <a:t>2018/7/5</a:t>
             </a:fld>
             <a:endParaRPr lang="zh-CN" altLang="en-US">
               <a:solidFill>
@@ -2674,6 +2672,7 @@
                   </a:srgbClr>
                 </a:solidFill>
               </a:rPr>
+              <a:t>‹#›</a:t>
             </a:fld>
             <a:endParaRPr lang="zh-CN" altLang="en-US">
               <a:solidFill>
@@ -2733,6 +2732,7 @@
                   </a:srgbClr>
                 </a:solidFill>
               </a:rPr>
+              <a:t>2018/7/5</a:t>
             </a:fld>
             <a:endParaRPr lang="zh-CN" altLang="en-US">
               <a:solidFill>
@@ -2792,6 +2792,7 @@
                   </a:srgbClr>
                 </a:solidFill>
               </a:rPr>
+              <a:t>‹#›</a:t>
             </a:fld>
             <a:endParaRPr lang="zh-CN" altLang="en-US">
               <a:solidFill>
@@ -2913,7 +2914,6 @@
               <a:rPr lang="zh-CN" altLang="en-US" smtClean="0"/>
               <a:t>单击此处编辑母版文本样式</a:t>
             </a:r>
-            <a:endParaRPr lang="zh-CN" altLang="en-US" smtClean="0"/>
           </a:p>
           <a:p>
             <a:pPr lvl="1"/>
@@ -2921,7 +2921,6 @@
               <a:rPr lang="zh-CN" altLang="en-US" smtClean="0"/>
               <a:t>第二级</a:t>
             </a:r>
-            <a:endParaRPr lang="zh-CN" altLang="en-US" smtClean="0"/>
           </a:p>
           <a:p>
             <a:pPr lvl="2"/>
@@ -2929,7 +2928,6 @@
               <a:rPr lang="zh-CN" altLang="en-US" smtClean="0"/>
               <a:t>第三级</a:t>
             </a:r>
-            <a:endParaRPr lang="zh-CN" altLang="en-US" smtClean="0"/>
           </a:p>
           <a:p>
             <a:pPr lvl="3"/>
@@ -2937,7 +2935,6 @@
               <a:rPr lang="zh-CN" altLang="en-US" smtClean="0"/>
               <a:t>第四级</a:t>
             </a:r>
-            <a:endParaRPr lang="zh-CN" altLang="en-US" smtClean="0"/>
           </a:p>
           <a:p>
             <a:pPr lvl="4"/>
@@ -3011,7 +3008,6 @@
               <a:rPr lang="zh-CN" altLang="en-US" smtClean="0"/>
               <a:t>单击此处编辑母版文本样式</a:t>
             </a:r>
-            <a:endParaRPr lang="zh-CN" altLang="en-US" smtClean="0"/>
           </a:p>
         </p:txBody>
       </p:sp>
@@ -3038,6 +3034,7 @@
                   </a:srgbClr>
                 </a:solidFill>
               </a:rPr>
+              <a:t>2018/7/5</a:t>
             </a:fld>
             <a:endParaRPr lang="zh-CN" altLang="en-US">
               <a:solidFill>
@@ -3097,6 +3094,7 @@
                   </a:srgbClr>
                 </a:solidFill>
               </a:rPr>
+              <a:t>‹#›</a:t>
             </a:fld>
             <a:endParaRPr lang="zh-CN" altLang="en-US">
               <a:solidFill>
@@ -3176,7 +3174,6 @@
               <a:rPr lang="zh-CN" altLang="en-US" smtClean="0"/>
               <a:t>单击此处编辑母版文本样式</a:t>
             </a:r>
-            <a:endParaRPr lang="zh-CN" altLang="en-US" smtClean="0"/>
           </a:p>
           <a:p>
             <a:pPr lvl="1"/>
@@ -3184,7 +3181,6 @@
               <a:rPr lang="zh-CN" altLang="en-US" smtClean="0"/>
               <a:t>第二级</a:t>
             </a:r>
-            <a:endParaRPr lang="zh-CN" altLang="en-US" smtClean="0"/>
           </a:p>
           <a:p>
             <a:pPr lvl="2"/>
@@ -3192,7 +3188,6 @@
               <a:rPr lang="zh-CN" altLang="en-US" smtClean="0"/>
               <a:t>第三级</a:t>
             </a:r>
-            <a:endParaRPr lang="zh-CN" altLang="en-US" smtClean="0"/>
           </a:p>
           <a:p>
             <a:pPr lvl="3"/>
@@ -3200,7 +3195,6 @@
               <a:rPr lang="zh-CN" altLang="en-US" smtClean="0"/>
               <a:t>第四级</a:t>
             </a:r>
-            <a:endParaRPr lang="zh-CN" altLang="en-US" smtClean="0"/>
           </a:p>
           <a:p>
             <a:pPr lvl="4"/>
@@ -3229,6 +3223,7 @@
           <a:p>
             <a:fld id="{CCE93D33-261F-41EA-AFA7-31BD512684FE}" type="datetimeFigureOut">
               <a:rPr lang="zh-CN" altLang="en-US" smtClean="0"/>
+              <a:t>2018/7/5</a:t>
             </a:fld>
             <a:endParaRPr lang="zh-CN" altLang="en-US"/>
           </a:p>
@@ -3270,6 +3265,7 @@
           <a:p>
             <a:fld id="{D864B330-6AAC-4D3D-B270-2BD0359A3F9F}" type="slidenum">
               <a:rPr lang="zh-CN" altLang="en-US" smtClean="0"/>
+              <a:t>‹#›</a:t>
             </a:fld>
             <a:endParaRPr lang="zh-CN" altLang="en-US"/>
           </a:p>
@@ -3455,7 +3451,6 @@
               <a:rPr lang="zh-CN" altLang="en-US" smtClean="0"/>
               <a:t>单击此处编辑母版文本样式</a:t>
             </a:r>
-            <a:endParaRPr lang="zh-CN" altLang="en-US" smtClean="0"/>
           </a:p>
         </p:txBody>
       </p:sp>
@@ -3482,6 +3477,7 @@
                   </a:srgbClr>
                 </a:solidFill>
               </a:rPr>
+              <a:t>2018/7/5</a:t>
             </a:fld>
             <a:endParaRPr lang="zh-CN" altLang="en-US">
               <a:solidFill>
@@ -3541,6 +3537,7 @@
                   </a:srgbClr>
                 </a:solidFill>
               </a:rPr>
+              <a:t>‹#›</a:t>
             </a:fld>
             <a:endParaRPr lang="zh-CN" altLang="en-US">
               <a:solidFill>
@@ -3620,7 +3617,6 @@
               <a:rPr lang="zh-CN" altLang="en-US" smtClean="0"/>
               <a:t>单击此处编辑母版文本样式</a:t>
             </a:r>
-            <a:endParaRPr lang="zh-CN" altLang="en-US" smtClean="0"/>
           </a:p>
           <a:p>
             <a:pPr lvl="1"/>
@@ -3628,7 +3624,6 @@
               <a:rPr lang="zh-CN" altLang="en-US" smtClean="0"/>
               <a:t>第二级</a:t>
             </a:r>
-            <a:endParaRPr lang="zh-CN" altLang="en-US" smtClean="0"/>
           </a:p>
           <a:p>
             <a:pPr lvl="2"/>
@@ -3636,7 +3631,6 @@
               <a:rPr lang="zh-CN" altLang="en-US" smtClean="0"/>
               <a:t>第三级</a:t>
             </a:r>
-            <a:endParaRPr lang="zh-CN" altLang="en-US" smtClean="0"/>
           </a:p>
           <a:p>
             <a:pPr lvl="3"/>
@@ -3644,7 +3638,6 @@
               <a:rPr lang="zh-CN" altLang="en-US" smtClean="0"/>
               <a:t>第四级</a:t>
             </a:r>
-            <a:endParaRPr lang="zh-CN" altLang="en-US" smtClean="0"/>
           </a:p>
           <a:p>
             <a:pPr lvl="4"/>
@@ -3679,6 +3672,7 @@
                   </a:srgbClr>
                 </a:solidFill>
               </a:rPr>
+              <a:t>2018/7/5</a:t>
             </a:fld>
             <a:endParaRPr lang="zh-CN" altLang="en-US">
               <a:solidFill>
@@ -3738,6 +3732,7 @@
                   </a:srgbClr>
                 </a:solidFill>
               </a:rPr>
+              <a:t>‹#›</a:t>
             </a:fld>
             <a:endParaRPr lang="zh-CN" altLang="en-US">
               <a:solidFill>
@@ -3827,7 +3822,6 @@
               <a:rPr lang="zh-CN" altLang="en-US" smtClean="0"/>
               <a:t>单击此处编辑母版文本样式</a:t>
             </a:r>
-            <a:endParaRPr lang="zh-CN" altLang="en-US" smtClean="0"/>
           </a:p>
           <a:p>
             <a:pPr lvl="1"/>
@@ -3835,7 +3829,6 @@
               <a:rPr lang="zh-CN" altLang="en-US" smtClean="0"/>
               <a:t>第二级</a:t>
             </a:r>
-            <a:endParaRPr lang="zh-CN" altLang="en-US" smtClean="0"/>
           </a:p>
           <a:p>
             <a:pPr lvl="2"/>
@@ -3843,7 +3836,6 @@
               <a:rPr lang="zh-CN" altLang="en-US" smtClean="0"/>
               <a:t>第三级</a:t>
             </a:r>
-            <a:endParaRPr lang="zh-CN" altLang="en-US" smtClean="0"/>
           </a:p>
           <a:p>
             <a:pPr lvl="3"/>
@@ -3851,7 +3843,6 @@
               <a:rPr lang="zh-CN" altLang="en-US" smtClean="0"/>
               <a:t>第四级</a:t>
             </a:r>
-            <a:endParaRPr lang="zh-CN" altLang="en-US" smtClean="0"/>
           </a:p>
           <a:p>
             <a:pPr lvl="4"/>
@@ -3886,6 +3877,7 @@
                   </a:srgbClr>
                 </a:solidFill>
               </a:rPr>
+              <a:t>2018/7/5</a:t>
             </a:fld>
             <a:endParaRPr lang="zh-CN" altLang="en-US">
               <a:solidFill>
@@ -3945,6 +3937,7 @@
                   </a:srgbClr>
                 </a:solidFill>
               </a:rPr>
+              <a:t>‹#›</a:t>
             </a:fld>
             <a:endParaRPr lang="zh-CN" altLang="en-US">
               <a:solidFill>
@@ -4129,7 +4122,6 @@
               <a:rPr lang="zh-CN" altLang="en-US" smtClean="0"/>
               <a:t>单击此处编辑母版文本样式</a:t>
             </a:r>
-            <a:endParaRPr lang="zh-CN" altLang="en-US" smtClean="0"/>
           </a:p>
         </p:txBody>
       </p:sp>
@@ -4150,6 +4142,7 @@
           <a:p>
             <a:fld id="{CCE93D33-261F-41EA-AFA7-31BD512684FE}" type="datetimeFigureOut">
               <a:rPr lang="zh-CN" altLang="en-US" smtClean="0"/>
+              <a:t>2018/7/5</a:t>
             </a:fld>
             <a:endParaRPr lang="zh-CN" altLang="en-US"/>
           </a:p>
@@ -4191,6 +4184,7 @@
           <a:p>
             <a:fld id="{D864B330-6AAC-4D3D-B270-2BD0359A3F9F}" type="slidenum">
               <a:rPr lang="zh-CN" altLang="en-US" smtClean="0"/>
+              <a:t>‹#›</a:t>
             </a:fld>
             <a:endParaRPr lang="zh-CN" altLang="en-US"/>
           </a:p>
@@ -4269,7 +4263,6 @@
               <a:rPr lang="zh-CN" altLang="en-US" smtClean="0"/>
               <a:t>单击此处编辑母版文本样式</a:t>
             </a:r>
-            <a:endParaRPr lang="zh-CN" altLang="en-US" smtClean="0"/>
           </a:p>
           <a:p>
             <a:pPr lvl="1"/>
@@ -4277,7 +4270,6 @@
               <a:rPr lang="zh-CN" altLang="en-US" smtClean="0"/>
               <a:t>第二级</a:t>
             </a:r>
-            <a:endParaRPr lang="zh-CN" altLang="en-US" smtClean="0"/>
           </a:p>
           <a:p>
             <a:pPr lvl="2"/>
@@ -4285,7 +4277,6 @@
               <a:rPr lang="zh-CN" altLang="en-US" smtClean="0"/>
               <a:t>第三级</a:t>
             </a:r>
-            <a:endParaRPr lang="zh-CN" altLang="en-US" smtClean="0"/>
           </a:p>
           <a:p>
             <a:pPr lvl="3"/>
@@ -4293,7 +4284,6 @@
               <a:rPr lang="zh-CN" altLang="en-US" smtClean="0"/>
               <a:t>第四级</a:t>
             </a:r>
-            <a:endParaRPr lang="zh-CN" altLang="en-US" smtClean="0"/>
           </a:p>
           <a:p>
             <a:pPr lvl="4"/>
@@ -4330,7 +4320,6 @@
               <a:rPr lang="zh-CN" altLang="en-US" smtClean="0"/>
               <a:t>单击此处编辑母版文本样式</a:t>
             </a:r>
-            <a:endParaRPr lang="zh-CN" altLang="en-US" smtClean="0"/>
           </a:p>
           <a:p>
             <a:pPr lvl="1"/>
@@ -4338,7 +4327,6 @@
               <a:rPr lang="zh-CN" altLang="en-US" smtClean="0"/>
               <a:t>第二级</a:t>
             </a:r>
-            <a:endParaRPr lang="zh-CN" altLang="en-US" smtClean="0"/>
           </a:p>
           <a:p>
             <a:pPr lvl="2"/>
@@ -4346,7 +4334,6 @@
               <a:rPr lang="zh-CN" altLang="en-US" smtClean="0"/>
               <a:t>第三级</a:t>
             </a:r>
-            <a:endParaRPr lang="zh-CN" altLang="en-US" smtClean="0"/>
           </a:p>
           <a:p>
             <a:pPr lvl="3"/>
@@ -4354,7 +4341,6 @@
               <a:rPr lang="zh-CN" altLang="en-US" smtClean="0"/>
               <a:t>第四级</a:t>
             </a:r>
-            <a:endParaRPr lang="zh-CN" altLang="en-US" smtClean="0"/>
           </a:p>
           <a:p>
             <a:pPr lvl="4"/>
@@ -4383,6 +4369,7 @@
           <a:p>
             <a:fld id="{CCE93D33-261F-41EA-AFA7-31BD512684FE}" type="datetimeFigureOut">
               <a:rPr lang="zh-CN" altLang="en-US" smtClean="0"/>
+              <a:t>2018/7/5</a:t>
             </a:fld>
             <a:endParaRPr lang="zh-CN" altLang="en-US"/>
           </a:p>
@@ -4424,6 +4411,7 @@
           <a:p>
             <a:fld id="{D864B330-6AAC-4D3D-B270-2BD0359A3F9F}" type="slidenum">
               <a:rPr lang="zh-CN" altLang="en-US" smtClean="0"/>
+              <a:t>‹#›</a:t>
             </a:fld>
             <a:endParaRPr lang="zh-CN" altLang="en-US"/>
           </a:p>
@@ -4544,7 +4532,6 @@
               <a:rPr lang="zh-CN" altLang="en-US" smtClean="0"/>
               <a:t>单击此处编辑母版文本样式</a:t>
             </a:r>
-            <a:endParaRPr lang="zh-CN" altLang="en-US" smtClean="0"/>
           </a:p>
         </p:txBody>
       </p:sp>
@@ -4573,7 +4560,6 @@
               <a:rPr lang="zh-CN" altLang="en-US" smtClean="0"/>
               <a:t>单击此处编辑母版文本样式</a:t>
             </a:r>
-            <a:endParaRPr lang="zh-CN" altLang="en-US" smtClean="0"/>
           </a:p>
           <a:p>
             <a:pPr lvl="1"/>
@@ -4581,7 +4567,6 @@
               <a:rPr lang="zh-CN" altLang="en-US" smtClean="0"/>
               <a:t>第二级</a:t>
             </a:r>
-            <a:endParaRPr lang="zh-CN" altLang="en-US" smtClean="0"/>
           </a:p>
           <a:p>
             <a:pPr lvl="2"/>
@@ -4589,7 +4574,6 @@
               <a:rPr lang="zh-CN" altLang="en-US" smtClean="0"/>
               <a:t>第三级</a:t>
             </a:r>
-            <a:endParaRPr lang="zh-CN" altLang="en-US" smtClean="0"/>
           </a:p>
           <a:p>
             <a:pPr lvl="3"/>
@@ -4597,7 +4581,6 @@
               <a:rPr lang="zh-CN" altLang="en-US" smtClean="0"/>
               <a:t>第四级</a:t>
             </a:r>
-            <a:endParaRPr lang="zh-CN" altLang="en-US" smtClean="0"/>
           </a:p>
           <a:p>
             <a:pPr lvl="4"/>
@@ -4671,7 +4654,6 @@
               <a:rPr lang="zh-CN" altLang="en-US" smtClean="0"/>
               <a:t>单击此处编辑母版文本样式</a:t>
             </a:r>
-            <a:endParaRPr lang="zh-CN" altLang="en-US" smtClean="0"/>
           </a:p>
         </p:txBody>
       </p:sp>
@@ -4700,7 +4682,6 @@
               <a:rPr lang="zh-CN" altLang="en-US" smtClean="0"/>
               <a:t>单击此处编辑母版文本样式</a:t>
             </a:r>
-            <a:endParaRPr lang="zh-CN" altLang="en-US" smtClean="0"/>
           </a:p>
           <a:p>
             <a:pPr lvl="1"/>
@@ -4708,7 +4689,6 @@
               <a:rPr lang="zh-CN" altLang="en-US" smtClean="0"/>
               <a:t>第二级</a:t>
             </a:r>
-            <a:endParaRPr lang="zh-CN" altLang="en-US" smtClean="0"/>
           </a:p>
           <a:p>
             <a:pPr lvl="2"/>
@@ -4716,7 +4696,6 @@
               <a:rPr lang="zh-CN" altLang="en-US" smtClean="0"/>
               <a:t>第三级</a:t>
             </a:r>
-            <a:endParaRPr lang="zh-CN" altLang="en-US" smtClean="0"/>
           </a:p>
           <a:p>
             <a:pPr lvl="3"/>
@@ -4724,7 +4703,6 @@
               <a:rPr lang="zh-CN" altLang="en-US" smtClean="0"/>
               <a:t>第四级</a:t>
             </a:r>
-            <a:endParaRPr lang="zh-CN" altLang="en-US" smtClean="0"/>
           </a:p>
           <a:p>
             <a:pPr lvl="4"/>
@@ -4753,6 +4731,7 @@
           <a:p>
             <a:fld id="{CCE93D33-261F-41EA-AFA7-31BD512684FE}" type="datetimeFigureOut">
               <a:rPr lang="zh-CN" altLang="en-US" smtClean="0"/>
+              <a:t>2018/7/5</a:t>
             </a:fld>
             <a:endParaRPr lang="zh-CN" altLang="en-US"/>
           </a:p>
@@ -4794,6 +4773,7 @@
           <a:p>
             <a:fld id="{D864B330-6AAC-4D3D-B270-2BD0359A3F9F}" type="slidenum">
               <a:rPr lang="zh-CN" altLang="en-US" smtClean="0"/>
+              <a:t>‹#›</a:t>
             </a:fld>
             <a:endParaRPr lang="zh-CN" altLang="en-US"/>
           </a:p>
@@ -4864,6 +4844,7 @@
           <a:p>
             <a:fld id="{CCE93D33-261F-41EA-AFA7-31BD512684FE}" type="datetimeFigureOut">
               <a:rPr lang="zh-CN" altLang="en-US" smtClean="0"/>
+              <a:t>2018/7/5</a:t>
             </a:fld>
             <a:endParaRPr lang="zh-CN" altLang="en-US"/>
           </a:p>
@@ -4905,6 +4886,7 @@
           <a:p>
             <a:fld id="{D864B330-6AAC-4D3D-B270-2BD0359A3F9F}" type="slidenum">
               <a:rPr lang="zh-CN" altLang="en-US" smtClean="0"/>
+              <a:t>‹#›</a:t>
             </a:fld>
             <a:endParaRPr lang="zh-CN" altLang="en-US"/>
           </a:p>
@@ -4952,6 +4934,7 @@
           <a:p>
             <a:fld id="{CCE93D33-261F-41EA-AFA7-31BD512684FE}" type="datetimeFigureOut">
               <a:rPr lang="zh-CN" altLang="en-US" smtClean="0"/>
+              <a:t>2018/7/5</a:t>
             </a:fld>
             <a:endParaRPr lang="zh-CN" altLang="en-US"/>
           </a:p>
@@ -4993,6 +4976,7 @@
           <a:p>
             <a:fld id="{D864B330-6AAC-4D3D-B270-2BD0359A3F9F}" type="slidenum">
               <a:rPr lang="zh-CN" altLang="en-US" smtClean="0"/>
+              <a:t>‹#›</a:t>
             </a:fld>
             <a:endParaRPr lang="zh-CN" altLang="en-US"/>
           </a:p>
@@ -5108,7 +5092,6 @@
               <a:rPr lang="zh-CN" altLang="en-US" smtClean="0"/>
               <a:t>单击此处编辑母版文本样式</a:t>
             </a:r>
-            <a:endParaRPr lang="zh-CN" altLang="en-US" smtClean="0"/>
           </a:p>
           <a:p>
             <a:pPr lvl="1"/>
@@ -5116,7 +5099,6 @@
               <a:rPr lang="zh-CN" altLang="en-US" smtClean="0"/>
               <a:t>第二级</a:t>
             </a:r>
-            <a:endParaRPr lang="zh-CN" altLang="en-US" smtClean="0"/>
           </a:p>
           <a:p>
             <a:pPr lvl="2"/>
@@ -5124,7 +5106,6 @@
               <a:rPr lang="zh-CN" altLang="en-US" smtClean="0"/>
               <a:t>第三级</a:t>
             </a:r>
-            <a:endParaRPr lang="zh-CN" altLang="en-US" smtClean="0"/>
           </a:p>
           <a:p>
             <a:pPr lvl="3"/>
@@ -5132,7 +5113,6 @@
               <a:rPr lang="zh-CN" altLang="en-US" smtClean="0"/>
               <a:t>第四级</a:t>
             </a:r>
-            <a:endParaRPr lang="zh-CN" altLang="en-US" smtClean="0"/>
           </a:p>
           <a:p>
             <a:pPr lvl="4"/>
@@ -5206,7 +5186,6 @@
               <a:rPr lang="zh-CN" altLang="en-US" smtClean="0"/>
               <a:t>单击此处编辑母版文本样式</a:t>
             </a:r>
-            <a:endParaRPr lang="zh-CN" altLang="en-US" smtClean="0"/>
           </a:p>
         </p:txBody>
       </p:sp>
@@ -5227,6 +5206,7 @@
           <a:p>
             <a:fld id="{CCE93D33-261F-41EA-AFA7-31BD512684FE}" type="datetimeFigureOut">
               <a:rPr lang="zh-CN" altLang="en-US" smtClean="0"/>
+              <a:t>2018/7/5</a:t>
             </a:fld>
             <a:endParaRPr lang="zh-CN" altLang="en-US"/>
           </a:p>
@@ -5268,6 +5248,7 @@
           <a:p>
             <a:fld id="{D864B330-6AAC-4D3D-B270-2BD0359A3F9F}" type="slidenum">
               <a:rPr lang="zh-CN" altLang="en-US" smtClean="0"/>
+              <a:t>‹#›</a:t>
             </a:fld>
             <a:endParaRPr lang="zh-CN" altLang="en-US"/>
           </a:p>
@@ -5453,7 +5434,6 @@
               <a:rPr lang="zh-CN" altLang="en-US" smtClean="0"/>
               <a:t>单击此处编辑母版文本样式</a:t>
             </a:r>
-            <a:endParaRPr lang="zh-CN" altLang="en-US" smtClean="0"/>
           </a:p>
         </p:txBody>
       </p:sp>
@@ -5474,6 +5454,7 @@
           <a:p>
             <a:fld id="{CCE93D33-261F-41EA-AFA7-31BD512684FE}" type="datetimeFigureOut">
               <a:rPr lang="zh-CN" altLang="en-US" smtClean="0"/>
+              <a:t>2018/7/5</a:t>
             </a:fld>
             <a:endParaRPr lang="zh-CN" altLang="en-US"/>
           </a:p>
@@ -5515,6 +5496,7 @@
           <a:p>
             <a:fld id="{D864B330-6AAC-4D3D-B270-2BD0359A3F9F}" type="slidenum">
               <a:rPr lang="zh-CN" altLang="en-US" smtClean="0"/>
+              <a:t>‹#›</a:t>
             </a:fld>
             <a:endParaRPr lang="zh-CN" altLang="en-US"/>
           </a:p>
@@ -5618,7 +5600,6 @@
               <a:rPr lang="zh-CN" altLang="en-US" smtClean="0"/>
               <a:t>单击此处编辑母版文本样式</a:t>
             </a:r>
-            <a:endParaRPr lang="zh-CN" altLang="en-US" smtClean="0"/>
           </a:p>
           <a:p>
             <a:pPr lvl="1"/>
@@ -5626,7 +5607,6 @@
               <a:rPr lang="zh-CN" altLang="en-US" smtClean="0"/>
               <a:t>第二级</a:t>
             </a:r>
-            <a:endParaRPr lang="zh-CN" altLang="en-US" smtClean="0"/>
           </a:p>
           <a:p>
             <a:pPr lvl="2"/>
@@ -5634,7 +5614,6 @@
               <a:rPr lang="zh-CN" altLang="en-US" smtClean="0"/>
               <a:t>第三级</a:t>
             </a:r>
-            <a:endParaRPr lang="zh-CN" altLang="en-US" smtClean="0"/>
           </a:p>
           <a:p>
             <a:pPr lvl="3"/>
@@ -5642,7 +5621,6 @@
               <a:rPr lang="zh-CN" altLang="en-US" smtClean="0"/>
               <a:t>第四级</a:t>
             </a:r>
-            <a:endParaRPr lang="zh-CN" altLang="en-US" smtClean="0"/>
           </a:p>
           <a:p>
             <a:pPr lvl="4"/>
@@ -5689,6 +5667,7 @@
           <a:p>
             <a:fld id="{CCE93D33-261F-41EA-AFA7-31BD512684FE}" type="datetimeFigureOut">
               <a:rPr lang="zh-CN" altLang="en-US" smtClean="0"/>
+              <a:t>2018/7/5</a:t>
             </a:fld>
             <a:endParaRPr lang="zh-CN" altLang="en-US"/>
           </a:p>
@@ -5766,6 +5745,7 @@
           <a:p>
             <a:fld id="{D864B330-6AAC-4D3D-B270-2BD0359A3F9F}" type="slidenum">
               <a:rPr lang="zh-CN" altLang="en-US" smtClean="0"/>
+              <a:t>‹#›</a:t>
             </a:fld>
             <a:endParaRPr lang="zh-CN" altLang="en-US"/>
           </a:p>
@@ -6160,7 +6140,6 @@
               <a:rPr lang="zh-CN" altLang="en-US" smtClean="0"/>
               <a:t>单击此处编辑母版文本样式</a:t>
             </a:r>
-            <a:endParaRPr lang="zh-CN" altLang="en-US" smtClean="0"/>
           </a:p>
           <a:p>
             <a:pPr lvl="1"/>
@@ -6168,7 +6147,6 @@
               <a:rPr lang="zh-CN" altLang="en-US" smtClean="0"/>
               <a:t>第二级</a:t>
             </a:r>
-            <a:endParaRPr lang="zh-CN" altLang="en-US" smtClean="0"/>
           </a:p>
           <a:p>
             <a:pPr lvl="2"/>
@@ -6176,7 +6154,6 @@
               <a:rPr lang="zh-CN" altLang="en-US" smtClean="0"/>
               <a:t>第三级</a:t>
             </a:r>
-            <a:endParaRPr lang="zh-CN" altLang="en-US" smtClean="0"/>
           </a:p>
           <a:p>
             <a:pPr lvl="3"/>
@@ -6184,7 +6161,6 @@
               <a:rPr lang="zh-CN" altLang="en-US" smtClean="0"/>
               <a:t>第四级</a:t>
             </a:r>
-            <a:endParaRPr lang="zh-CN" altLang="en-US" smtClean="0"/>
           </a:p>
           <a:p>
             <a:pPr lvl="4"/>
@@ -6237,6 +6213,7 @@
                   </a:srgbClr>
                 </a:solidFill>
               </a:rPr>
+              <a:t>2018/7/5</a:t>
             </a:fld>
             <a:endParaRPr lang="zh-CN" altLang="en-US">
               <a:solidFill>
@@ -6332,6 +6309,7 @@
                   </a:srgbClr>
                 </a:solidFill>
               </a:rPr>
+              <a:t>‹#›</a:t>
             </a:fld>
             <a:endParaRPr lang="zh-CN" altLang="en-US">
               <a:solidFill>
@@ -8408,13 +8386,13 @@
   <p:clrMapOvr>
     <a:masterClrMapping/>
   </p:clrMapOvr>
-  <mc:AlternateContent xmlns:mc="http://schemas.openxmlformats.org/markup-compatibility/2006">
-    <mc:Choice xmlns:p14="http://schemas.microsoft.com/office/powerpoint/2010/main" Requires="p14">
+  <mc:AlternateContent xmlns:mc="http://schemas.openxmlformats.org/markup-compatibility/2006" xmlns:p14="http://schemas.microsoft.com/office/powerpoint/2010/main">
+    <mc:Choice Requires="p14">
       <p:transition p14:dur="100">
         <p:cut/>
       </p:transition>
     </mc:Choice>
-    <mc:Fallback>
+    <mc:Fallback xmlns="">
       <p:transition>
         <p:cut/>
       </p:transition>
@@ -8566,7 +8544,7 @@
           <p:nvPr/>
         </p:nvPicPr>
         <p:blipFill>
-          <a:blip r:embed="rId1">
+          <a:blip r:embed="rId2">
             <a:extLst>
               <a:ext uri="{28A0092B-C50C-407E-A947-70E740481C1C}">
                 <a14:useLocalDpi xmlns:a14="http://schemas.microsoft.com/office/drawing/2010/main" val="0"/>
@@ -8630,7 +8608,7 @@
           <p:nvPr/>
         </p:nvPicPr>
         <p:blipFill>
-          <a:blip r:embed="rId2">
+          <a:blip r:embed="rId3">
             <a:extLst>
               <a:ext uri="{28A0092B-C50C-407E-A947-70E740481C1C}">
                 <a14:useLocalDpi xmlns:a14="http://schemas.microsoft.com/office/drawing/2010/main" val="0"/>
@@ -8690,13 +8668,13 @@
   <p:clrMapOvr>
     <a:masterClrMapping/>
   </p:clrMapOvr>
-  <mc:AlternateContent xmlns:mc="http://schemas.openxmlformats.org/markup-compatibility/2006">
-    <mc:Choice xmlns:p14="http://schemas.microsoft.com/office/powerpoint/2010/main" Requires="p14">
+  <mc:AlternateContent xmlns:mc="http://schemas.openxmlformats.org/markup-compatibility/2006" xmlns:p14="http://schemas.microsoft.com/office/powerpoint/2010/main">
+    <mc:Choice Requires="p14">
       <p:transition p14:dur="100">
         <p:cut/>
       </p:transition>
     </mc:Choice>
-    <mc:Fallback>
+    <mc:Fallback xmlns="">
       <p:transition>
         <p:cut/>
       </p:transition>
@@ -8832,7 +8810,7 @@
           <p:nvPr/>
         </p:nvPicPr>
         <p:blipFill>
-          <a:blip r:embed="rId1">
+          <a:blip r:embed="rId2">
             <a:extLst>
               <a:ext uri="{28A0092B-C50C-407E-A947-70E740481C1C}">
                 <a14:useLocalDpi xmlns:a14="http://schemas.microsoft.com/office/drawing/2010/main" val="0"/>
@@ -8896,7 +8874,7 @@
           <p:nvPr/>
         </p:nvPicPr>
         <p:blipFill>
-          <a:blip r:embed="rId2">
+          <a:blip r:embed="rId3">
             <a:extLst>
               <a:ext uri="{28A0092B-C50C-407E-A947-70E740481C1C}">
                 <a14:useLocalDpi xmlns:a14="http://schemas.microsoft.com/office/drawing/2010/main" val="0"/>
@@ -8956,13 +8934,13 @@
   <p:clrMapOvr>
     <a:masterClrMapping/>
   </p:clrMapOvr>
-  <mc:AlternateContent xmlns:mc="http://schemas.openxmlformats.org/markup-compatibility/2006">
-    <mc:Choice xmlns:p14="http://schemas.microsoft.com/office/powerpoint/2010/main" Requires="p14">
+  <mc:AlternateContent xmlns:mc="http://schemas.openxmlformats.org/markup-compatibility/2006" xmlns:p14="http://schemas.microsoft.com/office/powerpoint/2010/main">
+    <mc:Choice Requires="p14">
       <p:transition p14:dur="100">
         <p:cut/>
       </p:transition>
     </mc:Choice>
-    <mc:Fallback>
+    <mc:Fallback xmlns="">
       <p:transition>
         <p:cut/>
       </p:transition>
@@ -9112,7 +9090,7 @@
           <p:nvPr/>
         </p:nvPicPr>
         <p:blipFill>
-          <a:blip r:embed="rId1"/>
+          <a:blip r:embed="rId2"/>
           <a:stretch>
             <a:fillRect/>
           </a:stretch>
@@ -9134,7 +9112,7 @@
           <p:nvPr/>
         </p:nvPicPr>
         <p:blipFill>
-          <a:blip r:embed="rId2"/>
+          <a:blip r:embed="rId3"/>
           <a:stretch>
             <a:fillRect/>
           </a:stretch>
@@ -9156,7 +9134,7 @@
           <p:nvPr/>
         </p:nvPicPr>
         <p:blipFill>
-          <a:blip r:embed="rId3">
+          <a:blip r:embed="rId4">
             <a:extLst>
               <a:ext uri="{28A0092B-C50C-407E-A947-70E740481C1C}">
                 <a14:useLocalDpi xmlns:a14="http://schemas.microsoft.com/office/drawing/2010/main" val="0"/>
@@ -9189,7 +9167,7 @@
           <p:nvPr/>
         </p:nvPicPr>
         <p:blipFill>
-          <a:blip r:embed="rId4">
+          <a:blip r:embed="rId5">
             <a:extLst>
               <a:ext uri="{28A0092B-C50C-407E-A947-70E740481C1C}">
                 <a14:useLocalDpi xmlns:a14="http://schemas.microsoft.com/office/drawing/2010/main" val="0"/>
@@ -9222,7 +9200,7 @@
           <p:nvPr/>
         </p:nvPicPr>
         <p:blipFill>
-          <a:blip r:embed="rId5"/>
+          <a:blip r:embed="rId6"/>
           <a:stretch>
             <a:fillRect/>
           </a:stretch>
@@ -9244,7 +9222,7 @@
           <p:nvPr/>
         </p:nvPicPr>
         <p:blipFill>
-          <a:blip r:embed="rId6"/>
+          <a:blip r:embed="rId7"/>
           <a:stretch>
             <a:fillRect/>
           </a:stretch>
@@ -9264,13 +9242,13 @@
   <p:clrMapOvr>
     <a:masterClrMapping/>
   </p:clrMapOvr>
-  <mc:AlternateContent xmlns:mc="http://schemas.openxmlformats.org/markup-compatibility/2006">
-    <mc:Choice xmlns:p14="http://schemas.microsoft.com/office/powerpoint/2010/main" Requires="p14">
+  <mc:AlternateContent xmlns:mc="http://schemas.openxmlformats.org/markup-compatibility/2006" xmlns:p14="http://schemas.microsoft.com/office/powerpoint/2010/main">
+    <mc:Choice Requires="p14">
       <p:transition p14:dur="100">
         <p:cut/>
       </p:transition>
     </mc:Choice>
-    <mc:Fallback>
+    <mc:Fallback xmlns="">
       <p:transition>
         <p:cut/>
       </p:transition>
@@ -9975,7 +9953,7 @@
           <p:nvPr/>
         </p:nvPicPr>
         <p:blipFill>
-          <a:blip r:embed="rId1">
+          <a:blip r:embed="rId2">
             <a:extLst>
               <a:ext uri="{28A0092B-C50C-407E-A947-70E740481C1C}">
                 <a14:useLocalDpi xmlns:a14="http://schemas.microsoft.com/office/drawing/2010/main" val="0"/>
@@ -10001,13 +9979,13 @@
   <p:clrMapOvr>
     <a:masterClrMapping/>
   </p:clrMapOvr>
-  <mc:AlternateContent xmlns:mc="http://schemas.openxmlformats.org/markup-compatibility/2006">
-    <mc:Choice xmlns:p14="http://schemas.microsoft.com/office/powerpoint/2010/main" Requires="p14">
+  <mc:AlternateContent xmlns:mc="http://schemas.openxmlformats.org/markup-compatibility/2006" xmlns:p14="http://schemas.microsoft.com/office/powerpoint/2010/main">
+    <mc:Choice Requires="p14">
       <p:transition p14:dur="100">
         <p:cut/>
       </p:transition>
     </mc:Choice>
-    <mc:Fallback>
+    <mc:Fallback xmlns="">
       <p:transition>
         <p:cut/>
       </p:transition>
@@ -10143,7 +10121,7 @@
           <p:nvPr/>
         </p:nvPicPr>
         <p:blipFill>
-          <a:blip r:embed="rId1">
+          <a:blip r:embed="rId2">
             <a:extLst>
               <a:ext uri="{28A0092B-C50C-407E-A947-70E740481C1C}">
                 <a14:useLocalDpi xmlns:a14="http://schemas.microsoft.com/office/drawing/2010/main" val="0"/>
@@ -10203,13 +10181,13 @@
   <p:clrMapOvr>
     <a:masterClrMapping/>
   </p:clrMapOvr>
-  <mc:AlternateContent xmlns:mc="http://schemas.openxmlformats.org/markup-compatibility/2006">
-    <mc:Choice xmlns:p14="http://schemas.microsoft.com/office/powerpoint/2010/main" Requires="p14">
+  <mc:AlternateContent xmlns:mc="http://schemas.openxmlformats.org/markup-compatibility/2006" xmlns:p14="http://schemas.microsoft.com/office/powerpoint/2010/main">
+    <mc:Choice Requires="p14">
       <p:transition p14:dur="100">
         <p:cut/>
       </p:transition>
     </mc:Choice>
-    <mc:Fallback>
+    <mc:Fallback xmlns="">
       <p:transition>
         <p:cut/>
       </p:transition>
@@ -10471,7 +10449,6 @@
               <a:rPr lang="zh-CN" altLang="zh-CN" dirty="0"/>
               <a:t>重定向到‘用户未登录’页面</a:t>
             </a:r>
-            <a:endParaRPr lang="zh-CN" altLang="zh-CN" dirty="0"/>
           </a:p>
           <a:p>
             <a:r>
@@ -10513,7 +10490,6 @@
               <a:rPr lang="zh-CN" altLang="zh-CN" dirty="0"/>
               <a:t>生成的表单</a:t>
             </a:r>
-            <a:endParaRPr lang="zh-CN" altLang="zh-CN" dirty="0"/>
           </a:p>
           <a:p>
             <a:r>
@@ -10563,7 +10539,6 @@
               <a:rPr lang="zh-CN" altLang="zh-CN" dirty="0"/>
               <a:t>模型</a:t>
             </a:r>
-            <a:endParaRPr lang="zh-CN" altLang="zh-CN" dirty="0"/>
           </a:p>
           <a:p>
             <a:r>
@@ -10702,7 +10677,6 @@
               <a:rPr lang="zh-CN" altLang="zh-CN" dirty="0"/>
               <a:t>出现“相应积分：”提示信息</a:t>
             </a:r>
-            <a:endParaRPr lang="zh-CN" altLang="zh-CN" dirty="0"/>
           </a:p>
           <a:p>
             <a:r>
@@ -10735,7 +10709,6 @@
               <a:rPr lang="zh-CN" altLang="zh-CN" dirty="0"/>
               <a:t>返回‘查看界面’并显示含有该用户积分排行榜</a:t>
             </a:r>
-            <a:endParaRPr lang="zh-CN" altLang="zh-CN" dirty="0"/>
           </a:p>
           <a:p>
             <a:r>
@@ -10754,13 +10727,13 @@
   <p:clrMapOvr>
     <a:masterClrMapping/>
   </p:clrMapOvr>
-  <mc:AlternateContent xmlns:mc="http://schemas.openxmlformats.org/markup-compatibility/2006">
-    <mc:Choice xmlns:p14="http://schemas.microsoft.com/office/powerpoint/2010/main" Requires="p14">
+  <mc:AlternateContent xmlns:mc="http://schemas.openxmlformats.org/markup-compatibility/2006" xmlns:p14="http://schemas.microsoft.com/office/powerpoint/2010/main">
+    <mc:Choice Requires="p14">
       <p:transition p14:dur="100">
         <p:cut/>
       </p:transition>
     </mc:Choice>
-    <mc:Fallback>
+    <mc:Fallback xmlns="">
       <p:transition>
         <p:cut/>
       </p:transition>
@@ -10986,7 +10959,6 @@
               <a:rPr lang="en-US" altLang="zh-CN" sz="1600" dirty="0"/>
               <a:t>&gt; is</a:t>
             </a:r>
-            <a:endParaRPr lang="en-US" altLang="zh-CN" sz="1600" dirty="0"/>
           </a:p>
           <a:p>
             <a:pPr>
@@ -10998,7 +10970,6 @@
               <a:rPr lang="en-US" altLang="zh-CN" sz="1600" dirty="0"/>
               <a:t>begin</a:t>
             </a:r>
-            <a:endParaRPr lang="en-US" altLang="zh-CN" sz="1600" dirty="0"/>
           </a:p>
           <a:p>
             <a:pPr>
@@ -11034,7 +11005,6 @@
               <a:rPr lang="en-US" altLang="zh-CN" sz="1600" dirty="0"/>
               <a:t>&gt; then</a:t>
             </a:r>
-            <a:endParaRPr lang="en-US" altLang="zh-CN" sz="1600" dirty="0"/>
           </a:p>
           <a:p>
             <a:pPr>
@@ -11050,7 +11020,6 @@
               <a:rPr lang="zh-CN" altLang="en-US" sz="1600" dirty="0"/>
               <a:t>重定向到‘非法操作’页面</a:t>
             </a:r>
-            <a:endParaRPr lang="zh-CN" altLang="en-US" sz="1600" dirty="0"/>
           </a:p>
           <a:p>
             <a:pPr>
@@ -11082,7 +11051,6 @@
               <a:rPr lang="en-US" altLang="zh-CN" sz="1600" dirty="0"/>
               <a:t>&gt; then</a:t>
             </a:r>
-            <a:endParaRPr lang="en-US" altLang="zh-CN" sz="1600" dirty="0"/>
           </a:p>
           <a:p>
             <a:pPr>
@@ -11098,7 +11066,6 @@
               <a:rPr lang="zh-CN" altLang="en-US" sz="1600" dirty="0"/>
               <a:t>异常</a:t>
             </a:r>
-            <a:endParaRPr lang="zh-CN" altLang="en-US" sz="1600" dirty="0"/>
           </a:p>
           <a:p>
             <a:pPr>
@@ -11126,7 +11093,6 @@
               <a:rPr lang="zh-CN" altLang="en-US" sz="1600" dirty="0"/>
               <a:t>请求</a:t>
             </a:r>
-            <a:endParaRPr lang="zh-CN" altLang="en-US" sz="1600" dirty="0"/>
           </a:p>
           <a:p>
             <a:pPr>
@@ -11150,7 +11116,6 @@
               <a:rPr lang="en-US" altLang="zh-CN" sz="1600" dirty="0"/>
               <a:t>&gt; then</a:t>
             </a:r>
-            <a:endParaRPr lang="en-US" altLang="zh-CN" sz="1600" dirty="0"/>
           </a:p>
           <a:p>
             <a:pPr>
@@ -11166,7 +11131,6 @@
               <a:rPr lang="zh-CN" altLang="en-US" sz="1600" dirty="0"/>
               <a:t>返回用户未找到出错页面</a:t>
             </a:r>
-            <a:endParaRPr lang="zh-CN" altLang="en-US" sz="1600" dirty="0"/>
           </a:p>
           <a:p>
             <a:pPr>
@@ -11190,7 +11154,6 @@
               <a:rPr lang="en-US" altLang="zh-CN" sz="1600" dirty="0"/>
               <a:t>&gt;</a:t>
             </a:r>
-            <a:endParaRPr lang="en-US" altLang="zh-CN" sz="1600" dirty="0"/>
           </a:p>
           <a:p>
             <a:pPr>
@@ -11222,7 +11185,6 @@
               <a:rPr lang="zh-CN" altLang="en-US" sz="1600" dirty="0"/>
               <a:t>等等准备发送至微信服务接口</a:t>
             </a:r>
-            <a:endParaRPr lang="zh-CN" altLang="en-US" sz="1600" dirty="0"/>
           </a:p>
           <a:p>
             <a:pPr>
@@ -11238,7 +11200,6 @@
               <a:rPr lang="en-US" altLang="zh-CN" sz="1600" dirty="0"/>
               <a:t>end</a:t>
             </a:r>
-            <a:endParaRPr lang="en-US" altLang="zh-CN" sz="1600" dirty="0"/>
           </a:p>
           <a:p>
             <a:pPr>
@@ -11254,7 +11215,6 @@
               <a:rPr lang="zh-CN" altLang="en-US" sz="1600" dirty="0"/>
               <a:t>微信服务接口接收信息成功，产生相应反馈</a:t>
             </a:r>
-            <a:endParaRPr lang="zh-CN" altLang="en-US" sz="1600" dirty="0"/>
           </a:p>
           <a:p>
             <a:pPr>
@@ -11266,7 +11226,6 @@
               <a:rPr lang="zh-CN" altLang="en-US" sz="1600" dirty="0"/>
               <a:t>用户登录成功</a:t>
             </a:r>
-            <a:endParaRPr lang="zh-CN" altLang="en-US" sz="1600" dirty="0"/>
           </a:p>
           <a:p>
             <a:pPr>
@@ -11278,7 +11237,6 @@
               <a:rPr lang="en-US" altLang="zh-CN" sz="1600" dirty="0"/>
               <a:t>end</a:t>
             </a:r>
-            <a:endParaRPr lang="en-US" altLang="zh-CN" sz="1600" dirty="0"/>
           </a:p>
           <a:p>
             <a:endParaRPr lang="zh-CN" altLang="en-US" dirty="0"/>
@@ -11290,13 +11248,13 @@
   <p:clrMapOvr>
     <a:masterClrMapping/>
   </p:clrMapOvr>
-  <mc:AlternateContent xmlns:mc="http://schemas.openxmlformats.org/markup-compatibility/2006">
-    <mc:Choice xmlns:p14="http://schemas.microsoft.com/office/powerpoint/2010/main" Requires="p14">
+  <mc:AlternateContent xmlns:mc="http://schemas.openxmlformats.org/markup-compatibility/2006" xmlns:p14="http://schemas.microsoft.com/office/powerpoint/2010/main">
+    <mc:Choice Requires="p14">
       <p:transition p14:dur="100">
         <p:cut/>
       </p:transition>
     </mc:Choice>
-    <mc:Fallback>
+    <mc:Fallback xmlns="">
       <p:transition>
         <p:cut/>
       </p:transition>
@@ -11514,7 +11472,6 @@
               <a:rPr lang="en-US" altLang="zh-CN" sz="1400" dirty="0" smtClean="0"/>
               <a:t>&gt; is</a:t>
             </a:r>
-            <a:endParaRPr lang="en-US" altLang="zh-CN" sz="1400" dirty="0" smtClean="0"/>
           </a:p>
           <a:p>
             <a:pPr>
@@ -11562,7 +11519,6 @@
               <a:rPr lang="en-US" altLang="zh-CN" sz="1400" dirty="0"/>
               <a:t>&gt; then</a:t>
             </a:r>
-            <a:endParaRPr lang="en-US" altLang="zh-CN" sz="1400" dirty="0"/>
           </a:p>
           <a:p>
             <a:pPr>
@@ -11578,7 +11534,6 @@
               <a:rPr lang="zh-CN" altLang="en-US" sz="1400" dirty="0"/>
               <a:t>重定向到‘用户未登录’页面</a:t>
             </a:r>
-            <a:endParaRPr lang="zh-CN" altLang="en-US" sz="1400" dirty="0"/>
           </a:p>
           <a:p>
             <a:pPr>
@@ -11610,7 +11565,6 @@
               <a:rPr lang="en-US" altLang="zh-CN" sz="1400" dirty="0"/>
               <a:t>&gt; then</a:t>
             </a:r>
-            <a:endParaRPr lang="en-US" altLang="zh-CN" sz="1400" dirty="0"/>
           </a:p>
           <a:p>
             <a:pPr>
@@ -11634,7 +11588,6 @@
               <a:rPr lang="zh-CN" altLang="en-US" sz="1400" dirty="0"/>
               <a:t>生成的表单</a:t>
             </a:r>
-            <a:endParaRPr lang="zh-CN" altLang="en-US" sz="1400" dirty="0"/>
           </a:p>
           <a:p>
             <a:pPr>
@@ -11658,7 +11611,6 @@
               <a:rPr lang="en-US" altLang="zh-CN" sz="1400" dirty="0"/>
               <a:t>&gt; then</a:t>
             </a:r>
-            <a:endParaRPr lang="en-US" altLang="zh-CN" sz="1400" dirty="0"/>
           </a:p>
           <a:p>
             <a:pPr>
@@ -11698,7 +11650,6 @@
               <a:rPr lang="zh-CN" altLang="en-US" sz="1400" dirty="0"/>
               <a:t>模型</a:t>
             </a:r>
-            <a:endParaRPr lang="zh-CN" altLang="en-US" sz="1400" dirty="0"/>
           </a:p>
           <a:p>
             <a:pPr>
@@ -11738,7 +11689,6 @@
               <a:rPr lang="en-US" altLang="zh-CN" sz="1400" dirty="0"/>
               <a:t>id</a:t>
             </a:r>
-            <a:endParaRPr lang="en-US" altLang="zh-CN" sz="1400" dirty="0"/>
           </a:p>
           <a:p>
             <a:pPr>
@@ -11782,7 +11732,6 @@
               <a:rPr lang="en-US" altLang="zh-CN" sz="1400" dirty="0"/>
               <a:t>subject</a:t>
             </a:r>
-            <a:endParaRPr lang="en-US" altLang="zh-CN" sz="1400" dirty="0"/>
           </a:p>
           <a:p>
             <a:pPr>
@@ -11826,7 +11775,6 @@
               <a:rPr lang="en-US" altLang="zh-CN" sz="1400" dirty="0"/>
               <a:t>score</a:t>
             </a:r>
-            <a:endParaRPr lang="en-US" altLang="zh-CN" sz="1400" dirty="0"/>
           </a:p>
           <a:p>
             <a:pPr>
@@ -11850,7 +11798,6 @@
               <a:rPr lang="zh-CN" altLang="en-US" sz="1400" dirty="0"/>
               <a:t>并上传至游戏前端			</a:t>
             </a:r>
-            <a:endParaRPr lang="zh-CN" altLang="en-US" sz="1400" dirty="0"/>
           </a:p>
           <a:p>
             <a:pPr>
@@ -11862,7 +11809,6 @@
               <a:rPr lang="zh-CN" altLang="en-US" sz="1400" dirty="0"/>
               <a:t>出现“相应积分：”提示信息</a:t>
             </a:r>
-            <a:endParaRPr lang="zh-CN" altLang="en-US" sz="1400" dirty="0"/>
           </a:p>
           <a:p>
             <a:pPr>
@@ -11878,7 +11824,6 @@
               <a:rPr lang="en-US" altLang="zh-CN" sz="1400" dirty="0"/>
               <a:t>else</a:t>
             </a:r>
-            <a:endParaRPr lang="en-US" altLang="zh-CN" sz="1400" dirty="0"/>
           </a:p>
           <a:p>
             <a:pPr>
@@ -11914,7 +11859,6 @@
               <a:rPr lang="zh-CN" altLang="en-US" sz="1400" dirty="0"/>
               <a:t>返回‘主界面’并显示该用户当前积分</a:t>
             </a:r>
-            <a:endParaRPr lang="zh-CN" altLang="en-US" sz="1400" dirty="0"/>
           </a:p>
           <a:p>
             <a:pPr>
@@ -11926,7 +11870,6 @@
               <a:rPr lang="en-US" altLang="zh-CN" sz="1400" dirty="0"/>
               <a:t>end</a:t>
             </a:r>
-            <a:endParaRPr lang="en-US" altLang="zh-CN" sz="1400" dirty="0"/>
           </a:p>
           <a:p>
             <a:endParaRPr lang="zh-CN" altLang="en-US" dirty="0"/>
@@ -11938,13 +11881,13 @@
   <p:clrMapOvr>
     <a:masterClrMapping/>
   </p:clrMapOvr>
-  <mc:AlternateContent xmlns:mc="http://schemas.openxmlformats.org/markup-compatibility/2006">
-    <mc:Choice xmlns:p14="http://schemas.microsoft.com/office/powerpoint/2010/main" Requires="p14">
+  <mc:AlternateContent xmlns:mc="http://schemas.openxmlformats.org/markup-compatibility/2006" xmlns:p14="http://schemas.microsoft.com/office/powerpoint/2010/main">
+    <mc:Choice Requires="p14">
       <p:transition p14:dur="100">
         <p:cut/>
       </p:transition>
     </mc:Choice>
-    <mc:Fallback>
+    <mc:Fallback xmlns="">
       <p:transition>
         <p:cut/>
       </p:transition>
@@ -12170,7 +12113,6 @@
               <a:rPr lang="en-US" altLang="zh-CN" sz="1600" dirty="0"/>
               <a:t>&gt; is</a:t>
             </a:r>
-            <a:endParaRPr lang="en-US" altLang="zh-CN" sz="1600" dirty="0"/>
           </a:p>
           <a:p>
             <a:pPr>
@@ -12182,7 +12124,6 @@
               <a:rPr lang="en-US" altLang="zh-CN" sz="1600" dirty="0"/>
               <a:t>begin</a:t>
             </a:r>
-            <a:endParaRPr lang="en-US" altLang="zh-CN" sz="1600" dirty="0"/>
           </a:p>
           <a:p>
             <a:pPr>
@@ -12218,7 +12159,6 @@
               <a:rPr lang="en-US" altLang="zh-CN" sz="1600" dirty="0"/>
               <a:t>&gt; then</a:t>
             </a:r>
-            <a:endParaRPr lang="en-US" altLang="zh-CN" sz="1600" dirty="0"/>
           </a:p>
           <a:p>
             <a:pPr>
@@ -12234,7 +12174,6 @@
               <a:rPr lang="zh-CN" altLang="en-US" sz="1600" dirty="0"/>
               <a:t>重定向到‘非法操作’页面</a:t>
             </a:r>
-            <a:endParaRPr lang="zh-CN" altLang="en-US" sz="1600" dirty="0"/>
           </a:p>
           <a:p>
             <a:pPr>
@@ -12266,7 +12205,6 @@
               <a:rPr lang="en-US" altLang="zh-CN" sz="1600" dirty="0"/>
               <a:t>&gt; then</a:t>
             </a:r>
-            <a:endParaRPr lang="en-US" altLang="zh-CN" sz="1600" dirty="0"/>
           </a:p>
           <a:p>
             <a:pPr>
@@ -12282,7 +12220,6 @@
               <a:rPr lang="zh-CN" altLang="en-US" sz="1600" dirty="0"/>
               <a:t>异常</a:t>
             </a:r>
-            <a:endParaRPr lang="zh-CN" altLang="en-US" sz="1600" dirty="0"/>
           </a:p>
           <a:p>
             <a:pPr>
@@ -12310,7 +12247,6 @@
               <a:rPr lang="zh-CN" altLang="en-US" sz="1600" dirty="0"/>
               <a:t>请求</a:t>
             </a:r>
-            <a:endParaRPr lang="zh-CN" altLang="en-US" sz="1600" dirty="0"/>
           </a:p>
           <a:p>
             <a:pPr>
@@ -12334,7 +12270,6 @@
               <a:rPr lang="en-US" altLang="zh-CN" sz="1600" dirty="0"/>
               <a:t>&gt; then</a:t>
             </a:r>
-            <a:endParaRPr lang="en-US" altLang="zh-CN" sz="1600" dirty="0"/>
           </a:p>
           <a:p>
             <a:pPr>
@@ -12350,7 +12285,6 @@
               <a:rPr lang="zh-CN" altLang="en-US" sz="1600" dirty="0"/>
               <a:t>返回用户信息未找到出错页面</a:t>
             </a:r>
-            <a:endParaRPr lang="zh-CN" altLang="en-US" sz="1600" dirty="0"/>
           </a:p>
           <a:p>
             <a:pPr>
@@ -12374,7 +12308,6 @@
               <a:rPr lang="en-US" altLang="zh-CN" sz="1600" dirty="0"/>
               <a:t>&gt;</a:t>
             </a:r>
-            <a:endParaRPr lang="en-US" altLang="zh-CN" sz="1600" dirty="0"/>
           </a:p>
           <a:p>
             <a:pPr>
@@ -12390,7 +12323,6 @@
               <a:rPr lang="zh-CN" altLang="en-US" sz="1600" dirty="0"/>
               <a:t>更新相应信息至数据库</a:t>
             </a:r>
-            <a:endParaRPr lang="zh-CN" altLang="en-US" sz="1600" dirty="0"/>
           </a:p>
           <a:p>
             <a:pPr>
@@ -12406,7 +12338,6 @@
               <a:rPr lang="en-US" altLang="zh-CN" sz="1600" dirty="0"/>
               <a:t>end</a:t>
             </a:r>
-            <a:endParaRPr lang="en-US" altLang="zh-CN" sz="1600" dirty="0"/>
           </a:p>
           <a:p>
             <a:pPr>
@@ -12418,7 +12349,6 @@
               <a:rPr lang="zh-CN" altLang="en-US" sz="1600" dirty="0"/>
               <a:t>出现新的积分排行榜</a:t>
             </a:r>
-            <a:endParaRPr lang="zh-CN" altLang="en-US" sz="1600" dirty="0"/>
           </a:p>
           <a:p>
             <a:pPr>
@@ -12430,7 +12360,6 @@
               <a:rPr lang="zh-CN" altLang="en-US" sz="1600" dirty="0"/>
               <a:t>             返回‘主界面’并显示该用户当前积分</a:t>
             </a:r>
-            <a:endParaRPr lang="zh-CN" altLang="en-US" sz="1600" dirty="0"/>
           </a:p>
           <a:p>
             <a:pPr>
@@ -12442,7 +12371,6 @@
               <a:rPr lang="en-US" altLang="zh-CN" sz="1600" dirty="0"/>
               <a:t>end</a:t>
             </a:r>
-            <a:endParaRPr lang="en-US" altLang="zh-CN" sz="1600" dirty="0"/>
           </a:p>
           <a:p>
             <a:endParaRPr lang="zh-CN" altLang="en-US" dirty="0"/>
@@ -12454,13 +12382,13 @@
   <p:clrMapOvr>
     <a:masterClrMapping/>
   </p:clrMapOvr>
-  <mc:AlternateContent xmlns:mc="http://schemas.openxmlformats.org/markup-compatibility/2006">
-    <mc:Choice xmlns:p14="http://schemas.microsoft.com/office/powerpoint/2010/main" Requires="p14">
+  <mc:AlternateContent xmlns:mc="http://schemas.openxmlformats.org/markup-compatibility/2006" xmlns:p14="http://schemas.microsoft.com/office/powerpoint/2010/main">
+    <mc:Choice Requires="p14">
       <p:transition p14:dur="100">
         <p:cut/>
       </p:transition>
     </mc:Choice>
-    <mc:Fallback>
+    <mc:Fallback xmlns="">
       <p:transition>
         <p:cut/>
       </p:transition>
@@ -12588,7 +12516,7 @@
           <p:nvPr/>
         </p:nvPicPr>
         <p:blipFill>
-          <a:blip r:embed="rId1">
+          <a:blip r:embed="rId2">
             <a:extLst>
               <a:ext uri="{28A0092B-C50C-407E-A947-70E740481C1C}">
                 <a14:useLocalDpi xmlns:a14="http://schemas.microsoft.com/office/drawing/2010/main" val="0"/>
@@ -12648,13 +12576,13 @@
   <p:clrMapOvr>
     <a:masterClrMapping/>
   </p:clrMapOvr>
-  <mc:AlternateContent xmlns:mc="http://schemas.openxmlformats.org/markup-compatibility/2006">
-    <mc:Choice xmlns:p14="http://schemas.microsoft.com/office/powerpoint/2010/main" Requires="p14">
+  <mc:AlternateContent xmlns:mc="http://schemas.openxmlformats.org/markup-compatibility/2006" xmlns:p14="http://schemas.microsoft.com/office/powerpoint/2010/main">
+    <mc:Choice Requires="p14">
       <p:transition p14:dur="100">
         <p:cut/>
       </p:transition>
     </mc:Choice>
-    <mc:Fallback>
+    <mc:Fallback xmlns="">
       <p:transition>
         <p:cut/>
       </p:transition>
@@ -13040,10 +12968,6 @@
                 </a:rPr>
                 <a:t>引言</a:t>
               </a:r>
-              <a:endParaRPr lang="zh-CN" altLang="en-US" sz="2200" dirty="0">
-                <a:latin typeface="微软雅黑" panose="020B0503020204020204" pitchFamily="34" charset="-122"/>
-                <a:ea typeface="微软雅黑" panose="020B0503020204020204" pitchFamily="34" charset="-122"/>
-              </a:endParaRPr>
             </a:p>
           </p:txBody>
         </p:sp>
@@ -13141,10 +13065,6 @@
                 </a:rPr>
                 <a:t>参考文献</a:t>
               </a:r>
-              <a:endParaRPr lang="zh-CN" altLang="en-US" sz="2200" dirty="0">
-                <a:latin typeface="微软雅黑" panose="020B0503020204020204" pitchFamily="34" charset="-122"/>
-                <a:ea typeface="微软雅黑" panose="020B0503020204020204" pitchFamily="34" charset="-122"/>
-              </a:endParaRPr>
             </a:p>
           </p:txBody>
         </p:sp>
@@ -13242,10 +13162,6 @@
                 </a:rPr>
                 <a:t>项目计划</a:t>
               </a:r>
-              <a:endParaRPr lang="zh-CN" altLang="en-US" sz="2200" dirty="0">
-                <a:latin typeface="微软雅黑" panose="020B0503020204020204" pitchFamily="34" charset="-122"/>
-                <a:ea typeface="微软雅黑" panose="020B0503020204020204" pitchFamily="34" charset="-122"/>
-              </a:endParaRPr>
             </a:p>
           </p:txBody>
         </p:sp>
@@ -13343,10 +13259,6 @@
                 </a:rPr>
                 <a:t>可行性分析报告</a:t>
               </a:r>
-              <a:endParaRPr lang="zh-CN" altLang="en-US" sz="2200" dirty="0">
-                <a:latin typeface="微软雅黑" panose="020B0503020204020204" pitchFamily="34" charset="-122"/>
-                <a:ea typeface="微软雅黑" panose="020B0503020204020204" pitchFamily="34" charset="-122"/>
-              </a:endParaRPr>
             </a:p>
           </p:txBody>
         </p:sp>
@@ -13444,10 +13356,6 @@
                 </a:rPr>
                 <a:t>需求分析报告</a:t>
               </a:r>
-              <a:endParaRPr lang="zh-CN" altLang="en-US" sz="2200" dirty="0">
-                <a:latin typeface="微软雅黑" panose="020B0503020204020204" pitchFamily="34" charset="-122"/>
-                <a:ea typeface="微软雅黑" panose="020B0503020204020204" pitchFamily="34" charset="-122"/>
-              </a:endParaRPr>
             </a:p>
           </p:txBody>
         </p:sp>
@@ -13646,10 +13554,6 @@
                 </a:rPr>
                 <a:t>代码规范</a:t>
               </a:r>
-              <a:endParaRPr lang="zh-CN" altLang="en-US" sz="2200" dirty="0">
-                <a:latin typeface="微软雅黑" panose="020B0503020204020204" pitchFamily="34" charset="-122"/>
-                <a:ea typeface="微软雅黑" panose="020B0503020204020204" pitchFamily="34" charset="-122"/>
-              </a:endParaRPr>
             </a:p>
           </p:txBody>
         </p:sp>
@@ -13747,10 +13651,6 @@
                 </a:rPr>
                 <a:t>详细设计</a:t>
               </a:r>
-              <a:endParaRPr lang="zh-CN" altLang="en-US" sz="2200" dirty="0">
-                <a:latin typeface="微软雅黑" panose="020B0503020204020204" pitchFamily="34" charset="-122"/>
-                <a:ea typeface="微软雅黑" panose="020B0503020204020204" pitchFamily="34" charset="-122"/>
-              </a:endParaRPr>
             </a:p>
           </p:txBody>
         </p:sp>
@@ -13848,10 +13748,6 @@
                 </a:rPr>
                 <a:t>总体设计</a:t>
               </a:r>
-              <a:endParaRPr lang="zh-CN" altLang="en-US" sz="2200" dirty="0">
-                <a:latin typeface="微软雅黑" panose="020B0503020204020204" pitchFamily="34" charset="-122"/>
-                <a:ea typeface="微软雅黑" panose="020B0503020204020204" pitchFamily="34" charset="-122"/>
-              </a:endParaRPr>
             </a:p>
           </p:txBody>
         </p:sp>
@@ -14056,10 +13952,6 @@
                 </a:rPr>
                 <a:t>程序清单</a:t>
               </a:r>
-              <a:endParaRPr lang="zh-CN" altLang="en-US" sz="2200" dirty="0">
-                <a:latin typeface="微软雅黑" panose="020B0503020204020204" pitchFamily="34" charset="-122"/>
-                <a:ea typeface="微软雅黑" panose="020B0503020204020204" pitchFamily="34" charset="-122"/>
-              </a:endParaRPr>
             </a:p>
           </p:txBody>
         </p:sp>
@@ -14157,10 +14049,6 @@
                 </a:rPr>
                 <a:t>组员绩效评定</a:t>
               </a:r>
-              <a:endParaRPr lang="zh-CN" altLang="en-US" sz="2200" dirty="0">
-                <a:latin typeface="微软雅黑" panose="020B0503020204020204" pitchFamily="34" charset="-122"/>
-                <a:ea typeface="微软雅黑" panose="020B0503020204020204" pitchFamily="34" charset="-122"/>
-              </a:endParaRPr>
             </a:p>
           </p:txBody>
         </p:sp>
@@ -14170,13 +14058,13 @@
   <p:clrMapOvr>
     <a:masterClrMapping/>
   </p:clrMapOvr>
-  <mc:AlternateContent xmlns:mc="http://schemas.openxmlformats.org/markup-compatibility/2006">
-    <mc:Choice xmlns:p14="http://schemas.microsoft.com/office/powerpoint/2010/main" Requires="p14">
+  <mc:AlternateContent xmlns:mc="http://schemas.openxmlformats.org/markup-compatibility/2006" xmlns:p14="http://schemas.microsoft.com/office/powerpoint/2010/main">
+    <mc:Choice Requires="p14">
       <p:transition p14:dur="100">
         <p:cut/>
       </p:transition>
     </mc:Choice>
-    <mc:Fallback>
+    <mc:Fallback xmlns="">
       <p:transition>
         <p:cut/>
       </p:transition>
@@ -14304,7 +14192,7 @@
           <p:nvPr/>
         </p:nvPicPr>
         <p:blipFill>
-          <a:blip r:embed="rId1">
+          <a:blip r:embed="rId2">
             <a:extLst>
               <a:ext uri="{28A0092B-C50C-407E-A947-70E740481C1C}">
                 <a14:useLocalDpi xmlns:a14="http://schemas.microsoft.com/office/drawing/2010/main" val="0"/>
@@ -14364,13 +14252,13 @@
   <p:clrMapOvr>
     <a:masterClrMapping/>
   </p:clrMapOvr>
-  <mc:AlternateContent xmlns:mc="http://schemas.openxmlformats.org/markup-compatibility/2006">
-    <mc:Choice xmlns:p14="http://schemas.microsoft.com/office/powerpoint/2010/main" Requires="p14">
+  <mc:AlternateContent xmlns:mc="http://schemas.openxmlformats.org/markup-compatibility/2006" xmlns:p14="http://schemas.microsoft.com/office/powerpoint/2010/main">
+    <mc:Choice Requires="p14">
       <p:transition p14:dur="100">
         <p:cut/>
       </p:transition>
     </mc:Choice>
-    <mc:Fallback>
+    <mc:Fallback xmlns="">
       <p:transition>
         <p:cut/>
       </p:transition>
@@ -14528,7 +14416,7 @@
           <p:nvPr/>
         </p:nvPicPr>
         <p:blipFill>
-          <a:blip r:embed="rId1">
+          <a:blip r:embed="rId2">
             <a:extLst>
               <a:ext uri="{28A0092B-C50C-407E-A947-70E740481C1C}">
                 <a14:useLocalDpi xmlns:a14="http://schemas.microsoft.com/office/drawing/2010/main" val="0"/>
@@ -14588,13 +14476,13 @@
   <p:clrMapOvr>
     <a:masterClrMapping/>
   </p:clrMapOvr>
-  <mc:AlternateContent xmlns:mc="http://schemas.openxmlformats.org/markup-compatibility/2006">
-    <mc:Choice xmlns:p14="http://schemas.microsoft.com/office/powerpoint/2010/main" Requires="p14">
+  <mc:AlternateContent xmlns:mc="http://schemas.openxmlformats.org/markup-compatibility/2006" xmlns:p14="http://schemas.microsoft.com/office/powerpoint/2010/main">
+    <mc:Choice Requires="p14">
       <p:transition p14:dur="100">
         <p:cut/>
       </p:transition>
     </mc:Choice>
-    <mc:Fallback>
+    <mc:Fallback xmlns="">
       <p:transition>
         <p:cut/>
       </p:transition>
@@ -14722,7 +14610,7 @@
           <p:nvPr/>
         </p:nvPicPr>
         <p:blipFill>
-          <a:blip r:embed="rId1">
+          <a:blip r:embed="rId2">
             <a:extLst>
               <a:ext uri="{28A0092B-C50C-407E-A947-70E740481C1C}">
                 <a14:useLocalDpi xmlns:a14="http://schemas.microsoft.com/office/drawing/2010/main" val="0"/>
@@ -14786,7 +14674,7 @@
           <p:nvPr/>
         </p:nvPicPr>
         <p:blipFill>
-          <a:blip r:embed="rId2">
+          <a:blip r:embed="rId3">
             <a:extLst>
               <a:ext uri="{28A0092B-C50C-407E-A947-70E740481C1C}">
                 <a14:useLocalDpi xmlns:a14="http://schemas.microsoft.com/office/drawing/2010/main" val="0"/>
@@ -14850,7 +14738,7 @@
           <p:nvPr/>
         </p:nvPicPr>
         <p:blipFill>
-          <a:blip r:embed="rId3">
+          <a:blip r:embed="rId4">
             <a:extLst>
               <a:ext uri="{28A0092B-C50C-407E-A947-70E740481C1C}">
                 <a14:useLocalDpi xmlns:a14="http://schemas.microsoft.com/office/drawing/2010/main" val="0"/>
@@ -14910,13 +14798,13 @@
   <p:clrMapOvr>
     <a:masterClrMapping/>
   </p:clrMapOvr>
-  <mc:AlternateContent xmlns:mc="http://schemas.openxmlformats.org/markup-compatibility/2006">
-    <mc:Choice xmlns:p14="http://schemas.microsoft.com/office/powerpoint/2010/main" Requires="p14">
+  <mc:AlternateContent xmlns:mc="http://schemas.openxmlformats.org/markup-compatibility/2006" xmlns:p14="http://schemas.microsoft.com/office/powerpoint/2010/main">
+    <mc:Choice Requires="p14">
       <p:transition p14:dur="100">
         <p:cut/>
       </p:transition>
     </mc:Choice>
-    <mc:Fallback>
+    <mc:Fallback xmlns="">
       <p:transition>
         <p:cut/>
       </p:transition>
@@ -15340,7 +15228,7 @@
           <p:nvPr/>
         </p:nvPicPr>
         <p:blipFill>
-          <a:blip r:embed="rId1">
+          <a:blip r:embed="rId2">
             <a:extLst>
               <a:ext uri="{28A0092B-C50C-407E-A947-70E740481C1C}">
                 <a14:useLocalDpi xmlns:a14="http://schemas.microsoft.com/office/drawing/2010/main" val="0"/>
@@ -15400,13 +15288,13 @@
   <p:clrMapOvr>
     <a:masterClrMapping/>
   </p:clrMapOvr>
-  <mc:AlternateContent xmlns:mc="http://schemas.openxmlformats.org/markup-compatibility/2006">
-    <mc:Choice xmlns:p14="http://schemas.microsoft.com/office/powerpoint/2010/main" Requires="p14">
+  <mc:AlternateContent xmlns:mc="http://schemas.openxmlformats.org/markup-compatibility/2006" xmlns:p14="http://schemas.microsoft.com/office/powerpoint/2010/main">
+    <mc:Choice Requires="p14">
       <p:transition p14:dur="100">
         <p:cut/>
       </p:transition>
     </mc:Choice>
-    <mc:Fallback>
+    <mc:Fallback xmlns="">
       <p:transition>
         <p:cut/>
       </p:transition>
@@ -15551,42 +15439,36 @@
               <a:rPr lang="zh-CN" altLang="en-US" dirty="0"/>
               <a:t>教训：没有做好整个项目的规划，各个阶段该做什么，细节上做到了如指掌</a:t>
             </a:r>
-            <a:endParaRPr lang="zh-CN" altLang="en-US" dirty="0"/>
           </a:p>
           <a:p>
             <a:r>
               <a:rPr lang="zh-CN" altLang="en-US" dirty="0"/>
               <a:t>可行性研究阶段：没有列出多种方案（超过2种），后来证明唯一的方案不可行，没有时间修改调整项目。该阶段对项目资料没有付出足够多的资料去了解项目架构等等，技术路线单一，想着依靠微信接口。</a:t>
             </a:r>
-            <a:endParaRPr lang="zh-CN" altLang="en-US" dirty="0"/>
           </a:p>
           <a:p>
             <a:r>
               <a:rPr lang="zh-CN" altLang="en-US" dirty="0"/>
               <a:t>需求分析阶段：没有修正和确定具体的开发计划，也没有相应的软件原型。因为当时只看了一个腊鸭引擎，然后对其他的引擎没有去了解，视野太窄了，也没有任何游戏引擎使用的经验，也没有开始学习相关的技术，访谈以后相应的demo，需求确认不够。</a:t>
             </a:r>
-            <a:endParaRPr lang="zh-CN" altLang="en-US" dirty="0"/>
           </a:p>
           <a:p>
             <a:r>
               <a:rPr lang="zh-CN" altLang="en-US" dirty="0"/>
               <a:t>在设计阶段 ,设有及时使用引擎制作界面原型，因为之前没有准确的数据流图，之后描绘软件结构十分困难，最后凭借主观意向画出了不准确的层次图和HIPO图。</a:t>
             </a:r>
-            <a:endParaRPr lang="zh-CN" altLang="en-US" dirty="0"/>
           </a:p>
           <a:p>
             <a:r>
               <a:rPr lang="zh-CN" altLang="en-US" dirty="0"/>
               <a:t>在详细设计阶段，我们才最终选择使用cocos creater作为引擎编写游戏开始学习该引擎相关的文档和API，这时候已经太晚了。</a:t>
             </a:r>
-            <a:endParaRPr lang="zh-CN" altLang="en-US" dirty="0"/>
           </a:p>
           <a:p>
             <a:r>
               <a:rPr lang="zh-CN" altLang="en-US" dirty="0"/>
               <a:t>在实现测试阶段，每个人都在全力学习自己负责的部分，陈帆学习cocos creater，张荣阳负责服务器的搭建，前端和服务器的通信连接；赵伟宏负责数据库的搭建和编写数据库的相应函数。测试方面则无法进行下去。</a:t>
             </a:r>
-            <a:endParaRPr lang="zh-CN" altLang="en-US" dirty="0"/>
           </a:p>
         </p:txBody>
       </p:sp>
@@ -15595,13 +15477,13 @@
   <p:clrMapOvr>
     <a:masterClrMapping/>
   </p:clrMapOvr>
-  <mc:AlternateContent xmlns:mc="http://schemas.openxmlformats.org/markup-compatibility/2006">
-    <mc:Choice xmlns:p14="http://schemas.microsoft.com/office/powerpoint/2010/main" Requires="p14">
+  <mc:AlternateContent xmlns:mc="http://schemas.openxmlformats.org/markup-compatibility/2006" xmlns:p14="http://schemas.microsoft.com/office/powerpoint/2010/main">
+    <mc:Choice Requires="p14">
       <p:transition p14:dur="100">
         <p:cut/>
       </p:transition>
     </mc:Choice>
-    <mc:Fallback>
+    <mc:Fallback xmlns="">
       <p:transition>
         <p:cut/>
       </p:transition>
@@ -15748,7 +15630,11 @@
             </a:r>
             <a:r>
               <a:rPr lang="en-US" altLang="zh-CN" sz="2400" dirty="0" smtClean="0"/>
-              <a:t>	93</a:t>
+              <a:t>	</a:t>
+            </a:r>
+            <a:r>
+              <a:rPr lang="en-US" altLang="zh-CN" sz="2400" dirty="0" smtClean="0"/>
+              <a:t>83</a:t>
             </a:r>
             <a:endParaRPr lang="en-US" altLang="zh-CN" sz="2400" dirty="0" smtClean="0"/>
           </a:p>
@@ -15762,7 +15648,11 @@
             </a:r>
             <a:r>
               <a:rPr lang="en-US" altLang="zh-CN" sz="2400" dirty="0" smtClean="0"/>
-              <a:t>	92</a:t>
+              <a:t>	</a:t>
+            </a:r>
+            <a:r>
+              <a:rPr lang="en-US" altLang="zh-CN" sz="2400" dirty="0" smtClean="0"/>
+              <a:t>85</a:t>
             </a:r>
             <a:endParaRPr lang="en-US" altLang="zh-CN" sz="2400" dirty="0" smtClean="0"/>
           </a:p>
@@ -15784,7 +15674,11 @@
             </a:r>
             <a:r>
               <a:rPr lang="en-US" altLang="zh-CN" sz="2400" dirty="0" smtClean="0"/>
-              <a:t>	91</a:t>
+              <a:t>	</a:t>
+            </a:r>
+            <a:r>
+              <a:rPr lang="en-US" altLang="zh-CN" sz="2400" dirty="0" smtClean="0"/>
+              <a:t>84</a:t>
             </a:r>
             <a:endParaRPr lang="en-US" altLang="zh-CN" sz="2400" dirty="0" smtClean="0"/>
           </a:p>
@@ -15798,13 +15692,13 @@
   <p:clrMapOvr>
     <a:masterClrMapping/>
   </p:clrMapOvr>
-  <mc:AlternateContent xmlns:mc="http://schemas.openxmlformats.org/markup-compatibility/2006">
-    <mc:Choice xmlns:p14="http://schemas.microsoft.com/office/powerpoint/2010/main" Requires="p14">
+  <mc:AlternateContent xmlns:mc="http://schemas.openxmlformats.org/markup-compatibility/2006" xmlns:p14="http://schemas.microsoft.com/office/powerpoint/2010/main">
+    <mc:Choice Requires="p14">
       <p:transition p14:dur="100">
         <p:cut/>
       </p:transition>
     </mc:Choice>
-    <mc:Fallback>
+    <mc:Fallback xmlns="">
       <p:transition>
         <p:cut/>
       </p:transition>
@@ -16929,13 +16823,13 @@
   <p:clrMapOvr>
     <a:masterClrMapping/>
   </p:clrMapOvr>
-  <mc:AlternateContent xmlns:mc="http://schemas.openxmlformats.org/markup-compatibility/2006">
-    <mc:Choice xmlns:p14="http://schemas.microsoft.com/office/powerpoint/2010/main" Requires="p14">
+  <mc:AlternateContent xmlns:mc="http://schemas.openxmlformats.org/markup-compatibility/2006" xmlns:p14="http://schemas.microsoft.com/office/powerpoint/2010/main">
+    <mc:Choice Requires="p14">
       <p:transition p14:dur="100">
         <p:cut/>
       </p:transition>
     </mc:Choice>
-    <mc:Fallback>
+    <mc:Fallback xmlns="">
       <p:transition>
         <p:cut/>
       </p:transition>
@@ -17116,13 +17010,13 @@
   <p:clrMapOvr>
     <a:masterClrMapping/>
   </p:clrMapOvr>
-  <mc:AlternateContent xmlns:mc="http://schemas.openxmlformats.org/markup-compatibility/2006">
-    <mc:Choice xmlns:p14="http://schemas.microsoft.com/office/powerpoint/2010/main" Requires="p14">
+  <mc:AlternateContent xmlns:mc="http://schemas.openxmlformats.org/markup-compatibility/2006" xmlns:p14="http://schemas.microsoft.com/office/powerpoint/2010/main">
+    <mc:Choice Requires="p14">
       <p:transition p14:dur="100">
         <p:cut/>
       </p:transition>
     </mc:Choice>
-    <mc:Fallback>
+    <mc:Fallback xmlns="">
       <p:transition>
         <p:cut/>
       </p:transition>
@@ -17537,14 +17431,6 @@
               </a:rPr>
               <a:t>305-335</a:t>
             </a:r>
-            <a:endParaRPr lang="en-US" altLang="zh-CN" dirty="0" smtClean="0">
-              <a:solidFill>
-                <a:srgbClr val="000000"/>
-              </a:solidFill>
-              <a:latin typeface="等线" panose="02010600030101010101" pitchFamily="2" charset="-122"/>
-              <a:ea typeface="等线" panose="02010600030101010101" pitchFamily="2" charset="-122"/>
-              <a:cs typeface="Times New Roman" panose="02020603050405020304" pitchFamily="18" charset="0"/>
-            </a:endParaRPr>
           </a:p>
           <a:p>
             <a:pPr marL="0" indent="0" algn="just" defTabSz="457200" eaLnBrk="0" fontAlgn="base" hangingPunct="0">
@@ -17604,14 +17490,6 @@
               </a:rPr>
               <a:t>Cocos引擎文档[EB/OL]. http://www.cocos.com/docs/.</a:t>
             </a:r>
-            <a:endParaRPr dirty="0" smtClean="0">
-              <a:solidFill>
-                <a:srgbClr val="000000"/>
-              </a:solidFill>
-              <a:latin typeface="等线" panose="02010600030101010101" pitchFamily="2" charset="-122"/>
-              <a:ea typeface="等线" panose="02010600030101010101" pitchFamily="2" charset="-122"/>
-              <a:cs typeface="Times New Roman" panose="02020603050405020304" pitchFamily="18" charset="0"/>
-            </a:endParaRPr>
           </a:p>
           <a:p>
             <a:pPr marL="0" indent="0" algn="just" defTabSz="457200" eaLnBrk="0" fontAlgn="base" hangingPunct="0">
@@ -17663,15 +17541,6 @@
               </a:rPr>
               <a:t>.</a:t>
             </a:r>
-            <a:endParaRPr lang="en-US" altLang="zh-CN" dirty="0" smtClean="0">
-              <a:solidFill>
-                <a:srgbClr val="000000"/>
-              </a:solidFill>
-              <a:latin typeface="等线" panose="02010600030101010101" pitchFamily="2" charset="-122"/>
-              <a:ea typeface="等线" panose="02010600030101010101" pitchFamily="2" charset="-122"/>
-              <a:cs typeface="Times New Roman" panose="02020603050405020304" pitchFamily="18" charset="0"/>
-              <a:sym typeface="+mn-ea"/>
-            </a:endParaRPr>
           </a:p>
           <a:p>
             <a:pPr marL="0" indent="0" algn="just" defTabSz="457200" eaLnBrk="0" fontAlgn="base" hangingPunct="0">
@@ -17699,15 +17568,6 @@
               </a:rPr>
               <a:t>Cocos API[EB/OL]. http://http://docs.cocos.com/creator/api/zh/</a:t>
             </a:r>
-            <a:endParaRPr lang="en-US" altLang="zh-CN" dirty="0" smtClean="0">
-              <a:solidFill>
-                <a:srgbClr val="000000"/>
-              </a:solidFill>
-              <a:latin typeface="等线" panose="02010600030101010101" pitchFamily="2" charset="-122"/>
-              <a:ea typeface="等线" panose="02010600030101010101" pitchFamily="2" charset="-122"/>
-              <a:cs typeface="Times New Roman" panose="02020603050405020304" pitchFamily="18" charset="0"/>
-              <a:sym typeface="+mn-ea"/>
-            </a:endParaRPr>
           </a:p>
           <a:p>
             <a:pPr marL="0" indent="0" algn="just" defTabSz="457200" eaLnBrk="0" fontAlgn="base" hangingPunct="0">
@@ -17756,14 +17616,6 @@
               </a:rPr>
               <a:t>. socket.io[EB/OL]. https://socket.io/docs/.</a:t>
             </a:r>
-            <a:endParaRPr lang="en-US" altLang="zh-CN" dirty="0" smtClean="0">
-              <a:solidFill>
-                <a:srgbClr val="000000"/>
-              </a:solidFill>
-              <a:latin typeface="等线" panose="02010600030101010101" pitchFamily="2" charset="-122"/>
-              <a:ea typeface="等线" panose="02010600030101010101" pitchFamily="2" charset="-122"/>
-              <a:cs typeface="Times New Roman" panose="02020603050405020304" pitchFamily="18" charset="0"/>
-            </a:endParaRPr>
           </a:p>
         </p:txBody>
       </p:sp>
@@ -17772,13 +17624,13 @@
   <p:clrMapOvr>
     <a:masterClrMapping/>
   </p:clrMapOvr>
-  <mc:AlternateContent xmlns:mc="http://schemas.openxmlformats.org/markup-compatibility/2006">
-    <mc:Choice xmlns:p14="http://schemas.microsoft.com/office/powerpoint/2010/main" Requires="p14">
+  <mc:AlternateContent xmlns:mc="http://schemas.openxmlformats.org/markup-compatibility/2006" xmlns:p14="http://schemas.microsoft.com/office/powerpoint/2010/main">
+    <mc:Choice Requires="p14">
       <p:transition p14:dur="100">
         <p:cut/>
       </p:transition>
     </mc:Choice>
-    <mc:Fallback>
+    <mc:Fallback xmlns="">
       <p:transition>
         <p:cut/>
       </p:transition>
@@ -17906,7 +17758,7 @@
           <p:nvPr/>
         </p:nvPicPr>
         <p:blipFill>
-          <a:blip r:embed="rId1">
+          <a:blip r:embed="rId2">
             <a:extLst>
               <a:ext uri="{28A0092B-C50C-407E-A947-70E740481C1C}">
                 <a14:useLocalDpi xmlns:a14="http://schemas.microsoft.com/office/drawing/2010/main" val="0"/>
@@ -17970,7 +17822,7 @@
           <p:nvPr/>
         </p:nvPicPr>
         <p:blipFill>
-          <a:blip r:embed="rId2">
+          <a:blip r:embed="rId3">
             <a:extLst>
               <a:ext uri="{28A0092B-C50C-407E-A947-70E740481C1C}">
                 <a14:useLocalDpi xmlns:a14="http://schemas.microsoft.com/office/drawing/2010/main" val="0"/>
@@ -18030,13 +17882,13 @@
   <p:clrMapOvr>
     <a:masterClrMapping/>
   </p:clrMapOvr>
-  <mc:AlternateContent xmlns:mc="http://schemas.openxmlformats.org/markup-compatibility/2006">
-    <mc:Choice xmlns:p14="http://schemas.microsoft.com/office/powerpoint/2010/main" Requires="p14">
+  <mc:AlternateContent xmlns:mc="http://schemas.openxmlformats.org/markup-compatibility/2006" xmlns:p14="http://schemas.microsoft.com/office/powerpoint/2010/main">
+    <mc:Choice Requires="p14">
       <p:transition p14:dur="100">
         <p:cut/>
       </p:transition>
     </mc:Choice>
-    <mc:Fallback>
+    <mc:Fallback xmlns="">
       <p:transition>
         <p:cut/>
       </p:transition>
@@ -18285,7 +18137,7 @@
           <p:nvPr/>
         </p:nvPicPr>
         <p:blipFill>
-          <a:blip r:embed="rId1">
+          <a:blip r:embed="rId2">
             <a:extLst>
               <a:ext uri="{28A0092B-C50C-407E-A947-70E740481C1C}">
                 <a14:useLocalDpi xmlns:a14="http://schemas.microsoft.com/office/drawing/2010/main" val="0"/>
@@ -18311,13 +18163,13 @@
   <p:clrMapOvr>
     <a:masterClrMapping/>
   </p:clrMapOvr>
-  <mc:AlternateContent xmlns:mc="http://schemas.openxmlformats.org/markup-compatibility/2006">
-    <mc:Choice xmlns:p14="http://schemas.microsoft.com/office/powerpoint/2010/main" Requires="p14">
+  <mc:AlternateContent xmlns:mc="http://schemas.openxmlformats.org/markup-compatibility/2006" xmlns:p14="http://schemas.microsoft.com/office/powerpoint/2010/main">
+    <mc:Choice Requires="p14">
       <p:transition p14:dur="100">
         <p:cut/>
       </p:transition>
     </mc:Choice>
-    <mc:Fallback>
+    <mc:Fallback xmlns="">
       <p:transition>
         <p:cut/>
       </p:transition>
@@ -18453,7 +18305,7 @@
           <p:nvPr/>
         </p:nvPicPr>
         <p:blipFill>
-          <a:blip r:embed="rId1">
+          <a:blip r:embed="rId2">
             <a:extLst>
               <a:ext uri="{28A0092B-C50C-407E-A947-70E740481C1C}">
                 <a14:useLocalDpi xmlns:a14="http://schemas.microsoft.com/office/drawing/2010/main" val="0"/>
@@ -18513,13 +18365,13 @@
   <p:clrMapOvr>
     <a:masterClrMapping/>
   </p:clrMapOvr>
-  <mc:AlternateContent xmlns:mc="http://schemas.openxmlformats.org/markup-compatibility/2006">
-    <mc:Choice xmlns:p14="http://schemas.microsoft.com/office/powerpoint/2010/main" Requires="p14">
+  <mc:AlternateContent xmlns:mc="http://schemas.openxmlformats.org/markup-compatibility/2006" xmlns:p14="http://schemas.microsoft.com/office/powerpoint/2010/main">
+    <mc:Choice Requires="p14">
       <p:transition p14:dur="100">
         <p:cut/>
       </p:transition>
     </mc:Choice>
-    <mc:Fallback>
+    <mc:Fallback xmlns="">
       <p:transition>
         <p:cut/>
       </p:transition>
@@ -18655,7 +18507,7 @@
           <p:nvPr/>
         </p:nvPicPr>
         <p:blipFill>
-          <a:blip r:embed="rId1">
+          <a:blip r:embed="rId2">
             <a:extLst>
               <a:ext uri="{28A0092B-C50C-407E-A947-70E740481C1C}">
                 <a14:useLocalDpi xmlns:a14="http://schemas.microsoft.com/office/drawing/2010/main" val="0"/>
@@ -18681,13 +18533,13 @@
   <p:clrMapOvr>
     <a:masterClrMapping/>
   </p:clrMapOvr>
-  <mc:AlternateContent xmlns:mc="http://schemas.openxmlformats.org/markup-compatibility/2006">
-    <mc:Choice xmlns:p14="http://schemas.microsoft.com/office/powerpoint/2010/main" Requires="p14">
+  <mc:AlternateContent xmlns:mc="http://schemas.openxmlformats.org/markup-compatibility/2006" xmlns:p14="http://schemas.microsoft.com/office/powerpoint/2010/main">
+    <mc:Choice Requires="p14">
       <p:transition p14:dur="100">
         <p:cut/>
       </p:transition>
     </mc:Choice>
-    <mc:Fallback>
+    <mc:Fallback xmlns="">
       <p:transition>
         <p:cut/>
       </p:transition>
@@ -18823,7 +18675,7 @@
           <p:nvPr/>
         </p:nvPicPr>
         <p:blipFill>
-          <a:blip r:embed="rId1">
+          <a:blip r:embed="rId2">
             <a:extLst>
               <a:ext uri="{28A0092B-C50C-407E-A947-70E740481C1C}">
                 <a14:useLocalDpi xmlns:a14="http://schemas.microsoft.com/office/drawing/2010/main" val="0"/>
@@ -18887,7 +18739,7 @@
           <p:nvPr/>
         </p:nvPicPr>
         <p:blipFill>
-          <a:blip r:embed="rId2">
+          <a:blip r:embed="rId3">
             <a:extLst>
               <a:ext uri="{28A0092B-C50C-407E-A947-70E740481C1C}">
                 <a14:useLocalDpi xmlns:a14="http://schemas.microsoft.com/office/drawing/2010/main" val="0"/>
@@ -18951,7 +18803,7 @@
           <p:nvPr/>
         </p:nvPicPr>
         <p:blipFill>
-          <a:blip r:embed="rId3">
+          <a:blip r:embed="rId4">
             <a:extLst>
               <a:ext uri="{28A0092B-C50C-407E-A947-70E740481C1C}">
                 <a14:useLocalDpi xmlns:a14="http://schemas.microsoft.com/office/drawing/2010/main" val="0"/>
@@ -19015,7 +18867,7 @@
           <p:nvPr/>
         </p:nvPicPr>
         <p:blipFill>
-          <a:blip r:embed="rId4">
+          <a:blip r:embed="rId5">
             <a:extLst>
               <a:ext uri="{28A0092B-C50C-407E-A947-70E740481C1C}">
                 <a14:useLocalDpi xmlns:a14="http://schemas.microsoft.com/office/drawing/2010/main" val="0"/>
@@ -19079,7 +18931,7 @@
           <p:nvPr/>
         </p:nvPicPr>
         <p:blipFill>
-          <a:blip r:embed="rId5">
+          <a:blip r:embed="rId6">
             <a:extLst>
               <a:ext uri="{28A0092B-C50C-407E-A947-70E740481C1C}">
                 <a14:useLocalDpi xmlns:a14="http://schemas.microsoft.com/office/drawing/2010/main" val="0"/>
@@ -19143,7 +18995,7 @@
           <p:nvPr/>
         </p:nvPicPr>
         <p:blipFill>
-          <a:blip r:embed="rId6">
+          <a:blip r:embed="rId7">
             <a:extLst>
               <a:ext uri="{28A0092B-C50C-407E-A947-70E740481C1C}">
                 <a14:useLocalDpi xmlns:a14="http://schemas.microsoft.com/office/drawing/2010/main" val="0"/>
@@ -19207,7 +19059,7 @@
           <p:nvPr/>
         </p:nvPicPr>
         <p:blipFill>
-          <a:blip r:embed="rId7">
+          <a:blip r:embed="rId8">
             <a:extLst>
               <a:ext uri="{28A0092B-C50C-407E-A947-70E740481C1C}">
                 <a14:useLocalDpi xmlns:a14="http://schemas.microsoft.com/office/drawing/2010/main" val="0"/>
@@ -19271,7 +19123,7 @@
           <p:nvPr/>
         </p:nvPicPr>
         <p:blipFill>
-          <a:blip r:embed="rId8">
+          <a:blip r:embed="rId9">
             <a:extLst>
               <a:ext uri="{28A0092B-C50C-407E-A947-70E740481C1C}">
                 <a14:useLocalDpi xmlns:a14="http://schemas.microsoft.com/office/drawing/2010/main" val="0"/>
@@ -19331,13 +19183,13 @@
   <p:clrMapOvr>
     <a:masterClrMapping/>
   </p:clrMapOvr>
-  <mc:AlternateContent xmlns:mc="http://schemas.openxmlformats.org/markup-compatibility/2006">
-    <mc:Choice xmlns:p14="http://schemas.microsoft.com/office/powerpoint/2010/main" Requires="p14">
+  <mc:AlternateContent xmlns:mc="http://schemas.openxmlformats.org/markup-compatibility/2006" xmlns:p14="http://schemas.microsoft.com/office/powerpoint/2010/main">
+    <mc:Choice Requires="p14">
       <p:transition p14:dur="100">
         <p:cut/>
       </p:transition>
     </mc:Choice>
-    <mc:Fallback>
+    <mc:Fallback xmlns="">
       <p:transition>
         <p:cut/>
       </p:transition>
@@ -19604,9 +19456,11 @@
       </a:bgFillStyleLst>
     </a:fmtScheme>
   </a:themeElements>
+  <a:objectDefaults/>
+  <a:extraClrSchemeLst/>
   <a:extLst>
     <a:ext uri="{05A4C25C-085E-4340-85A3-A5531E510DB2}">
-      <thm15:themeFamily xmlns:thm15="http://schemas.microsoft.com/office/thememl/2012/main" name="Office Theme" id="{62F939B6-93AF-4DB8-9C6B-D6C7DFDC589F}" vid="{4A3C46E8-61CC-4603-A589-7422A47A8E4A}"/>
+      <thm15:themeFamily xmlns:thm15="http://schemas.microsoft.com/office/thememl/2012/main" xmlns="" name="Office Theme" id="{62F939B6-93AF-4DB8-9C6B-D6C7DFDC589F}" vid="{4A3C46E8-61CC-4603-A589-7422A47A8E4A}"/>
     </a:ext>
   </a:extLst>
 </a:theme>
@@ -19897,9 +19751,10 @@
       </a:style>
     </a:spDef>
   </a:objectDefaults>
+  <a:extraClrSchemeLst/>
   <a:extLst>
     <a:ext uri="{05A4C25C-085E-4340-85A3-A5531E510DB2}">
-      <thm15:themeFamily xmlns:thm15="http://schemas.microsoft.com/office/thememl/2012/main" name="Office Theme" id="{62F939B6-93AF-4DB8-9C6B-D6C7DFDC589F}" vid="{4A3C46E8-61CC-4603-A589-7422A47A8E4A}"/>
+      <thm15:themeFamily xmlns:thm15="http://schemas.microsoft.com/office/thememl/2012/main" xmlns="" name="Office Theme" id="{62F939B6-93AF-4DB8-9C6B-D6C7DFDC589F}" vid="{4A3C46E8-61CC-4603-A589-7422A47A8E4A}"/>
     </a:ext>
   </a:extLst>
 </a:theme>
@@ -20156,9 +20011,11 @@
       </a:bgFillStyleLst>
     </a:fmtScheme>
   </a:themeElements>
+  <a:objectDefaults/>
+  <a:extraClrSchemeLst/>
   <a:extLst>
     <a:ext uri="{05A4C25C-085E-4340-85A3-A5531E510DB2}">
-      <thm15:themeFamily xmlns:thm15="http://schemas.microsoft.com/office/thememl/2012/main" name="Office Theme" id="{62F939B6-93AF-4DB8-9C6B-D6C7DFDC589F}" vid="{4A3C46E8-61CC-4603-A589-7422A47A8E4A}"/>
+      <thm15:themeFamily xmlns:thm15="http://schemas.microsoft.com/office/thememl/2012/main" xmlns="" name="Office Theme" id="{62F939B6-93AF-4DB8-9C6B-D6C7DFDC589F}" vid="{4A3C46E8-61CC-4603-A589-7422A47A8E4A}"/>
     </a:ext>
   </a:extLst>
 </a:theme>
@@ -20415,9 +20272,11 @@
       </a:bgFillStyleLst>
     </a:fmtScheme>
   </a:themeElements>
+  <a:objectDefaults/>
+  <a:extraClrSchemeLst/>
   <a:extLst>
     <a:ext uri="{05A4C25C-085E-4340-85A3-A5531E510DB2}">
-      <thm15:themeFamily xmlns:thm15="http://schemas.microsoft.com/office/thememl/2012/main" name="Office Theme" id="{62F939B6-93AF-4DB8-9C6B-D6C7DFDC589F}" vid="{4A3C46E8-61CC-4603-A589-7422A47A8E4A}"/>
+      <thm15:themeFamily xmlns:thm15="http://schemas.microsoft.com/office/thememl/2012/main" xmlns="" name="Office Theme" id="{62F939B6-93AF-4DB8-9C6B-D6C7DFDC589F}" vid="{4A3C46E8-61CC-4603-A589-7422A47A8E4A}"/>
     </a:ext>
   </a:extLst>
 </a:theme>
